--- a/react/react.pptx
+++ b/react/react.pptx
@@ -107,6 +107,11 @@
       </a:defRPr>
     </a:lvl9pPr>
   </p:defaultTextStyle>
+  <p:extLst>
+    <p:ext uri="{EFAFB233-063F-42B5-8137-9DF3F51BA10A}">
+      <p15:sldGuideLst xmlns:p15="http://schemas.microsoft.com/office/powerpoint/2012/main"/>
+    </p:ext>
+  </p:extLst>
 </p:presentation>
 </file>
 
@@ -259,7 +264,7 @@
           <a:p>
             <a:fld id="{BA7C98FC-0AF0-AE45-A195-D023F30AD744}" type="datetimeFigureOut">
               <a:rPr lang="en-US" smtClean="0"/>
-              <a:t>4/16/25</a:t>
+              <a:t>4/17/25</a:t>
             </a:fld>
             <a:endParaRPr lang="en-US"/>
           </a:p>
@@ -459,7 +464,7 @@
           <a:p>
             <a:fld id="{BA7C98FC-0AF0-AE45-A195-D023F30AD744}" type="datetimeFigureOut">
               <a:rPr lang="en-US" smtClean="0"/>
-              <a:t>4/16/25</a:t>
+              <a:t>4/17/25</a:t>
             </a:fld>
             <a:endParaRPr lang="en-US"/>
           </a:p>
@@ -669,7 +674,7 @@
           <a:p>
             <a:fld id="{BA7C98FC-0AF0-AE45-A195-D023F30AD744}" type="datetimeFigureOut">
               <a:rPr lang="en-US" smtClean="0"/>
-              <a:t>4/16/25</a:t>
+              <a:t>4/17/25</a:t>
             </a:fld>
             <a:endParaRPr lang="en-US"/>
           </a:p>
@@ -869,7 +874,7 @@
           <a:p>
             <a:fld id="{BA7C98FC-0AF0-AE45-A195-D023F30AD744}" type="datetimeFigureOut">
               <a:rPr lang="en-US" smtClean="0"/>
-              <a:t>4/16/25</a:t>
+              <a:t>4/17/25</a:t>
             </a:fld>
             <a:endParaRPr lang="en-US"/>
           </a:p>
@@ -1145,7 +1150,7 @@
           <a:p>
             <a:fld id="{BA7C98FC-0AF0-AE45-A195-D023F30AD744}" type="datetimeFigureOut">
               <a:rPr lang="en-US" smtClean="0"/>
-              <a:t>4/16/25</a:t>
+              <a:t>4/17/25</a:t>
             </a:fld>
             <a:endParaRPr lang="en-US"/>
           </a:p>
@@ -1413,7 +1418,7 @@
           <a:p>
             <a:fld id="{BA7C98FC-0AF0-AE45-A195-D023F30AD744}" type="datetimeFigureOut">
               <a:rPr lang="en-US" smtClean="0"/>
-              <a:t>4/16/25</a:t>
+              <a:t>4/17/25</a:t>
             </a:fld>
             <a:endParaRPr lang="en-US"/>
           </a:p>
@@ -1828,7 +1833,7 @@
           <a:p>
             <a:fld id="{BA7C98FC-0AF0-AE45-A195-D023F30AD744}" type="datetimeFigureOut">
               <a:rPr lang="en-US" smtClean="0"/>
-              <a:t>4/16/25</a:t>
+              <a:t>4/17/25</a:t>
             </a:fld>
             <a:endParaRPr lang="en-US"/>
           </a:p>
@@ -1970,7 +1975,7 @@
           <a:p>
             <a:fld id="{BA7C98FC-0AF0-AE45-A195-D023F30AD744}" type="datetimeFigureOut">
               <a:rPr lang="en-US" smtClean="0"/>
-              <a:t>4/16/25</a:t>
+              <a:t>4/17/25</a:t>
             </a:fld>
             <a:endParaRPr lang="en-US"/>
           </a:p>
@@ -2083,7 +2088,7 @@
           <a:p>
             <a:fld id="{BA7C98FC-0AF0-AE45-A195-D023F30AD744}" type="datetimeFigureOut">
               <a:rPr lang="en-US" smtClean="0"/>
-              <a:t>4/16/25</a:t>
+              <a:t>4/17/25</a:t>
             </a:fld>
             <a:endParaRPr lang="en-US"/>
           </a:p>
@@ -2396,7 +2401,7 @@
           <a:p>
             <a:fld id="{BA7C98FC-0AF0-AE45-A195-D023F30AD744}" type="datetimeFigureOut">
               <a:rPr lang="en-US" smtClean="0"/>
-              <a:t>4/16/25</a:t>
+              <a:t>4/17/25</a:t>
             </a:fld>
             <a:endParaRPr lang="en-US"/>
           </a:p>
@@ -2685,7 +2690,7 @@
           <a:p>
             <a:fld id="{BA7C98FC-0AF0-AE45-A195-D023F30AD744}" type="datetimeFigureOut">
               <a:rPr lang="en-US" smtClean="0"/>
-              <a:t>4/16/25</a:t>
+              <a:t>4/17/25</a:t>
             </a:fld>
             <a:endParaRPr lang="en-US"/>
           </a:p>
@@ -2928,7 +2933,7 @@
           <a:p>
             <a:fld id="{BA7C98FC-0AF0-AE45-A195-D023F30AD744}" type="datetimeFigureOut">
               <a:rPr lang="en-US" smtClean="0"/>
-              <a:t>4/16/25</a:t>
+              <a:t>4/17/25</a:t>
             </a:fld>
             <a:endParaRPr lang="en-US"/>
           </a:p>
@@ -3702,12 +3707,87 @@
           <a:p>
             <a:r>
               <a:rPr lang="en-US" dirty="0"/>
-              <a:t>Components Class </a:t>
-            </a:r>
-            <a:r>
-              <a:rPr lang="en-US"/>
-              <a:t>&amp; Function Based</a:t>
-            </a:r>
+              <a:t>Components Class &amp; Function Based</a:t>
+            </a:r>
+          </a:p>
+          <a:p>
+            <a:r>
+              <a:rPr lang="en-US" dirty="0"/>
+              <a:t>JSX In-depth Intro</a:t>
+            </a:r>
+          </a:p>
+          <a:p>
+            <a:pPr lvl="1"/>
+            <a:r>
+              <a:rPr lang="en-IN" i="0" dirty="0">
+                <a:effectLst/>
+                <a:latin typeface="Arial" panose="020B0604020202020204" pitchFamily="34" charset="0"/>
+                <a:cs typeface="Arial" panose="020B0604020202020204" pitchFamily="34" charset="0"/>
+              </a:rPr>
+              <a:t>Return a single root element </a:t>
+            </a:r>
+          </a:p>
+          <a:p>
+            <a:pPr lvl="1"/>
+            <a:r>
+              <a:rPr lang="en-IN" sz="2000" dirty="0">
+                <a:latin typeface="Arial" panose="020B0604020202020204" pitchFamily="34" charset="0"/>
+                <a:cs typeface="Arial" panose="020B0604020202020204" pitchFamily="34" charset="0"/>
+              </a:rPr>
+              <a:t>Close all the tags </a:t>
+            </a:r>
+          </a:p>
+          <a:p>
+            <a:pPr lvl="1"/>
+            <a:r>
+              <a:rPr lang="en-IN" sz="2000" dirty="0">
+                <a:latin typeface="Arial" panose="020B0604020202020204" pitchFamily="34" charset="0"/>
+                <a:cs typeface="Arial" panose="020B0604020202020204" pitchFamily="34" charset="0"/>
+              </a:rPr>
+              <a:t>camelCase all most of the things! </a:t>
+            </a:r>
+            <a:endParaRPr lang="en-IN" sz="2400" dirty="0">
+              <a:latin typeface="Arial" panose="020B0604020202020204" pitchFamily="34" charset="0"/>
+              <a:cs typeface="Arial" panose="020B0604020202020204" pitchFamily="34" charset="0"/>
+            </a:endParaRPr>
+          </a:p>
+          <a:p>
+            <a:r>
+              <a:rPr lang="en-IN" sz="2400" dirty="0">
+                <a:latin typeface="Arial" panose="020B0604020202020204" pitchFamily="34" charset="0"/>
+                <a:cs typeface="Arial" panose="020B0604020202020204" pitchFamily="34" charset="0"/>
+              </a:rPr>
+              <a:t>Basic Template Structure</a:t>
+            </a:r>
+          </a:p>
+          <a:p>
+            <a:r>
+              <a:rPr lang="en-IN" sz="2400" dirty="0">
+                <a:latin typeface="Arial" panose="020B0604020202020204" pitchFamily="34" charset="0"/>
+                <a:cs typeface="Arial" panose="020B0604020202020204" pitchFamily="34" charset="0"/>
+              </a:rPr>
+              <a:t>States</a:t>
+            </a:r>
+          </a:p>
+          <a:p>
+            <a:pPr lvl="1"/>
+            <a:r>
+              <a:rPr lang="en-IN" sz="2000">
+                <a:latin typeface="Arial" panose="020B0604020202020204" pitchFamily="34" charset="0"/>
+                <a:cs typeface="Arial" panose="020B0604020202020204" pitchFamily="34" charset="0"/>
+              </a:rPr>
+              <a:t>Why we need States</a:t>
+            </a:r>
+            <a:br>
+              <a:rPr lang="en-IN" sz="2000" dirty="0">
+                <a:latin typeface="Arial" panose="020B0604020202020204" pitchFamily="34" charset="0"/>
+                <a:cs typeface="Arial" panose="020B0604020202020204" pitchFamily="34" charset="0"/>
+              </a:rPr>
+            </a:br>
+            <a:endParaRPr lang="en-US" sz="2000" dirty="0">
+              <a:latin typeface="Arial" panose="020B0604020202020204" pitchFamily="34" charset="0"/>
+              <a:cs typeface="Arial" panose="020B0604020202020204" pitchFamily="34" charset="0"/>
+            </a:endParaRPr>
           </a:p>
         </p:txBody>
       </p:sp>

--- a/react/react.pptx
+++ b/react/react.pptx
@@ -264,7 +264,7 @@
           <a:p>
             <a:fld id="{BA7C98FC-0AF0-AE45-A195-D023F30AD744}" type="datetimeFigureOut">
               <a:rPr lang="en-US" smtClean="0"/>
-              <a:t>4/17/25</a:t>
+              <a:t>4/21/25</a:t>
             </a:fld>
             <a:endParaRPr lang="en-US"/>
           </a:p>
@@ -464,7 +464,7 @@
           <a:p>
             <a:fld id="{BA7C98FC-0AF0-AE45-A195-D023F30AD744}" type="datetimeFigureOut">
               <a:rPr lang="en-US" smtClean="0"/>
-              <a:t>4/17/25</a:t>
+              <a:t>4/21/25</a:t>
             </a:fld>
             <a:endParaRPr lang="en-US"/>
           </a:p>
@@ -674,7 +674,7 @@
           <a:p>
             <a:fld id="{BA7C98FC-0AF0-AE45-A195-D023F30AD744}" type="datetimeFigureOut">
               <a:rPr lang="en-US" smtClean="0"/>
-              <a:t>4/17/25</a:t>
+              <a:t>4/21/25</a:t>
             </a:fld>
             <a:endParaRPr lang="en-US"/>
           </a:p>
@@ -874,7 +874,7 @@
           <a:p>
             <a:fld id="{BA7C98FC-0AF0-AE45-A195-D023F30AD744}" type="datetimeFigureOut">
               <a:rPr lang="en-US" smtClean="0"/>
-              <a:t>4/17/25</a:t>
+              <a:t>4/21/25</a:t>
             </a:fld>
             <a:endParaRPr lang="en-US"/>
           </a:p>
@@ -1150,7 +1150,7 @@
           <a:p>
             <a:fld id="{BA7C98FC-0AF0-AE45-A195-D023F30AD744}" type="datetimeFigureOut">
               <a:rPr lang="en-US" smtClean="0"/>
-              <a:t>4/17/25</a:t>
+              <a:t>4/21/25</a:t>
             </a:fld>
             <a:endParaRPr lang="en-US"/>
           </a:p>
@@ -1418,7 +1418,7 @@
           <a:p>
             <a:fld id="{BA7C98FC-0AF0-AE45-A195-D023F30AD744}" type="datetimeFigureOut">
               <a:rPr lang="en-US" smtClean="0"/>
-              <a:t>4/17/25</a:t>
+              <a:t>4/21/25</a:t>
             </a:fld>
             <a:endParaRPr lang="en-US"/>
           </a:p>
@@ -1833,7 +1833,7 @@
           <a:p>
             <a:fld id="{BA7C98FC-0AF0-AE45-A195-D023F30AD744}" type="datetimeFigureOut">
               <a:rPr lang="en-US" smtClean="0"/>
-              <a:t>4/17/25</a:t>
+              <a:t>4/21/25</a:t>
             </a:fld>
             <a:endParaRPr lang="en-US"/>
           </a:p>
@@ -1975,7 +1975,7 @@
           <a:p>
             <a:fld id="{BA7C98FC-0AF0-AE45-A195-D023F30AD744}" type="datetimeFigureOut">
               <a:rPr lang="en-US" smtClean="0"/>
-              <a:t>4/17/25</a:t>
+              <a:t>4/21/25</a:t>
             </a:fld>
             <a:endParaRPr lang="en-US"/>
           </a:p>
@@ -2088,7 +2088,7 @@
           <a:p>
             <a:fld id="{BA7C98FC-0AF0-AE45-A195-D023F30AD744}" type="datetimeFigureOut">
               <a:rPr lang="en-US" smtClean="0"/>
-              <a:t>4/17/25</a:t>
+              <a:t>4/21/25</a:t>
             </a:fld>
             <a:endParaRPr lang="en-US"/>
           </a:p>
@@ -2401,7 +2401,7 @@
           <a:p>
             <a:fld id="{BA7C98FC-0AF0-AE45-A195-D023F30AD744}" type="datetimeFigureOut">
               <a:rPr lang="en-US" smtClean="0"/>
-              <a:t>4/17/25</a:t>
+              <a:t>4/21/25</a:t>
             </a:fld>
             <a:endParaRPr lang="en-US"/>
           </a:p>
@@ -2690,7 +2690,7 @@
           <a:p>
             <a:fld id="{BA7C98FC-0AF0-AE45-A195-D023F30AD744}" type="datetimeFigureOut">
               <a:rPr lang="en-US" smtClean="0"/>
-              <a:t>4/17/25</a:t>
+              <a:t>4/21/25</a:t>
             </a:fld>
             <a:endParaRPr lang="en-US"/>
           </a:p>
@@ -2933,7 +2933,7 @@
           <a:p>
             <a:fld id="{BA7C98FC-0AF0-AE45-A195-D023F30AD744}" type="datetimeFigureOut">
               <a:rPr lang="en-US" smtClean="0"/>
-              <a:t>4/17/25</a:t>
+              <a:t>4/21/25</a:t>
             </a:fld>
             <a:endParaRPr lang="en-US"/>
           </a:p>
@@ -3702,7 +3702,9 @@
         </p:nvSpPr>
         <p:spPr/>
         <p:txBody>
-          <a:bodyPr/>
+          <a:bodyPr>
+            <a:normAutofit fontScale="92500" lnSpcReduction="20000"/>
+          </a:bodyPr>
           <a:lstStyle/>
           <a:p>
             <a:r>
@@ -3772,19 +3774,103 @@
           <a:p>
             <a:pPr lvl="1"/>
             <a:r>
-              <a:rPr lang="en-IN" sz="2000">
+              <a:rPr lang="en-IN" sz="2000" dirty="0">
                 <a:latin typeface="Arial" panose="020B0604020202020204" pitchFamily="34" charset="0"/>
                 <a:cs typeface="Arial" panose="020B0604020202020204" pitchFamily="34" charset="0"/>
               </a:rPr>
               <a:t>Why we need States</a:t>
             </a:r>
-            <a:br>
+          </a:p>
+          <a:p>
+            <a:pPr lvl="1"/>
+            <a:r>
               <a:rPr lang="en-IN" sz="2000" dirty="0">
                 <a:latin typeface="Arial" panose="020B0604020202020204" pitchFamily="34" charset="0"/>
                 <a:cs typeface="Arial" panose="020B0604020202020204" pitchFamily="34" charset="0"/>
               </a:rPr>
+              <a:t>State introduction hook ‘</a:t>
+            </a:r>
+            <a:r>
+              <a:rPr lang="en-IN" sz="2000" dirty="0" err="1">
+                <a:latin typeface="Arial" panose="020B0604020202020204" pitchFamily="34" charset="0"/>
+                <a:cs typeface="Arial" panose="020B0604020202020204" pitchFamily="34" charset="0"/>
+              </a:rPr>
+              <a:t>useState</a:t>
+            </a:r>
+            <a:r>
+              <a:rPr lang="en-IN" sz="2000" dirty="0">
+                <a:latin typeface="Arial" panose="020B0604020202020204" pitchFamily="34" charset="0"/>
+                <a:cs typeface="Arial" panose="020B0604020202020204" pitchFamily="34" charset="0"/>
+              </a:rPr>
+              <a:t>’</a:t>
+            </a:r>
+          </a:p>
+          <a:p>
+            <a:pPr lvl="1"/>
+            <a:r>
+              <a:rPr lang="en-IN" sz="2000" dirty="0" err="1">
+                <a:latin typeface="Arial" panose="020B0604020202020204" pitchFamily="34" charset="0"/>
+                <a:cs typeface="Arial" panose="020B0604020202020204" pitchFamily="34" charset="0"/>
+              </a:rPr>
+              <a:t>useState</a:t>
+            </a:r>
+            <a:r>
+              <a:rPr lang="en-IN" sz="2000" dirty="0">
+                <a:latin typeface="Arial" panose="020B0604020202020204" pitchFamily="34" charset="0"/>
+                <a:cs typeface="Arial" panose="020B0604020202020204" pitchFamily="34" charset="0"/>
+              </a:rPr>
+              <a:t> Multiple</a:t>
+            </a:r>
+          </a:p>
+          <a:p>
+            <a:pPr lvl="1"/>
+            <a:r>
+              <a:rPr lang="en-IN" sz="2000" dirty="0" err="1">
+                <a:latin typeface="Arial" panose="020B0604020202020204" pitchFamily="34" charset="0"/>
+                <a:cs typeface="Arial" panose="020B0604020202020204" pitchFamily="34" charset="0"/>
+              </a:rPr>
+              <a:t>useState</a:t>
+            </a:r>
+            <a:r>
+              <a:rPr lang="en-IN" sz="2000" dirty="0">
+                <a:latin typeface="Arial" panose="020B0604020202020204" pitchFamily="34" charset="0"/>
+                <a:cs typeface="Arial" panose="020B0604020202020204" pitchFamily="34" charset="0"/>
+              </a:rPr>
+              <a:t> Array State Value</a:t>
+            </a:r>
+          </a:p>
+          <a:p>
+            <a:pPr lvl="1"/>
+            <a:r>
+              <a:rPr lang="en-IN" sz="2000" dirty="0">
+                <a:latin typeface="Arial" panose="020B0604020202020204" pitchFamily="34" charset="0"/>
+                <a:cs typeface="Arial" panose="020B0604020202020204" pitchFamily="34" charset="0"/>
+              </a:rPr>
+              <a:t>Conditional Templates</a:t>
+            </a:r>
+          </a:p>
+          <a:p>
+            <a:r>
+              <a:rPr lang="en-IN" sz="2400" dirty="0">
+                <a:latin typeface="Arial" panose="020B0604020202020204" pitchFamily="34" charset="0"/>
+                <a:cs typeface="Arial" panose="020B0604020202020204" pitchFamily="34" charset="0"/>
+              </a:rPr>
+              <a:t>Multiple Components </a:t>
+            </a:r>
+            <a:r>
+              <a:rPr lang="en-IN" sz="2400">
+                <a:latin typeface="Arial" panose="020B0604020202020204" pitchFamily="34" charset="0"/>
+                <a:cs typeface="Arial" panose="020B0604020202020204" pitchFamily="34" charset="0"/>
+              </a:rPr>
+              <a:t>&amp; Fragments</a:t>
+            </a:r>
+            <a:br>
+              <a:rPr lang="en-IN" sz="2400" dirty="0">
+                <a:latin typeface="Arial" panose="020B0604020202020204" pitchFamily="34" charset="0"/>
+                <a:cs typeface="Arial" panose="020B0604020202020204" pitchFamily="34" charset="0"/>
+              </a:rPr>
             </a:br>
-            <a:endParaRPr lang="en-US" sz="2000" dirty="0">
+            <a:endParaRPr lang="en-US" sz="2400" dirty="0">
               <a:latin typeface="Arial" panose="020B0604020202020204" pitchFamily="34" charset="0"/>
               <a:cs typeface="Arial" panose="020B0604020202020204" pitchFamily="34" charset="0"/>
             </a:endParaRPr>

--- a/react/react.pptx
+++ b/react/react.pptx
@@ -9,6 +9,7 @@
     <p:sldId id="257" r:id="rId3"/>
     <p:sldId id="258" r:id="rId4"/>
     <p:sldId id="259" r:id="rId5"/>
+    <p:sldId id="260" r:id="rId6"/>
   </p:sldIdLst>
   <p:sldSz cx="12192000" cy="6858000"/>
   <p:notesSz cx="6858000" cy="9144000"/>
@@ -264,7 +265,7 @@
           <a:p>
             <a:fld id="{BA7C98FC-0AF0-AE45-A195-D023F30AD744}" type="datetimeFigureOut">
               <a:rPr lang="en-US" smtClean="0"/>
-              <a:t>4/21/25</a:t>
+              <a:t>4/22/25</a:t>
             </a:fld>
             <a:endParaRPr lang="en-US"/>
           </a:p>
@@ -464,7 +465,7 @@
           <a:p>
             <a:fld id="{BA7C98FC-0AF0-AE45-A195-D023F30AD744}" type="datetimeFigureOut">
               <a:rPr lang="en-US" smtClean="0"/>
-              <a:t>4/21/25</a:t>
+              <a:t>4/22/25</a:t>
             </a:fld>
             <a:endParaRPr lang="en-US"/>
           </a:p>
@@ -674,7 +675,7 @@
           <a:p>
             <a:fld id="{BA7C98FC-0AF0-AE45-A195-D023F30AD744}" type="datetimeFigureOut">
               <a:rPr lang="en-US" smtClean="0"/>
-              <a:t>4/21/25</a:t>
+              <a:t>4/22/25</a:t>
             </a:fld>
             <a:endParaRPr lang="en-US"/>
           </a:p>
@@ -874,7 +875,7 @@
           <a:p>
             <a:fld id="{BA7C98FC-0AF0-AE45-A195-D023F30AD744}" type="datetimeFigureOut">
               <a:rPr lang="en-US" smtClean="0"/>
-              <a:t>4/21/25</a:t>
+              <a:t>4/22/25</a:t>
             </a:fld>
             <a:endParaRPr lang="en-US"/>
           </a:p>
@@ -1150,7 +1151,7 @@
           <a:p>
             <a:fld id="{BA7C98FC-0AF0-AE45-A195-D023F30AD744}" type="datetimeFigureOut">
               <a:rPr lang="en-US" smtClean="0"/>
-              <a:t>4/21/25</a:t>
+              <a:t>4/22/25</a:t>
             </a:fld>
             <a:endParaRPr lang="en-US"/>
           </a:p>
@@ -1418,7 +1419,7 @@
           <a:p>
             <a:fld id="{BA7C98FC-0AF0-AE45-A195-D023F30AD744}" type="datetimeFigureOut">
               <a:rPr lang="en-US" smtClean="0"/>
-              <a:t>4/21/25</a:t>
+              <a:t>4/22/25</a:t>
             </a:fld>
             <a:endParaRPr lang="en-US"/>
           </a:p>
@@ -1833,7 +1834,7 @@
           <a:p>
             <a:fld id="{BA7C98FC-0AF0-AE45-A195-D023F30AD744}" type="datetimeFigureOut">
               <a:rPr lang="en-US" smtClean="0"/>
-              <a:t>4/21/25</a:t>
+              <a:t>4/22/25</a:t>
             </a:fld>
             <a:endParaRPr lang="en-US"/>
           </a:p>
@@ -1975,7 +1976,7 @@
           <a:p>
             <a:fld id="{BA7C98FC-0AF0-AE45-A195-D023F30AD744}" type="datetimeFigureOut">
               <a:rPr lang="en-US" smtClean="0"/>
-              <a:t>4/21/25</a:t>
+              <a:t>4/22/25</a:t>
             </a:fld>
             <a:endParaRPr lang="en-US"/>
           </a:p>
@@ -2088,7 +2089,7 @@
           <a:p>
             <a:fld id="{BA7C98FC-0AF0-AE45-A195-D023F30AD744}" type="datetimeFigureOut">
               <a:rPr lang="en-US" smtClean="0"/>
-              <a:t>4/21/25</a:t>
+              <a:t>4/22/25</a:t>
             </a:fld>
             <a:endParaRPr lang="en-US"/>
           </a:p>
@@ -2401,7 +2402,7 @@
           <a:p>
             <a:fld id="{BA7C98FC-0AF0-AE45-A195-D023F30AD744}" type="datetimeFigureOut">
               <a:rPr lang="en-US" smtClean="0"/>
-              <a:t>4/21/25</a:t>
+              <a:t>4/22/25</a:t>
             </a:fld>
             <a:endParaRPr lang="en-US"/>
           </a:p>
@@ -2690,7 +2691,7 @@
           <a:p>
             <a:fld id="{BA7C98FC-0AF0-AE45-A195-D023F30AD744}" type="datetimeFigureOut">
               <a:rPr lang="en-US" smtClean="0"/>
-              <a:t>4/21/25</a:t>
+              <a:t>4/22/25</a:t>
             </a:fld>
             <a:endParaRPr lang="en-US"/>
           </a:p>
@@ -2933,7 +2934,7 @@
           <a:p>
             <a:fld id="{BA7C98FC-0AF0-AE45-A195-D023F30AD744}" type="datetimeFigureOut">
               <a:rPr lang="en-US" smtClean="0"/>
-              <a:t>4/21/25</a:t>
+              <a:t>4/22/25</a:t>
             </a:fld>
             <a:endParaRPr lang="en-US"/>
           </a:p>
@@ -3703,7 +3704,7 @@
         <p:spPr/>
         <p:txBody>
           <a:bodyPr>
-            <a:normAutofit fontScale="92500" lnSpcReduction="20000"/>
+            <a:normAutofit fontScale="62500" lnSpcReduction="20000"/>
           </a:bodyPr>
           <a:lstStyle/>
           <a:p>
@@ -3855,14 +3856,34 @@
                 <a:latin typeface="Arial" panose="020B0604020202020204" pitchFamily="34" charset="0"/>
                 <a:cs typeface="Arial" panose="020B0604020202020204" pitchFamily="34" charset="0"/>
               </a:rPr>
-              <a:t>Multiple Components </a:t>
-            </a:r>
+              <a:t>Multiple Components &amp; Fragments</a:t>
+            </a:r>
+          </a:p>
+          <a:p>
+            <a:r>
+              <a:rPr lang="en-IN" sz="2400" dirty="0">
+                <a:latin typeface="Arial" panose="020B0604020202020204" pitchFamily="34" charset="0"/>
+                <a:cs typeface="Arial" panose="020B0604020202020204" pitchFamily="34" charset="0"/>
+              </a:rPr>
+              <a:t>Props In-depth Intro</a:t>
+            </a:r>
+          </a:p>
+          <a:p>
+            <a:r>
+              <a:rPr lang="en-IN" sz="2400" dirty="0">
+                <a:latin typeface="Arial" panose="020B0604020202020204" pitchFamily="34" charset="0"/>
+                <a:cs typeface="Arial" panose="020B0604020202020204" pitchFamily="34" charset="0"/>
+              </a:rPr>
+              <a:t>Props Children</a:t>
+            </a:r>
+          </a:p>
+          <a:p>
             <a:r>
               <a:rPr lang="en-IN" sz="2400">
                 <a:latin typeface="Arial" panose="020B0604020202020204" pitchFamily="34" charset="0"/>
                 <a:cs typeface="Arial" panose="020B0604020202020204" pitchFamily="34" charset="0"/>
               </a:rPr>
-              <a:t>&amp; Fragments</a:t>
+              <a:t>Props Drilling</a:t>
             </a:r>
             <a:br>
               <a:rPr lang="en-IN" sz="2400" dirty="0">
@@ -3881,6 +3902,487 @@
     <p:extLst>
       <p:ext uri="{BB962C8B-B14F-4D97-AF65-F5344CB8AC3E}">
         <p14:creationId xmlns:p14="http://schemas.microsoft.com/office/powerpoint/2010/main" val="2197689932"/>
+      </p:ext>
+    </p:extLst>
+  </p:cSld>
+  <p:clrMapOvr>
+    <a:masterClrMapping/>
+  </p:clrMapOvr>
+</p:sld>
+</file>
+
+<file path=ppt/slides/slide5.xml><?xml version="1.0" encoding="utf-8"?>
+<p:sld xmlns:a="http://schemas.openxmlformats.org/drawingml/2006/main" xmlns:r="http://schemas.openxmlformats.org/officeDocument/2006/relationships" xmlns:p="http://schemas.openxmlformats.org/presentationml/2006/main">
+  <p:cSld>
+    <p:spTree>
+      <p:nvGrpSpPr>
+        <p:cNvPr id="1" name=""/>
+        <p:cNvGrpSpPr/>
+        <p:nvPr/>
+      </p:nvGrpSpPr>
+      <p:grpSpPr>
+        <a:xfrm>
+          <a:off x="0" y="0"/>
+          <a:ext cx="0" cy="0"/>
+          <a:chOff x="0" y="0"/>
+          <a:chExt cx="0" cy="0"/>
+        </a:xfrm>
+      </p:grpSpPr>
+      <p:sp>
+        <p:nvSpPr>
+          <p:cNvPr id="4" name="Process 3">
+            <a:extLst>
+              <a:ext uri="{FF2B5EF4-FFF2-40B4-BE49-F238E27FC236}">
+                <a16:creationId xmlns:a16="http://schemas.microsoft.com/office/drawing/2014/main" id="{A8E9FE5D-301A-E8AC-478F-76DEB7ED9068}"/>
+              </a:ext>
+            </a:extLst>
+          </p:cNvPr>
+          <p:cNvSpPr/>
+          <p:nvPr/>
+        </p:nvSpPr>
+        <p:spPr>
+          <a:xfrm>
+            <a:off x="5168348" y="1219200"/>
+            <a:ext cx="2160104" cy="543339"/>
+          </a:xfrm>
+          <a:prstGeom prst="flowChartProcess">
+            <a:avLst/>
+          </a:prstGeom>
+        </p:spPr>
+        <p:style>
+          <a:lnRef idx="2">
+            <a:schemeClr val="accent1">
+              <a:shade val="15000"/>
+            </a:schemeClr>
+          </a:lnRef>
+          <a:fillRef idx="1">
+            <a:schemeClr val="accent1"/>
+          </a:fillRef>
+          <a:effectRef idx="0">
+            <a:schemeClr val="accent1"/>
+          </a:effectRef>
+          <a:fontRef idx="minor">
+            <a:schemeClr val="lt1"/>
+          </a:fontRef>
+        </p:style>
+        <p:txBody>
+          <a:bodyPr rtlCol="0" anchor="ctr"/>
+          <a:lstStyle/>
+          <a:p>
+            <a:pPr algn="ctr"/>
+            <a:r>
+              <a:rPr lang="en-US" sz="3200" dirty="0"/>
+              <a:t>App</a:t>
+            </a:r>
+          </a:p>
+        </p:txBody>
+      </p:sp>
+      <p:sp>
+        <p:nvSpPr>
+          <p:cNvPr id="5" name="Process 4">
+            <a:extLst>
+              <a:ext uri="{FF2B5EF4-FFF2-40B4-BE49-F238E27FC236}">
+                <a16:creationId xmlns:a16="http://schemas.microsoft.com/office/drawing/2014/main" id="{8E493EC0-7A8B-07D9-E67E-9FC63818B0E2}"/>
+              </a:ext>
+            </a:extLst>
+          </p:cNvPr>
+          <p:cNvSpPr/>
+          <p:nvPr/>
+        </p:nvSpPr>
+        <p:spPr>
+          <a:xfrm>
+            <a:off x="3677478" y="2988366"/>
+            <a:ext cx="2160104" cy="543339"/>
+          </a:xfrm>
+          <a:prstGeom prst="flowChartProcess">
+            <a:avLst/>
+          </a:prstGeom>
+        </p:spPr>
+        <p:style>
+          <a:lnRef idx="2">
+            <a:schemeClr val="accent1">
+              <a:shade val="15000"/>
+            </a:schemeClr>
+          </a:lnRef>
+          <a:fillRef idx="1">
+            <a:schemeClr val="accent1"/>
+          </a:fillRef>
+          <a:effectRef idx="0">
+            <a:schemeClr val="accent1"/>
+          </a:effectRef>
+          <a:fontRef idx="minor">
+            <a:schemeClr val="lt1"/>
+          </a:fontRef>
+        </p:style>
+        <p:txBody>
+          <a:bodyPr rtlCol="0" anchor="ctr"/>
+          <a:lstStyle/>
+          <a:p>
+            <a:pPr algn="ctr"/>
+            <a:r>
+              <a:rPr lang="en-US" sz="3200" dirty="0"/>
+              <a:t>Header</a:t>
+            </a:r>
+          </a:p>
+        </p:txBody>
+      </p:sp>
+      <p:sp>
+        <p:nvSpPr>
+          <p:cNvPr id="6" name="Process 5">
+            <a:extLst>
+              <a:ext uri="{FF2B5EF4-FFF2-40B4-BE49-F238E27FC236}">
+                <a16:creationId xmlns:a16="http://schemas.microsoft.com/office/drawing/2014/main" id="{6CC250ED-6051-1439-1A20-AE51B0E28CA6}"/>
+              </a:ext>
+            </a:extLst>
+          </p:cNvPr>
+          <p:cNvSpPr/>
+          <p:nvPr/>
+        </p:nvSpPr>
+        <p:spPr>
+          <a:xfrm>
+            <a:off x="6354420" y="2988366"/>
+            <a:ext cx="2160104" cy="543339"/>
+          </a:xfrm>
+          <a:prstGeom prst="flowChartProcess">
+            <a:avLst/>
+          </a:prstGeom>
+        </p:spPr>
+        <p:style>
+          <a:lnRef idx="2">
+            <a:schemeClr val="accent1">
+              <a:shade val="15000"/>
+            </a:schemeClr>
+          </a:lnRef>
+          <a:fillRef idx="1">
+            <a:schemeClr val="accent1"/>
+          </a:fillRef>
+          <a:effectRef idx="0">
+            <a:schemeClr val="accent1"/>
+          </a:effectRef>
+          <a:fontRef idx="minor">
+            <a:schemeClr val="lt1"/>
+          </a:fontRef>
+        </p:style>
+        <p:txBody>
+          <a:bodyPr rtlCol="0" anchor="ctr"/>
+          <a:lstStyle/>
+          <a:p>
+            <a:pPr algn="ctr"/>
+            <a:r>
+              <a:rPr lang="en-US" sz="3200" dirty="0"/>
+              <a:t>Task list</a:t>
+            </a:r>
+          </a:p>
+        </p:txBody>
+      </p:sp>
+      <p:cxnSp>
+        <p:nvCxnSpPr>
+          <p:cNvPr id="8" name="Elbow Connector 7">
+            <a:extLst>
+              <a:ext uri="{FF2B5EF4-FFF2-40B4-BE49-F238E27FC236}">
+                <a16:creationId xmlns:a16="http://schemas.microsoft.com/office/drawing/2014/main" id="{95A48D64-B916-5BF4-ADA6-78D7BFF2D287}"/>
+              </a:ext>
+            </a:extLst>
+          </p:cNvPr>
+          <p:cNvCxnSpPr>
+            <a:cxnSpLocks/>
+            <a:stCxn id="4" idx="2"/>
+            <a:endCxn id="5" idx="0"/>
+          </p:cNvCxnSpPr>
+          <p:nvPr/>
+        </p:nvCxnSpPr>
+        <p:spPr>
+          <a:xfrm rot="5400000">
+            <a:off x="4890052" y="1630017"/>
+            <a:ext cx="1225827" cy="1490870"/>
+          </a:xfrm>
+          <a:prstGeom prst="bentConnector3">
+            <a:avLst/>
+          </a:prstGeom>
+          <a:ln>
+            <a:tailEnd type="triangle"/>
+          </a:ln>
+        </p:spPr>
+        <p:style>
+          <a:lnRef idx="2">
+            <a:schemeClr val="accent1"/>
+          </a:lnRef>
+          <a:fillRef idx="0">
+            <a:schemeClr val="accent1"/>
+          </a:fillRef>
+          <a:effectRef idx="1">
+            <a:schemeClr val="accent1"/>
+          </a:effectRef>
+          <a:fontRef idx="minor">
+            <a:schemeClr val="tx1"/>
+          </a:fontRef>
+        </p:style>
+      </p:cxnSp>
+      <p:cxnSp>
+        <p:nvCxnSpPr>
+          <p:cNvPr id="11" name="Elbow Connector 10">
+            <a:extLst>
+              <a:ext uri="{FF2B5EF4-FFF2-40B4-BE49-F238E27FC236}">
+                <a16:creationId xmlns:a16="http://schemas.microsoft.com/office/drawing/2014/main" id="{23FB7F13-FA3E-A1CE-6A7E-52132E731588}"/>
+              </a:ext>
+            </a:extLst>
+          </p:cNvPr>
+          <p:cNvCxnSpPr>
+            <a:stCxn id="4" idx="2"/>
+            <a:endCxn id="6" idx="0"/>
+          </p:cNvCxnSpPr>
+          <p:nvPr/>
+        </p:nvCxnSpPr>
+        <p:spPr>
+          <a:xfrm rot="16200000" flipH="1">
+            <a:off x="6228523" y="1782416"/>
+            <a:ext cx="1225827" cy="1186072"/>
+          </a:xfrm>
+          <a:prstGeom prst="bentConnector3">
+            <a:avLst/>
+          </a:prstGeom>
+          <a:ln>
+            <a:tailEnd type="triangle"/>
+          </a:ln>
+        </p:spPr>
+        <p:style>
+          <a:lnRef idx="2">
+            <a:schemeClr val="accent1"/>
+          </a:lnRef>
+          <a:fillRef idx="0">
+            <a:schemeClr val="accent1"/>
+          </a:fillRef>
+          <a:effectRef idx="1">
+            <a:schemeClr val="accent1"/>
+          </a:effectRef>
+          <a:fontRef idx="minor">
+            <a:schemeClr val="tx1"/>
+          </a:fontRef>
+        </p:style>
+      </p:cxnSp>
+      <p:sp>
+        <p:nvSpPr>
+          <p:cNvPr id="12" name="Process 11">
+            <a:extLst>
+              <a:ext uri="{FF2B5EF4-FFF2-40B4-BE49-F238E27FC236}">
+                <a16:creationId xmlns:a16="http://schemas.microsoft.com/office/drawing/2014/main" id="{F4787713-A41E-F2FE-3E07-07078E019677}"/>
+              </a:ext>
+            </a:extLst>
+          </p:cNvPr>
+          <p:cNvSpPr/>
+          <p:nvPr/>
+        </p:nvSpPr>
+        <p:spPr>
+          <a:xfrm>
+            <a:off x="6493568" y="4711150"/>
+            <a:ext cx="2160104" cy="543339"/>
+          </a:xfrm>
+          <a:prstGeom prst="flowChartProcess">
+            <a:avLst/>
+          </a:prstGeom>
+        </p:spPr>
+        <p:style>
+          <a:lnRef idx="2">
+            <a:schemeClr val="accent1">
+              <a:shade val="15000"/>
+            </a:schemeClr>
+          </a:lnRef>
+          <a:fillRef idx="1">
+            <a:schemeClr val="accent1"/>
+          </a:fillRef>
+          <a:effectRef idx="0">
+            <a:schemeClr val="accent1"/>
+          </a:effectRef>
+          <a:fontRef idx="minor">
+            <a:schemeClr val="lt1"/>
+          </a:fontRef>
+        </p:style>
+        <p:txBody>
+          <a:bodyPr rtlCol="0" anchor="ctr"/>
+          <a:lstStyle/>
+          <a:p>
+            <a:pPr algn="ctr"/>
+            <a:r>
+              <a:rPr lang="en-US" sz="3200" dirty="0"/>
+              <a:t>Task Card</a:t>
+            </a:r>
+          </a:p>
+        </p:txBody>
+      </p:sp>
+      <p:cxnSp>
+        <p:nvCxnSpPr>
+          <p:cNvPr id="13" name="Elbow Connector 12">
+            <a:extLst>
+              <a:ext uri="{FF2B5EF4-FFF2-40B4-BE49-F238E27FC236}">
+                <a16:creationId xmlns:a16="http://schemas.microsoft.com/office/drawing/2014/main" id="{4EDFF5AD-179A-E979-3032-C1EA190393CD}"/>
+              </a:ext>
+            </a:extLst>
+          </p:cNvPr>
+          <p:cNvCxnSpPr>
+            <a:cxnSpLocks/>
+            <a:stCxn id="6" idx="2"/>
+            <a:endCxn id="12" idx="0"/>
+          </p:cNvCxnSpPr>
+          <p:nvPr/>
+        </p:nvCxnSpPr>
+        <p:spPr>
+          <a:xfrm rot="16200000" flipH="1">
+            <a:off x="6914324" y="4051853"/>
+            <a:ext cx="1179445" cy="139148"/>
+          </a:xfrm>
+          <a:prstGeom prst="bentConnector3">
+            <a:avLst/>
+          </a:prstGeom>
+          <a:ln>
+            <a:tailEnd type="triangle"/>
+          </a:ln>
+        </p:spPr>
+        <p:style>
+          <a:lnRef idx="2">
+            <a:schemeClr val="accent1"/>
+          </a:lnRef>
+          <a:fillRef idx="0">
+            <a:schemeClr val="accent1"/>
+          </a:fillRef>
+          <a:effectRef idx="1">
+            <a:schemeClr val="accent1"/>
+          </a:effectRef>
+          <a:fontRef idx="minor">
+            <a:schemeClr val="tx1"/>
+          </a:fontRef>
+        </p:style>
+      </p:cxnSp>
+      <p:sp>
+        <p:nvSpPr>
+          <p:cNvPr id="16" name="TextBox 15">
+            <a:extLst>
+              <a:ext uri="{FF2B5EF4-FFF2-40B4-BE49-F238E27FC236}">
+                <a16:creationId xmlns:a16="http://schemas.microsoft.com/office/drawing/2014/main" id="{6D04083B-C277-3102-B5E2-92A291318C19}"/>
+              </a:ext>
+            </a:extLst>
+          </p:cNvPr>
+          <p:cNvSpPr txBox="1"/>
+          <p:nvPr/>
+        </p:nvSpPr>
+        <p:spPr>
+          <a:xfrm>
+            <a:off x="7573620" y="3730732"/>
+            <a:ext cx="1077411" cy="523220"/>
+          </a:xfrm>
+          <a:prstGeom prst="rect">
+            <a:avLst/>
+          </a:prstGeom>
+          <a:noFill/>
+        </p:spPr>
+        <p:txBody>
+          <a:bodyPr wrap="none" rtlCol="0">
+            <a:spAutoFit/>
+          </a:bodyPr>
+          <a:lstStyle/>
+          <a:p>
+            <a:r>
+              <a:rPr lang="en-US" sz="2800" dirty="0"/>
+              <a:t>props</a:t>
+            </a:r>
+          </a:p>
+        </p:txBody>
+      </p:sp>
+      <p:sp>
+        <p:nvSpPr>
+          <p:cNvPr id="17" name="Process 16">
+            <a:extLst>
+              <a:ext uri="{FF2B5EF4-FFF2-40B4-BE49-F238E27FC236}">
+                <a16:creationId xmlns:a16="http://schemas.microsoft.com/office/drawing/2014/main" id="{E4BE7BCA-7E40-873B-6394-506C96BECE42}"/>
+              </a:ext>
+            </a:extLst>
+          </p:cNvPr>
+          <p:cNvSpPr/>
+          <p:nvPr/>
+        </p:nvSpPr>
+        <p:spPr>
+          <a:xfrm>
+            <a:off x="9594576" y="2988365"/>
+            <a:ext cx="2160104" cy="543339"/>
+          </a:xfrm>
+          <a:prstGeom prst="flowChartProcess">
+            <a:avLst/>
+          </a:prstGeom>
+        </p:spPr>
+        <p:style>
+          <a:lnRef idx="2">
+            <a:schemeClr val="accent1">
+              <a:shade val="15000"/>
+            </a:schemeClr>
+          </a:lnRef>
+          <a:fillRef idx="1">
+            <a:schemeClr val="accent1"/>
+          </a:fillRef>
+          <a:effectRef idx="0">
+            <a:schemeClr val="accent1"/>
+          </a:effectRef>
+          <a:fontRef idx="minor">
+            <a:schemeClr val="lt1"/>
+          </a:fontRef>
+        </p:style>
+        <p:txBody>
+          <a:bodyPr rtlCol="0" anchor="ctr"/>
+          <a:lstStyle/>
+          <a:p>
+            <a:pPr algn="ctr"/>
+            <a:r>
+              <a:rPr lang="en-US" sz="3200" dirty="0"/>
+              <a:t>Footer</a:t>
+            </a:r>
+          </a:p>
+        </p:txBody>
+      </p:sp>
+      <p:cxnSp>
+        <p:nvCxnSpPr>
+          <p:cNvPr id="18" name="Elbow Connector 17">
+            <a:extLst>
+              <a:ext uri="{FF2B5EF4-FFF2-40B4-BE49-F238E27FC236}">
+                <a16:creationId xmlns:a16="http://schemas.microsoft.com/office/drawing/2014/main" id="{8C9C3F3A-B103-6BB8-BB7F-CDD1952F7223}"/>
+              </a:ext>
+            </a:extLst>
+          </p:cNvPr>
+          <p:cNvCxnSpPr>
+            <a:cxnSpLocks/>
+            <a:stCxn id="4" idx="2"/>
+            <a:endCxn id="17" idx="0"/>
+          </p:cNvCxnSpPr>
+          <p:nvPr/>
+        </p:nvCxnSpPr>
+        <p:spPr>
+          <a:xfrm rot="16200000" flipH="1">
+            <a:off x="7848601" y="162338"/>
+            <a:ext cx="1225826" cy="4426228"/>
+          </a:xfrm>
+          <a:prstGeom prst="bentConnector3">
+            <a:avLst/>
+          </a:prstGeom>
+          <a:ln>
+            <a:tailEnd type="triangle"/>
+          </a:ln>
+        </p:spPr>
+        <p:style>
+          <a:lnRef idx="2">
+            <a:schemeClr val="accent1"/>
+          </a:lnRef>
+          <a:fillRef idx="0">
+            <a:schemeClr val="accent1"/>
+          </a:fillRef>
+          <a:effectRef idx="1">
+            <a:schemeClr val="accent1"/>
+          </a:effectRef>
+          <a:fontRef idx="minor">
+            <a:schemeClr val="tx1"/>
+          </a:fontRef>
+        </p:style>
+      </p:cxnSp>
+    </p:spTree>
+    <p:extLst>
+      <p:ext uri="{BB962C8B-B14F-4D97-AF65-F5344CB8AC3E}">
+        <p14:creationId xmlns:p14="http://schemas.microsoft.com/office/powerpoint/2010/main" val="2509384597"/>
       </p:ext>
     </p:extLst>
   </p:cSld>

--- a/react/react.pptx
+++ b/react/react.pptx
@@ -10,6 +10,9 @@
     <p:sldId id="258" r:id="rId4"/>
     <p:sldId id="259" r:id="rId5"/>
     <p:sldId id="260" r:id="rId6"/>
+    <p:sldId id="261" r:id="rId7"/>
+    <p:sldId id="262" r:id="rId8"/>
+    <p:sldId id="263" r:id="rId9"/>
   </p:sldIdLst>
   <p:sldSz cx="12192000" cy="6858000"/>
   <p:notesSz cx="6858000" cy="9144000"/>
@@ -265,7 +268,7 @@
           <a:p>
             <a:fld id="{BA7C98FC-0AF0-AE45-A195-D023F30AD744}" type="datetimeFigureOut">
               <a:rPr lang="en-US" smtClean="0"/>
-              <a:t>4/22/25</a:t>
+              <a:t>5/21/25</a:t>
             </a:fld>
             <a:endParaRPr lang="en-US"/>
           </a:p>
@@ -465,7 +468,7 @@
           <a:p>
             <a:fld id="{BA7C98FC-0AF0-AE45-A195-D023F30AD744}" type="datetimeFigureOut">
               <a:rPr lang="en-US" smtClean="0"/>
-              <a:t>4/22/25</a:t>
+              <a:t>5/21/25</a:t>
             </a:fld>
             <a:endParaRPr lang="en-US"/>
           </a:p>
@@ -675,7 +678,7 @@
           <a:p>
             <a:fld id="{BA7C98FC-0AF0-AE45-A195-D023F30AD744}" type="datetimeFigureOut">
               <a:rPr lang="en-US" smtClean="0"/>
-              <a:t>4/22/25</a:t>
+              <a:t>5/21/25</a:t>
             </a:fld>
             <a:endParaRPr lang="en-US"/>
           </a:p>
@@ -875,7 +878,7 @@
           <a:p>
             <a:fld id="{BA7C98FC-0AF0-AE45-A195-D023F30AD744}" type="datetimeFigureOut">
               <a:rPr lang="en-US" smtClean="0"/>
-              <a:t>4/22/25</a:t>
+              <a:t>5/21/25</a:t>
             </a:fld>
             <a:endParaRPr lang="en-US"/>
           </a:p>
@@ -1151,7 +1154,7 @@
           <a:p>
             <a:fld id="{BA7C98FC-0AF0-AE45-A195-D023F30AD744}" type="datetimeFigureOut">
               <a:rPr lang="en-US" smtClean="0"/>
-              <a:t>4/22/25</a:t>
+              <a:t>5/21/25</a:t>
             </a:fld>
             <a:endParaRPr lang="en-US"/>
           </a:p>
@@ -1419,7 +1422,7 @@
           <a:p>
             <a:fld id="{BA7C98FC-0AF0-AE45-A195-D023F30AD744}" type="datetimeFigureOut">
               <a:rPr lang="en-US" smtClean="0"/>
-              <a:t>4/22/25</a:t>
+              <a:t>5/21/25</a:t>
             </a:fld>
             <a:endParaRPr lang="en-US"/>
           </a:p>
@@ -1834,7 +1837,7 @@
           <a:p>
             <a:fld id="{BA7C98FC-0AF0-AE45-A195-D023F30AD744}" type="datetimeFigureOut">
               <a:rPr lang="en-US" smtClean="0"/>
-              <a:t>4/22/25</a:t>
+              <a:t>5/21/25</a:t>
             </a:fld>
             <a:endParaRPr lang="en-US"/>
           </a:p>
@@ -1976,7 +1979,7 @@
           <a:p>
             <a:fld id="{BA7C98FC-0AF0-AE45-A195-D023F30AD744}" type="datetimeFigureOut">
               <a:rPr lang="en-US" smtClean="0"/>
-              <a:t>4/22/25</a:t>
+              <a:t>5/21/25</a:t>
             </a:fld>
             <a:endParaRPr lang="en-US"/>
           </a:p>
@@ -2089,7 +2092,7 @@
           <a:p>
             <a:fld id="{BA7C98FC-0AF0-AE45-A195-D023F30AD744}" type="datetimeFigureOut">
               <a:rPr lang="en-US" smtClean="0"/>
-              <a:t>4/22/25</a:t>
+              <a:t>5/21/25</a:t>
             </a:fld>
             <a:endParaRPr lang="en-US"/>
           </a:p>
@@ -2402,7 +2405,7 @@
           <a:p>
             <a:fld id="{BA7C98FC-0AF0-AE45-A195-D023F30AD744}" type="datetimeFigureOut">
               <a:rPr lang="en-US" smtClean="0"/>
-              <a:t>4/22/25</a:t>
+              <a:t>5/21/25</a:t>
             </a:fld>
             <a:endParaRPr lang="en-US"/>
           </a:p>
@@ -2691,7 +2694,7 @@
           <a:p>
             <a:fld id="{BA7C98FC-0AF0-AE45-A195-D023F30AD744}" type="datetimeFigureOut">
               <a:rPr lang="en-US" smtClean="0"/>
-              <a:t>4/22/25</a:t>
+              <a:t>5/21/25</a:t>
             </a:fld>
             <a:endParaRPr lang="en-US"/>
           </a:p>
@@ -2934,7 +2937,7 @@
           <a:p>
             <a:fld id="{BA7C98FC-0AF0-AE45-A195-D023F30AD744}" type="datetimeFigureOut">
               <a:rPr lang="en-US" smtClean="0"/>
-              <a:t>4/22/25</a:t>
+              <a:t>5/21/25</a:t>
             </a:fld>
             <a:endParaRPr lang="en-US"/>
           </a:p>
@@ -4383,6 +4386,347 @@
     <p:extLst>
       <p:ext uri="{BB962C8B-B14F-4D97-AF65-F5344CB8AC3E}">
         <p14:creationId xmlns:p14="http://schemas.microsoft.com/office/powerpoint/2010/main" val="2509384597"/>
+      </p:ext>
+    </p:extLst>
+  </p:cSld>
+  <p:clrMapOvr>
+    <a:masterClrMapping/>
+  </p:clrMapOvr>
+</p:sld>
+</file>
+
+<file path=ppt/slides/slide6.xml><?xml version="1.0" encoding="utf-8"?>
+<p:sld xmlns:a="http://schemas.openxmlformats.org/drawingml/2006/main" xmlns:r="http://schemas.openxmlformats.org/officeDocument/2006/relationships" xmlns:p="http://schemas.openxmlformats.org/presentationml/2006/main">
+  <p:cSld>
+    <p:spTree>
+      <p:nvGrpSpPr>
+        <p:cNvPr id="1" name=""/>
+        <p:cNvGrpSpPr/>
+        <p:nvPr/>
+      </p:nvGrpSpPr>
+      <p:grpSpPr>
+        <a:xfrm>
+          <a:off x="0" y="0"/>
+          <a:ext cx="0" cy="0"/>
+          <a:chOff x="0" y="0"/>
+          <a:chExt cx="0" cy="0"/>
+        </a:xfrm>
+      </p:grpSpPr>
+      <p:sp>
+        <p:nvSpPr>
+          <p:cNvPr id="2" name="Title 1">
+            <a:extLst>
+              <a:ext uri="{FF2B5EF4-FFF2-40B4-BE49-F238E27FC236}">
+                <a16:creationId xmlns:a16="http://schemas.microsoft.com/office/drawing/2014/main" id="{F6B62A09-69A6-7318-A9A3-C4A2D1161DA2}"/>
+              </a:ext>
+            </a:extLst>
+          </p:cNvPr>
+          <p:cNvSpPr>
+            <a:spLocks noGrp="1"/>
+          </p:cNvSpPr>
+          <p:nvPr>
+            <p:ph type="title"/>
+          </p:nvPr>
+        </p:nvSpPr>
+        <p:spPr/>
+        <p:txBody>
+          <a:bodyPr/>
+          <a:lstStyle/>
+          <a:p>
+            <a:r>
+              <a:rPr lang="en-US" dirty="0" err="1"/>
+              <a:t>Styline</a:t>
+            </a:r>
+            <a:endParaRPr lang="en-US" dirty="0"/>
+          </a:p>
+        </p:txBody>
+      </p:sp>
+      <p:sp>
+        <p:nvSpPr>
+          <p:cNvPr id="3" name="Content Placeholder 2">
+            <a:extLst>
+              <a:ext uri="{FF2B5EF4-FFF2-40B4-BE49-F238E27FC236}">
+                <a16:creationId xmlns:a16="http://schemas.microsoft.com/office/drawing/2014/main" id="{12243462-BD1F-B21F-D79A-0896E2F3D40D}"/>
+              </a:ext>
+            </a:extLst>
+          </p:cNvPr>
+          <p:cNvSpPr>
+            <a:spLocks noGrp="1"/>
+          </p:cNvSpPr>
+          <p:nvPr>
+            <p:ph idx="1"/>
+          </p:nvPr>
+        </p:nvSpPr>
+        <p:spPr/>
+        <p:txBody>
+          <a:bodyPr/>
+          <a:lstStyle/>
+          <a:p>
+            <a:r>
+              <a:rPr lang="en-US" dirty="0"/>
+              <a:t>Global Level Styling</a:t>
+            </a:r>
+          </a:p>
+          <a:p>
+            <a:r>
+              <a:rPr lang="en-US" dirty="0"/>
+              <a:t>Component Level Styling</a:t>
+            </a:r>
+          </a:p>
+          <a:p>
+            <a:r>
+              <a:rPr lang="en-US" dirty="0"/>
+              <a:t>Inline Level Styling</a:t>
+            </a:r>
+          </a:p>
+          <a:p>
+            <a:r>
+              <a:rPr lang="en-US" dirty="0"/>
+              <a:t>Module level Styling</a:t>
+            </a:r>
+          </a:p>
+          <a:p>
+            <a:endParaRPr lang="en-US" dirty="0"/>
+          </a:p>
+        </p:txBody>
+      </p:sp>
+    </p:spTree>
+    <p:extLst>
+      <p:ext uri="{BB962C8B-B14F-4D97-AF65-F5344CB8AC3E}">
+        <p14:creationId xmlns:p14="http://schemas.microsoft.com/office/powerpoint/2010/main" val="1051265205"/>
+      </p:ext>
+    </p:extLst>
+  </p:cSld>
+  <p:clrMapOvr>
+    <a:masterClrMapping/>
+  </p:clrMapOvr>
+</p:sld>
+</file>
+
+<file path=ppt/slides/slide7.xml><?xml version="1.0" encoding="utf-8"?>
+<p:sld xmlns:a="http://schemas.openxmlformats.org/drawingml/2006/main" xmlns:r="http://schemas.openxmlformats.org/officeDocument/2006/relationships" xmlns:p="http://schemas.openxmlformats.org/presentationml/2006/main">
+  <p:cSld>
+    <p:spTree>
+      <p:nvGrpSpPr>
+        <p:cNvPr id="1" name=""/>
+        <p:cNvGrpSpPr/>
+        <p:nvPr/>
+      </p:nvGrpSpPr>
+      <p:grpSpPr>
+        <a:xfrm>
+          <a:off x="0" y="0"/>
+          <a:ext cx="0" cy="0"/>
+          <a:chOff x="0" y="0"/>
+          <a:chExt cx="0" cy="0"/>
+        </a:xfrm>
+      </p:grpSpPr>
+      <p:sp>
+        <p:nvSpPr>
+          <p:cNvPr id="2" name="Title 1">
+            <a:extLst>
+              <a:ext uri="{FF2B5EF4-FFF2-40B4-BE49-F238E27FC236}">
+                <a16:creationId xmlns:a16="http://schemas.microsoft.com/office/drawing/2014/main" id="{ABC49411-78A8-FEA5-2F10-3B165B2417A2}"/>
+              </a:ext>
+            </a:extLst>
+          </p:cNvPr>
+          <p:cNvSpPr>
+            <a:spLocks noGrp="1"/>
+          </p:cNvSpPr>
+          <p:nvPr>
+            <p:ph type="title"/>
+          </p:nvPr>
+        </p:nvSpPr>
+        <p:spPr/>
+        <p:txBody>
+          <a:bodyPr/>
+          <a:lstStyle/>
+          <a:p>
+            <a:r>
+              <a:rPr lang="en-US" dirty="0"/>
+              <a:t>Forms</a:t>
+            </a:r>
+          </a:p>
+        </p:txBody>
+      </p:sp>
+      <p:sp>
+        <p:nvSpPr>
+          <p:cNvPr id="3" name="Content Placeholder 2">
+            <a:extLst>
+              <a:ext uri="{FF2B5EF4-FFF2-40B4-BE49-F238E27FC236}">
+                <a16:creationId xmlns:a16="http://schemas.microsoft.com/office/drawing/2014/main" id="{054A4E89-584E-D8B8-5781-F0B7FA483B0E}"/>
+              </a:ext>
+            </a:extLst>
+          </p:cNvPr>
+          <p:cNvSpPr>
+            <a:spLocks noGrp="1"/>
+          </p:cNvSpPr>
+          <p:nvPr>
+            <p:ph idx="1"/>
+          </p:nvPr>
+        </p:nvSpPr>
+        <p:spPr/>
+        <p:txBody>
+          <a:bodyPr/>
+          <a:lstStyle/>
+          <a:p>
+            <a:r>
+              <a:rPr lang="en-US" dirty="0"/>
+              <a:t>Forms &amp; Input</a:t>
+            </a:r>
+          </a:p>
+          <a:p>
+            <a:r>
+              <a:rPr lang="en-US" dirty="0" err="1"/>
+              <a:t>onChange</a:t>
+            </a:r>
+            <a:r>
+              <a:rPr lang="en-US" dirty="0"/>
+              <a:t> Event</a:t>
+            </a:r>
+          </a:p>
+          <a:p>
+            <a:r>
+              <a:rPr lang="en-US" dirty="0"/>
+              <a:t>Controlled Inputs</a:t>
+            </a:r>
+          </a:p>
+          <a:p>
+            <a:r>
+              <a:rPr lang="en-US" dirty="0" err="1"/>
+              <a:t>onSubmit</a:t>
+            </a:r>
+            <a:r>
+              <a:rPr lang="en-US" dirty="0"/>
+              <a:t> Event</a:t>
+            </a:r>
+          </a:p>
+          <a:p>
+            <a:r>
+              <a:rPr lang="en-US" dirty="0" err="1"/>
+              <a:t>addNew</a:t>
+            </a:r>
+            <a:r>
+              <a:rPr lang="en-US" dirty="0"/>
+              <a:t> Task</a:t>
+            </a:r>
+          </a:p>
+          <a:p>
+            <a:r>
+              <a:rPr lang="en-US" dirty="0" err="1"/>
+              <a:t>useRef</a:t>
+            </a:r>
+            <a:endParaRPr lang="en-US" dirty="0"/>
+          </a:p>
+        </p:txBody>
+      </p:sp>
+    </p:spTree>
+    <p:extLst>
+      <p:ext uri="{BB962C8B-B14F-4D97-AF65-F5344CB8AC3E}">
+        <p14:creationId xmlns:p14="http://schemas.microsoft.com/office/powerpoint/2010/main" val="3177044838"/>
+      </p:ext>
+    </p:extLst>
+  </p:cSld>
+  <p:clrMapOvr>
+    <a:masterClrMapping/>
+  </p:clrMapOvr>
+</p:sld>
+</file>
+
+<file path=ppt/slides/slide8.xml><?xml version="1.0" encoding="utf-8"?>
+<p:sld xmlns:a="http://schemas.openxmlformats.org/drawingml/2006/main" xmlns:r="http://schemas.openxmlformats.org/officeDocument/2006/relationships" xmlns:p="http://schemas.openxmlformats.org/presentationml/2006/main">
+  <p:cSld>
+    <p:spTree>
+      <p:nvGrpSpPr>
+        <p:cNvPr id="1" name=""/>
+        <p:cNvGrpSpPr/>
+        <p:nvPr/>
+      </p:nvGrpSpPr>
+      <p:grpSpPr>
+        <a:xfrm>
+          <a:off x="0" y="0"/>
+          <a:ext cx="0" cy="0"/>
+          <a:chOff x="0" y="0"/>
+          <a:chExt cx="0" cy="0"/>
+        </a:xfrm>
+      </p:grpSpPr>
+      <p:sp>
+        <p:nvSpPr>
+          <p:cNvPr id="3" name="Content Placeholder 2">
+            <a:extLst>
+              <a:ext uri="{FF2B5EF4-FFF2-40B4-BE49-F238E27FC236}">
+                <a16:creationId xmlns:a16="http://schemas.microsoft.com/office/drawing/2014/main" id="{111424FA-BCD0-DFD0-E307-7C3D96CF0521}"/>
+              </a:ext>
+            </a:extLst>
+          </p:cNvPr>
+          <p:cNvSpPr>
+            <a:spLocks noGrp="1"/>
+          </p:cNvSpPr>
+          <p:nvPr>
+            <p:ph idx="1"/>
+          </p:nvPr>
+        </p:nvSpPr>
+        <p:spPr>
+          <a:xfrm>
+            <a:off x="838200" y="275121"/>
+            <a:ext cx="10515600" cy="4351338"/>
+          </a:xfrm>
+        </p:spPr>
+        <p:txBody>
+          <a:bodyPr/>
+          <a:lstStyle/>
+          <a:p>
+            <a:r>
+              <a:rPr lang="en-US" dirty="0"/>
+              <a:t>JSON Server</a:t>
+            </a:r>
+          </a:p>
+          <a:p>
+            <a:r>
+              <a:rPr lang="en-US" dirty="0" err="1"/>
+              <a:t>useEffect</a:t>
+            </a:r>
+            <a:r>
+              <a:rPr lang="en-US" dirty="0"/>
+              <a:t> Hook</a:t>
+            </a:r>
+          </a:p>
+          <a:p>
+            <a:r>
+              <a:rPr lang="en-US" dirty="0"/>
+              <a:t>React </a:t>
+            </a:r>
+            <a:r>
+              <a:rPr lang="en-US" dirty="0" err="1"/>
+              <a:t>StrictMode</a:t>
+            </a:r>
+            <a:endParaRPr lang="en-US" dirty="0"/>
+          </a:p>
+          <a:p>
+            <a:r>
+              <a:rPr lang="en-US" dirty="0"/>
+              <a:t>List Output</a:t>
+            </a:r>
+          </a:p>
+          <a:p>
+            <a:r>
+              <a:rPr lang="en-US" dirty="0" err="1"/>
+              <a:t>onClick</a:t>
+            </a:r>
+            <a:r>
+              <a:rPr lang="en-US"/>
+              <a:t> Even</a:t>
+            </a:r>
+            <a:r>
+              <a:rPr lang="en-US" dirty="0"/>
+              <a:t>t</a:t>
+            </a:r>
+          </a:p>
+        </p:txBody>
+      </p:sp>
+    </p:spTree>
+    <p:extLst>
+      <p:ext uri="{BB962C8B-B14F-4D97-AF65-F5344CB8AC3E}">
+        <p14:creationId xmlns:p14="http://schemas.microsoft.com/office/powerpoint/2010/main" val="817842407"/>
       </p:ext>
     </p:extLst>
   </p:cSld>

--- a/react/react.pptx
+++ b/react/react.pptx
@@ -268,7 +268,7 @@
           <a:p>
             <a:fld id="{BA7C98FC-0AF0-AE45-A195-D023F30AD744}" type="datetimeFigureOut">
               <a:rPr lang="en-US" smtClean="0"/>
-              <a:t>5/21/25</a:t>
+              <a:t>5/22/25</a:t>
             </a:fld>
             <a:endParaRPr lang="en-US"/>
           </a:p>
@@ -468,7 +468,7 @@
           <a:p>
             <a:fld id="{BA7C98FC-0AF0-AE45-A195-D023F30AD744}" type="datetimeFigureOut">
               <a:rPr lang="en-US" smtClean="0"/>
-              <a:t>5/21/25</a:t>
+              <a:t>5/22/25</a:t>
             </a:fld>
             <a:endParaRPr lang="en-US"/>
           </a:p>
@@ -678,7 +678,7 @@
           <a:p>
             <a:fld id="{BA7C98FC-0AF0-AE45-A195-D023F30AD744}" type="datetimeFigureOut">
               <a:rPr lang="en-US" smtClean="0"/>
-              <a:t>5/21/25</a:t>
+              <a:t>5/22/25</a:t>
             </a:fld>
             <a:endParaRPr lang="en-US"/>
           </a:p>
@@ -878,7 +878,7 @@
           <a:p>
             <a:fld id="{BA7C98FC-0AF0-AE45-A195-D023F30AD744}" type="datetimeFigureOut">
               <a:rPr lang="en-US" smtClean="0"/>
-              <a:t>5/21/25</a:t>
+              <a:t>5/22/25</a:t>
             </a:fld>
             <a:endParaRPr lang="en-US"/>
           </a:p>
@@ -1154,7 +1154,7 @@
           <a:p>
             <a:fld id="{BA7C98FC-0AF0-AE45-A195-D023F30AD744}" type="datetimeFigureOut">
               <a:rPr lang="en-US" smtClean="0"/>
-              <a:t>5/21/25</a:t>
+              <a:t>5/22/25</a:t>
             </a:fld>
             <a:endParaRPr lang="en-US"/>
           </a:p>
@@ -1422,7 +1422,7 @@
           <a:p>
             <a:fld id="{BA7C98FC-0AF0-AE45-A195-D023F30AD744}" type="datetimeFigureOut">
               <a:rPr lang="en-US" smtClean="0"/>
-              <a:t>5/21/25</a:t>
+              <a:t>5/22/25</a:t>
             </a:fld>
             <a:endParaRPr lang="en-US"/>
           </a:p>
@@ -1837,7 +1837,7 @@
           <a:p>
             <a:fld id="{BA7C98FC-0AF0-AE45-A195-D023F30AD744}" type="datetimeFigureOut">
               <a:rPr lang="en-US" smtClean="0"/>
-              <a:t>5/21/25</a:t>
+              <a:t>5/22/25</a:t>
             </a:fld>
             <a:endParaRPr lang="en-US"/>
           </a:p>
@@ -1979,7 +1979,7 @@
           <a:p>
             <a:fld id="{BA7C98FC-0AF0-AE45-A195-D023F30AD744}" type="datetimeFigureOut">
               <a:rPr lang="en-US" smtClean="0"/>
-              <a:t>5/21/25</a:t>
+              <a:t>5/22/25</a:t>
             </a:fld>
             <a:endParaRPr lang="en-US"/>
           </a:p>
@@ -2092,7 +2092,7 @@
           <a:p>
             <a:fld id="{BA7C98FC-0AF0-AE45-A195-D023F30AD744}" type="datetimeFigureOut">
               <a:rPr lang="en-US" smtClean="0"/>
-              <a:t>5/21/25</a:t>
+              <a:t>5/22/25</a:t>
             </a:fld>
             <a:endParaRPr lang="en-US"/>
           </a:p>
@@ -2405,7 +2405,7 @@
           <a:p>
             <a:fld id="{BA7C98FC-0AF0-AE45-A195-D023F30AD744}" type="datetimeFigureOut">
               <a:rPr lang="en-US" smtClean="0"/>
-              <a:t>5/21/25</a:t>
+              <a:t>5/22/25</a:t>
             </a:fld>
             <a:endParaRPr lang="en-US"/>
           </a:p>
@@ -2694,7 +2694,7 @@
           <a:p>
             <a:fld id="{BA7C98FC-0AF0-AE45-A195-D023F30AD744}" type="datetimeFigureOut">
               <a:rPr lang="en-US" smtClean="0"/>
-              <a:t>5/21/25</a:t>
+              <a:t>5/22/25</a:t>
             </a:fld>
             <a:endParaRPr lang="en-US"/>
           </a:p>
@@ -2937,7 +2937,7 @@
           <a:p>
             <a:fld id="{BA7C98FC-0AF0-AE45-A195-D023F30AD744}" type="datetimeFigureOut">
               <a:rPr lang="en-US" smtClean="0"/>
-              <a:t>5/21/25</a:t>
+              <a:t>5/22/25</a:t>
             </a:fld>
             <a:endParaRPr lang="en-US"/>
           </a:p>
@@ -4713,13 +4713,26 @@
               <a:t>onClick</a:t>
             </a:r>
             <a:r>
+              <a:rPr lang="en-US" dirty="0"/>
+              <a:t> Event</a:t>
+            </a:r>
+          </a:p>
+          <a:p>
+            <a:r>
+              <a:rPr lang="en-US" dirty="0" err="1"/>
+              <a:t>useCallback</a:t>
+            </a:r>
+            <a:r>
+              <a:rPr lang="en-US" dirty="0"/>
+              <a:t> hook</a:t>
+            </a:r>
+          </a:p>
+          <a:p>
+            <a:r>
               <a:rPr lang="en-US"/>
-              <a:t> Even</a:t>
-            </a:r>
-            <a:r>
-              <a:rPr lang="en-US" dirty="0"/>
-              <a:t>t</a:t>
-            </a:r>
+              <a:t>custom hook</a:t>
+            </a:r>
+            <a:endParaRPr lang="en-US" dirty="0"/>
           </a:p>
         </p:txBody>
       </p:sp>

--- a/react/react.pptx
+++ b/react/react.pptx
@@ -13,6 +13,7 @@
     <p:sldId id="261" r:id="rId7"/>
     <p:sldId id="262" r:id="rId8"/>
     <p:sldId id="263" r:id="rId9"/>
+    <p:sldId id="264" r:id="rId10"/>
   </p:sldIdLst>
   <p:sldSz cx="12192000" cy="6858000"/>
   <p:notesSz cx="6858000" cy="9144000"/>
@@ -268,7 +269,7 @@
           <a:p>
             <a:fld id="{BA7C98FC-0AF0-AE45-A195-D023F30AD744}" type="datetimeFigureOut">
               <a:rPr lang="en-US" smtClean="0"/>
-              <a:t>5/22/25</a:t>
+              <a:t>5/27/25</a:t>
             </a:fld>
             <a:endParaRPr lang="en-US"/>
           </a:p>
@@ -468,7 +469,7 @@
           <a:p>
             <a:fld id="{BA7C98FC-0AF0-AE45-A195-D023F30AD744}" type="datetimeFigureOut">
               <a:rPr lang="en-US" smtClean="0"/>
-              <a:t>5/22/25</a:t>
+              <a:t>5/27/25</a:t>
             </a:fld>
             <a:endParaRPr lang="en-US"/>
           </a:p>
@@ -678,7 +679,7 @@
           <a:p>
             <a:fld id="{BA7C98FC-0AF0-AE45-A195-D023F30AD744}" type="datetimeFigureOut">
               <a:rPr lang="en-US" smtClean="0"/>
-              <a:t>5/22/25</a:t>
+              <a:t>5/27/25</a:t>
             </a:fld>
             <a:endParaRPr lang="en-US"/>
           </a:p>
@@ -878,7 +879,7 @@
           <a:p>
             <a:fld id="{BA7C98FC-0AF0-AE45-A195-D023F30AD744}" type="datetimeFigureOut">
               <a:rPr lang="en-US" smtClean="0"/>
-              <a:t>5/22/25</a:t>
+              <a:t>5/27/25</a:t>
             </a:fld>
             <a:endParaRPr lang="en-US"/>
           </a:p>
@@ -1154,7 +1155,7 @@
           <a:p>
             <a:fld id="{BA7C98FC-0AF0-AE45-A195-D023F30AD744}" type="datetimeFigureOut">
               <a:rPr lang="en-US" smtClean="0"/>
-              <a:t>5/22/25</a:t>
+              <a:t>5/27/25</a:t>
             </a:fld>
             <a:endParaRPr lang="en-US"/>
           </a:p>
@@ -1422,7 +1423,7 @@
           <a:p>
             <a:fld id="{BA7C98FC-0AF0-AE45-A195-D023F30AD744}" type="datetimeFigureOut">
               <a:rPr lang="en-US" smtClean="0"/>
-              <a:t>5/22/25</a:t>
+              <a:t>5/27/25</a:t>
             </a:fld>
             <a:endParaRPr lang="en-US"/>
           </a:p>
@@ -1837,7 +1838,7 @@
           <a:p>
             <a:fld id="{BA7C98FC-0AF0-AE45-A195-D023F30AD744}" type="datetimeFigureOut">
               <a:rPr lang="en-US" smtClean="0"/>
-              <a:t>5/22/25</a:t>
+              <a:t>5/27/25</a:t>
             </a:fld>
             <a:endParaRPr lang="en-US"/>
           </a:p>
@@ -1979,7 +1980,7 @@
           <a:p>
             <a:fld id="{BA7C98FC-0AF0-AE45-A195-D023F30AD744}" type="datetimeFigureOut">
               <a:rPr lang="en-US" smtClean="0"/>
-              <a:t>5/22/25</a:t>
+              <a:t>5/27/25</a:t>
             </a:fld>
             <a:endParaRPr lang="en-US"/>
           </a:p>
@@ -2092,7 +2093,7 @@
           <a:p>
             <a:fld id="{BA7C98FC-0AF0-AE45-A195-D023F30AD744}" type="datetimeFigureOut">
               <a:rPr lang="en-US" smtClean="0"/>
-              <a:t>5/22/25</a:t>
+              <a:t>5/27/25</a:t>
             </a:fld>
             <a:endParaRPr lang="en-US"/>
           </a:p>
@@ -2405,7 +2406,7 @@
           <a:p>
             <a:fld id="{BA7C98FC-0AF0-AE45-A195-D023F30AD744}" type="datetimeFigureOut">
               <a:rPr lang="en-US" smtClean="0"/>
-              <a:t>5/22/25</a:t>
+              <a:t>5/27/25</a:t>
             </a:fld>
             <a:endParaRPr lang="en-US"/>
           </a:p>
@@ -2694,7 +2695,7 @@
           <a:p>
             <a:fld id="{BA7C98FC-0AF0-AE45-A195-D023F30AD744}" type="datetimeFigureOut">
               <a:rPr lang="en-US" smtClean="0"/>
-              <a:t>5/22/25</a:t>
+              <a:t>5/27/25</a:t>
             </a:fld>
             <a:endParaRPr lang="en-US"/>
           </a:p>
@@ -2937,7 +2938,7 @@
           <a:p>
             <a:fld id="{BA7C98FC-0AF0-AE45-A195-D023F30AD744}" type="datetimeFigureOut">
               <a:rPr lang="en-US" smtClean="0"/>
-              <a:t>5/22/25</a:t>
+              <a:t>5/27/25</a:t>
             </a:fld>
             <a:endParaRPr lang="en-US"/>
           </a:p>
@@ -4672,7 +4673,7 @@
           </a:xfrm>
         </p:spPr>
         <p:txBody>
-          <a:bodyPr/>
+          <a:bodyPr numCol="2"/>
           <a:lstStyle/>
           <a:p>
             <a:r>
@@ -4729,10 +4730,33 @@
           </a:p>
           <a:p>
             <a:r>
-              <a:rPr lang="en-US"/>
+              <a:rPr lang="en-US" dirty="0"/>
               <a:t>custom hook</a:t>
             </a:r>
-            <a:endParaRPr lang="en-US" dirty="0"/>
+          </a:p>
+          <a:p>
+            <a:r>
+              <a:rPr lang="en-US" dirty="0"/>
+              <a:t>Loading State</a:t>
+            </a:r>
+          </a:p>
+          <a:p>
+            <a:r>
+              <a:rPr lang="en-US" dirty="0"/>
+              <a:t>Error Handling</a:t>
+            </a:r>
+          </a:p>
+          <a:p>
+            <a:r>
+              <a:rPr lang="en-US" dirty="0"/>
+              <a:t>Aborting Fetch Request</a:t>
+            </a:r>
+          </a:p>
+          <a:p>
+            <a:r>
+              <a:rPr lang="en-US" dirty="0"/>
+              <a:t>Infinite loops</a:t>
+            </a:r>
           </a:p>
         </p:txBody>
       </p:sp>
@@ -4740,6 +4764,92 @@
     <p:extLst>
       <p:ext uri="{BB962C8B-B14F-4D97-AF65-F5344CB8AC3E}">
         <p14:creationId xmlns:p14="http://schemas.microsoft.com/office/powerpoint/2010/main" val="817842407"/>
+      </p:ext>
+    </p:extLst>
+  </p:cSld>
+  <p:clrMapOvr>
+    <a:masterClrMapping/>
+  </p:clrMapOvr>
+</p:sld>
+</file>
+
+<file path=ppt/slides/slide9.xml><?xml version="1.0" encoding="utf-8"?>
+<p:sld xmlns:a="http://schemas.openxmlformats.org/drawingml/2006/main" xmlns:r="http://schemas.openxmlformats.org/officeDocument/2006/relationships" xmlns:p="http://schemas.openxmlformats.org/presentationml/2006/main">
+  <p:cSld>
+    <p:spTree>
+      <p:nvGrpSpPr>
+        <p:cNvPr id="1" name=""/>
+        <p:cNvGrpSpPr/>
+        <p:nvPr/>
+      </p:nvGrpSpPr>
+      <p:grpSpPr>
+        <a:xfrm>
+          <a:off x="0" y="0"/>
+          <a:ext cx="0" cy="0"/>
+          <a:chOff x="0" y="0"/>
+          <a:chExt cx="0" cy="0"/>
+        </a:xfrm>
+      </p:grpSpPr>
+      <p:sp>
+        <p:nvSpPr>
+          <p:cNvPr id="2" name="Title 1">
+            <a:extLst>
+              <a:ext uri="{FF2B5EF4-FFF2-40B4-BE49-F238E27FC236}">
+                <a16:creationId xmlns:a16="http://schemas.microsoft.com/office/drawing/2014/main" id="{163273B5-C8C6-3989-CE22-17B73D489377}"/>
+              </a:ext>
+            </a:extLst>
+          </p:cNvPr>
+          <p:cNvSpPr>
+            <a:spLocks noGrp="1"/>
+          </p:cNvSpPr>
+          <p:nvPr>
+            <p:ph type="title"/>
+          </p:nvPr>
+        </p:nvSpPr>
+        <p:spPr/>
+        <p:txBody>
+          <a:bodyPr/>
+          <a:lstStyle/>
+          <a:p>
+            <a:endParaRPr lang="en-US"/>
+          </a:p>
+        </p:txBody>
+      </p:sp>
+      <p:sp>
+        <p:nvSpPr>
+          <p:cNvPr id="3" name="Content Placeholder 2">
+            <a:extLst>
+              <a:ext uri="{FF2B5EF4-FFF2-40B4-BE49-F238E27FC236}">
+                <a16:creationId xmlns:a16="http://schemas.microsoft.com/office/drawing/2014/main" id="{B167C53A-7470-024F-7C90-6C260AC585BD}"/>
+              </a:ext>
+            </a:extLst>
+          </p:cNvPr>
+          <p:cNvSpPr>
+            <a:spLocks noGrp="1"/>
+          </p:cNvSpPr>
+          <p:nvPr>
+            <p:ph idx="1"/>
+          </p:nvPr>
+        </p:nvSpPr>
+        <p:spPr/>
+        <p:txBody>
+          <a:bodyPr/>
+          <a:lstStyle/>
+          <a:p>
+            <a:r>
+              <a:rPr lang="en-US"/>
+              <a:t>Project1</a:t>
+            </a:r>
+          </a:p>
+          <a:p>
+            <a:endParaRPr lang="en-US"/>
+          </a:p>
+        </p:txBody>
+      </p:sp>
+    </p:spTree>
+    <p:extLst>
+      <p:ext uri="{BB962C8B-B14F-4D97-AF65-F5344CB8AC3E}">
+        <p14:creationId xmlns:p14="http://schemas.microsoft.com/office/powerpoint/2010/main" val="3380210563"/>
       </p:ext>
     </p:extLst>
   </p:cSld>

--- a/react/react.pptx
+++ b/react/react.pptx
@@ -14,6 +14,7 @@
     <p:sldId id="262" r:id="rId8"/>
     <p:sldId id="263" r:id="rId9"/>
     <p:sldId id="264" r:id="rId10"/>
+    <p:sldId id="265" r:id="rId11"/>
   </p:sldIdLst>
   <p:sldSz cx="12192000" cy="6858000"/>
   <p:notesSz cx="6858000" cy="9144000"/>
@@ -269,7 +270,7 @@
           <a:p>
             <a:fld id="{BA7C98FC-0AF0-AE45-A195-D023F30AD744}" type="datetimeFigureOut">
               <a:rPr lang="en-US" smtClean="0"/>
-              <a:t>5/27/25</a:t>
+              <a:t>5/29/25</a:t>
             </a:fld>
             <a:endParaRPr lang="en-US"/>
           </a:p>
@@ -469,7 +470,7 @@
           <a:p>
             <a:fld id="{BA7C98FC-0AF0-AE45-A195-D023F30AD744}" type="datetimeFigureOut">
               <a:rPr lang="en-US" smtClean="0"/>
-              <a:t>5/27/25</a:t>
+              <a:t>5/29/25</a:t>
             </a:fld>
             <a:endParaRPr lang="en-US"/>
           </a:p>
@@ -679,7 +680,7 @@
           <a:p>
             <a:fld id="{BA7C98FC-0AF0-AE45-A195-D023F30AD744}" type="datetimeFigureOut">
               <a:rPr lang="en-US" smtClean="0"/>
-              <a:t>5/27/25</a:t>
+              <a:t>5/29/25</a:t>
             </a:fld>
             <a:endParaRPr lang="en-US"/>
           </a:p>
@@ -879,7 +880,7 @@
           <a:p>
             <a:fld id="{BA7C98FC-0AF0-AE45-A195-D023F30AD744}" type="datetimeFigureOut">
               <a:rPr lang="en-US" smtClean="0"/>
-              <a:t>5/27/25</a:t>
+              <a:t>5/29/25</a:t>
             </a:fld>
             <a:endParaRPr lang="en-US"/>
           </a:p>
@@ -1155,7 +1156,7 @@
           <a:p>
             <a:fld id="{BA7C98FC-0AF0-AE45-A195-D023F30AD744}" type="datetimeFigureOut">
               <a:rPr lang="en-US" smtClean="0"/>
-              <a:t>5/27/25</a:t>
+              <a:t>5/29/25</a:t>
             </a:fld>
             <a:endParaRPr lang="en-US"/>
           </a:p>
@@ -1423,7 +1424,7 @@
           <a:p>
             <a:fld id="{BA7C98FC-0AF0-AE45-A195-D023F30AD744}" type="datetimeFigureOut">
               <a:rPr lang="en-US" smtClean="0"/>
-              <a:t>5/27/25</a:t>
+              <a:t>5/29/25</a:t>
             </a:fld>
             <a:endParaRPr lang="en-US"/>
           </a:p>
@@ -1838,7 +1839,7 @@
           <a:p>
             <a:fld id="{BA7C98FC-0AF0-AE45-A195-D023F30AD744}" type="datetimeFigureOut">
               <a:rPr lang="en-US" smtClean="0"/>
-              <a:t>5/27/25</a:t>
+              <a:t>5/29/25</a:t>
             </a:fld>
             <a:endParaRPr lang="en-US"/>
           </a:p>
@@ -1980,7 +1981,7 @@
           <a:p>
             <a:fld id="{BA7C98FC-0AF0-AE45-A195-D023F30AD744}" type="datetimeFigureOut">
               <a:rPr lang="en-US" smtClean="0"/>
-              <a:t>5/27/25</a:t>
+              <a:t>5/29/25</a:t>
             </a:fld>
             <a:endParaRPr lang="en-US"/>
           </a:p>
@@ -2093,7 +2094,7 @@
           <a:p>
             <a:fld id="{BA7C98FC-0AF0-AE45-A195-D023F30AD744}" type="datetimeFigureOut">
               <a:rPr lang="en-US" smtClean="0"/>
-              <a:t>5/27/25</a:t>
+              <a:t>5/29/25</a:t>
             </a:fld>
             <a:endParaRPr lang="en-US"/>
           </a:p>
@@ -2406,7 +2407,7 @@
           <a:p>
             <a:fld id="{BA7C98FC-0AF0-AE45-A195-D023F30AD744}" type="datetimeFigureOut">
               <a:rPr lang="en-US" smtClean="0"/>
-              <a:t>5/27/25</a:t>
+              <a:t>5/29/25</a:t>
             </a:fld>
             <a:endParaRPr lang="en-US"/>
           </a:p>
@@ -2695,7 +2696,7 @@
           <a:p>
             <a:fld id="{BA7C98FC-0AF0-AE45-A195-D023F30AD744}" type="datetimeFigureOut">
               <a:rPr lang="en-US" smtClean="0"/>
-              <a:t>5/27/25</a:t>
+              <a:t>5/29/25</a:t>
             </a:fld>
             <a:endParaRPr lang="en-US"/>
           </a:p>
@@ -2938,7 +2939,7 @@
           <a:p>
             <a:fld id="{BA7C98FC-0AF0-AE45-A195-D023F30AD744}" type="datetimeFigureOut">
               <a:rPr lang="en-US" smtClean="0"/>
-              <a:t>5/27/25</a:t>
+              <a:t>5/29/25</a:t>
             </a:fld>
             <a:endParaRPr lang="en-US"/>
           </a:p>
@@ -3440,6 +3441,99 @@
 </p:sld>
 </file>
 
+<file path=ppt/slides/slide10.xml><?xml version="1.0" encoding="utf-8"?>
+<p:sld xmlns:a="http://schemas.openxmlformats.org/drawingml/2006/main" xmlns:r="http://schemas.openxmlformats.org/officeDocument/2006/relationships" xmlns:p="http://schemas.openxmlformats.org/presentationml/2006/main">
+  <p:cSld>
+    <p:spTree>
+      <p:nvGrpSpPr>
+        <p:cNvPr id="1" name=""/>
+        <p:cNvGrpSpPr/>
+        <p:nvPr/>
+      </p:nvGrpSpPr>
+      <p:grpSpPr>
+        <a:xfrm>
+          <a:off x="0" y="0"/>
+          <a:ext cx="0" cy="0"/>
+          <a:chOff x="0" y="0"/>
+          <a:chExt cx="0" cy="0"/>
+        </a:xfrm>
+      </p:grpSpPr>
+      <p:sp>
+        <p:nvSpPr>
+          <p:cNvPr id="2" name="Title 1">
+            <a:extLst>
+              <a:ext uri="{FF2B5EF4-FFF2-40B4-BE49-F238E27FC236}">
+                <a16:creationId xmlns:a16="http://schemas.microsoft.com/office/drawing/2014/main" id="{F21DFDD1-5C5F-CB09-9E92-9CDE58DA6629}"/>
+              </a:ext>
+            </a:extLst>
+          </p:cNvPr>
+          <p:cNvSpPr>
+            <a:spLocks noGrp="1"/>
+          </p:cNvSpPr>
+          <p:nvPr>
+            <p:ph type="title"/>
+          </p:nvPr>
+        </p:nvSpPr>
+        <p:spPr/>
+        <p:txBody>
+          <a:bodyPr/>
+          <a:lstStyle/>
+          <a:p>
+            <a:endParaRPr lang="en-US"/>
+          </a:p>
+        </p:txBody>
+      </p:sp>
+      <p:sp>
+        <p:nvSpPr>
+          <p:cNvPr id="3" name="Content Placeholder 2">
+            <a:extLst>
+              <a:ext uri="{FF2B5EF4-FFF2-40B4-BE49-F238E27FC236}">
+                <a16:creationId xmlns:a16="http://schemas.microsoft.com/office/drawing/2014/main" id="{ECC24BBB-5A72-5972-76E8-068EDAA9A72F}"/>
+              </a:ext>
+            </a:extLst>
+          </p:cNvPr>
+          <p:cNvSpPr>
+            <a:spLocks noGrp="1"/>
+          </p:cNvSpPr>
+          <p:nvPr>
+            <p:ph idx="1"/>
+          </p:nvPr>
+        </p:nvSpPr>
+        <p:spPr/>
+        <p:txBody>
+          <a:bodyPr/>
+          <a:lstStyle/>
+          <a:p>
+            <a:r>
+              <a:rPr lang="en-US" dirty="0" err="1"/>
+              <a:t>Github</a:t>
+            </a:r>
+            <a:endParaRPr lang="en-US" dirty="0"/>
+          </a:p>
+          <a:p>
+            <a:r>
+              <a:rPr lang="en-US"/>
+              <a:t>Netlify</a:t>
+            </a:r>
+          </a:p>
+          <a:p>
+            <a:endParaRPr lang="en-US"/>
+          </a:p>
+        </p:txBody>
+      </p:sp>
+    </p:spTree>
+    <p:extLst>
+      <p:ext uri="{BB962C8B-B14F-4D97-AF65-F5344CB8AC3E}">
+        <p14:creationId xmlns:p14="http://schemas.microsoft.com/office/powerpoint/2010/main" val="808396447"/>
+      </p:ext>
+    </p:extLst>
+  </p:cSld>
+  <p:clrMapOvr>
+    <a:masterClrMapping/>
+  </p:clrMapOvr>
+</p:sld>
+</file>
+
 <file path=ppt/slides/slide2.xml><?xml version="1.0" encoding="utf-8"?>
 <p:sld xmlns:a="http://schemas.openxmlformats.org/drawingml/2006/main" xmlns:r="http://schemas.openxmlformats.org/officeDocument/2006/relationships" xmlns:p="http://schemas.openxmlformats.org/presentationml/2006/main">
   <p:cSld>
@@ -4833,16 +4927,76 @@
         </p:nvSpPr>
         <p:spPr/>
         <p:txBody>
-          <a:bodyPr/>
-          <a:lstStyle/>
-          <a:p>
-            <a:r>
-              <a:rPr lang="en-US"/>
+          <a:bodyPr>
+            <a:normAutofit lnSpcReduction="10000"/>
+          </a:bodyPr>
+          <a:lstStyle/>
+          <a:p>
+            <a:r>
+              <a:rPr lang="en-US" dirty="0"/>
               <a:t>Project1</a:t>
             </a:r>
           </a:p>
           <a:p>
-            <a:endParaRPr lang="en-US"/>
+            <a:r>
+              <a:rPr lang="en-US" dirty="0"/>
+              <a:t>Project Structure</a:t>
+            </a:r>
+          </a:p>
+          <a:p>
+            <a:r>
+              <a:rPr lang="en-US" dirty="0"/>
+              <a:t>Components</a:t>
+            </a:r>
+          </a:p>
+          <a:p>
+            <a:r>
+              <a:rPr lang="en-US" dirty="0"/>
+              <a:t>State </a:t>
+            </a:r>
+            <a:r>
+              <a:rPr lang="en-US" dirty="0" err="1"/>
+              <a:t>tasklist</a:t>
+            </a:r>
+            <a:r>
+              <a:rPr lang="en-US" dirty="0"/>
+              <a:t> &amp; </a:t>
+            </a:r>
+            <a:r>
+              <a:rPr lang="en-US" dirty="0" err="1"/>
+              <a:t>setTasklist</a:t>
+            </a:r>
+            <a:endParaRPr lang="en-US" dirty="0"/>
+          </a:p>
+          <a:p>
+            <a:r>
+              <a:rPr lang="en-US" dirty="0"/>
+              <a:t>Function Edit &amp; Delete</a:t>
+            </a:r>
+          </a:p>
+          <a:p>
+            <a:r>
+              <a:rPr lang="en-US" dirty="0"/>
+              <a:t>Warning Undefine Value</a:t>
+            </a:r>
+          </a:p>
+          <a:p>
+            <a:r>
+              <a:rPr lang="en-US" dirty="0"/>
+              <a:t>Update Button</a:t>
+            </a:r>
+          </a:p>
+          <a:p>
+            <a:r>
+              <a:rPr lang="en-US" dirty="0"/>
+              <a:t>Local Storage Store All Tasks</a:t>
+            </a:r>
+          </a:p>
+          <a:p>
+            <a:r>
+              <a:rPr lang="en-US" dirty="0"/>
+              <a:t>Theme Change Background</a:t>
+            </a:r>
           </a:p>
         </p:txBody>
       </p:sp>

--- a/react/react.pptx
+++ b/react/react.pptx
@@ -15,6 +15,7 @@
     <p:sldId id="263" r:id="rId9"/>
     <p:sldId id="264" r:id="rId10"/>
     <p:sldId id="265" r:id="rId11"/>
+    <p:sldId id="266" r:id="rId12"/>
   </p:sldIdLst>
   <p:sldSz cx="12192000" cy="6858000"/>
   <p:notesSz cx="6858000" cy="9144000"/>
@@ -270,7 +271,7 @@
           <a:p>
             <a:fld id="{BA7C98FC-0AF0-AE45-A195-D023F30AD744}" type="datetimeFigureOut">
               <a:rPr lang="en-US" smtClean="0"/>
-              <a:t>5/29/25</a:t>
+              <a:t>6/2/25</a:t>
             </a:fld>
             <a:endParaRPr lang="en-US"/>
           </a:p>
@@ -470,7 +471,7 @@
           <a:p>
             <a:fld id="{BA7C98FC-0AF0-AE45-A195-D023F30AD744}" type="datetimeFigureOut">
               <a:rPr lang="en-US" smtClean="0"/>
-              <a:t>5/29/25</a:t>
+              <a:t>6/2/25</a:t>
             </a:fld>
             <a:endParaRPr lang="en-US"/>
           </a:p>
@@ -680,7 +681,7 @@
           <a:p>
             <a:fld id="{BA7C98FC-0AF0-AE45-A195-D023F30AD744}" type="datetimeFigureOut">
               <a:rPr lang="en-US" smtClean="0"/>
-              <a:t>5/29/25</a:t>
+              <a:t>6/2/25</a:t>
             </a:fld>
             <a:endParaRPr lang="en-US"/>
           </a:p>
@@ -880,7 +881,7 @@
           <a:p>
             <a:fld id="{BA7C98FC-0AF0-AE45-A195-D023F30AD744}" type="datetimeFigureOut">
               <a:rPr lang="en-US" smtClean="0"/>
-              <a:t>5/29/25</a:t>
+              <a:t>6/2/25</a:t>
             </a:fld>
             <a:endParaRPr lang="en-US"/>
           </a:p>
@@ -1156,7 +1157,7 @@
           <a:p>
             <a:fld id="{BA7C98FC-0AF0-AE45-A195-D023F30AD744}" type="datetimeFigureOut">
               <a:rPr lang="en-US" smtClean="0"/>
-              <a:t>5/29/25</a:t>
+              <a:t>6/2/25</a:t>
             </a:fld>
             <a:endParaRPr lang="en-US"/>
           </a:p>
@@ -1424,7 +1425,7 @@
           <a:p>
             <a:fld id="{BA7C98FC-0AF0-AE45-A195-D023F30AD744}" type="datetimeFigureOut">
               <a:rPr lang="en-US" smtClean="0"/>
-              <a:t>5/29/25</a:t>
+              <a:t>6/2/25</a:t>
             </a:fld>
             <a:endParaRPr lang="en-US"/>
           </a:p>
@@ -1839,7 +1840,7 @@
           <a:p>
             <a:fld id="{BA7C98FC-0AF0-AE45-A195-D023F30AD744}" type="datetimeFigureOut">
               <a:rPr lang="en-US" smtClean="0"/>
-              <a:t>5/29/25</a:t>
+              <a:t>6/2/25</a:t>
             </a:fld>
             <a:endParaRPr lang="en-US"/>
           </a:p>
@@ -1981,7 +1982,7 @@
           <a:p>
             <a:fld id="{BA7C98FC-0AF0-AE45-A195-D023F30AD744}" type="datetimeFigureOut">
               <a:rPr lang="en-US" smtClean="0"/>
-              <a:t>5/29/25</a:t>
+              <a:t>6/2/25</a:t>
             </a:fld>
             <a:endParaRPr lang="en-US"/>
           </a:p>
@@ -2094,7 +2095,7 @@
           <a:p>
             <a:fld id="{BA7C98FC-0AF0-AE45-A195-D023F30AD744}" type="datetimeFigureOut">
               <a:rPr lang="en-US" smtClean="0"/>
-              <a:t>5/29/25</a:t>
+              <a:t>6/2/25</a:t>
             </a:fld>
             <a:endParaRPr lang="en-US"/>
           </a:p>
@@ -2407,7 +2408,7 @@
           <a:p>
             <a:fld id="{BA7C98FC-0AF0-AE45-A195-D023F30AD744}" type="datetimeFigureOut">
               <a:rPr lang="en-US" smtClean="0"/>
-              <a:t>5/29/25</a:t>
+              <a:t>6/2/25</a:t>
             </a:fld>
             <a:endParaRPr lang="en-US"/>
           </a:p>
@@ -2696,7 +2697,7 @@
           <a:p>
             <a:fld id="{BA7C98FC-0AF0-AE45-A195-D023F30AD744}" type="datetimeFigureOut">
               <a:rPr lang="en-US" smtClean="0"/>
-              <a:t>5/29/25</a:t>
+              <a:t>6/2/25</a:t>
             </a:fld>
             <a:endParaRPr lang="en-US"/>
           </a:p>
@@ -2939,7 +2940,7 @@
           <a:p>
             <a:fld id="{BA7C98FC-0AF0-AE45-A195-D023F30AD744}" type="datetimeFigureOut">
               <a:rPr lang="en-US" smtClean="0"/>
-              <a:t>5/29/25</a:t>
+              <a:t>6/2/25</a:t>
             </a:fld>
             <a:endParaRPr lang="en-US"/>
           </a:p>
@@ -3512,12 +3513,15 @@
           </a:p>
           <a:p>
             <a:r>
-              <a:rPr lang="en-US"/>
+              <a:rPr lang="en-US" dirty="0"/>
               <a:t>Netlify</a:t>
             </a:r>
           </a:p>
           <a:p>
-            <a:endParaRPr lang="en-US"/>
+            <a:pPr marL="0" indent="0">
+              <a:buNone/>
+            </a:pPr>
+            <a:endParaRPr lang="en-US" dirty="0"/>
           </a:p>
         </p:txBody>
       </p:sp>
@@ -3525,6 +3529,104 @@
     <p:extLst>
       <p:ext uri="{BB962C8B-B14F-4D97-AF65-F5344CB8AC3E}">
         <p14:creationId xmlns:p14="http://schemas.microsoft.com/office/powerpoint/2010/main" val="808396447"/>
+      </p:ext>
+    </p:extLst>
+  </p:cSld>
+  <p:clrMapOvr>
+    <a:masterClrMapping/>
+  </p:clrMapOvr>
+</p:sld>
+</file>
+
+<file path=ppt/slides/slide11.xml><?xml version="1.0" encoding="utf-8"?>
+<p:sld xmlns:a="http://schemas.openxmlformats.org/drawingml/2006/main" xmlns:r="http://schemas.openxmlformats.org/officeDocument/2006/relationships" xmlns:p="http://schemas.openxmlformats.org/presentationml/2006/main">
+  <p:cSld>
+    <p:spTree>
+      <p:nvGrpSpPr>
+        <p:cNvPr id="1" name=""/>
+        <p:cNvGrpSpPr/>
+        <p:nvPr/>
+      </p:nvGrpSpPr>
+      <p:grpSpPr>
+        <a:xfrm>
+          <a:off x="0" y="0"/>
+          <a:ext cx="0" cy="0"/>
+          <a:chOff x="0" y="0"/>
+          <a:chExt cx="0" cy="0"/>
+        </a:xfrm>
+      </p:grpSpPr>
+      <p:sp>
+        <p:nvSpPr>
+          <p:cNvPr id="2" name="Title 1">
+            <a:extLst>
+              <a:ext uri="{FF2B5EF4-FFF2-40B4-BE49-F238E27FC236}">
+                <a16:creationId xmlns:a16="http://schemas.microsoft.com/office/drawing/2014/main" id="{B05088D7-BA4C-D620-C9C8-AF57FD324EBB}"/>
+              </a:ext>
+            </a:extLst>
+          </p:cNvPr>
+          <p:cNvSpPr>
+            <a:spLocks noGrp="1"/>
+          </p:cNvSpPr>
+          <p:nvPr>
+            <p:ph type="title"/>
+          </p:nvPr>
+        </p:nvSpPr>
+        <p:spPr/>
+        <p:txBody>
+          <a:bodyPr/>
+          <a:lstStyle/>
+          <a:p>
+            <a:r>
+              <a:rPr lang="en-US" dirty="0"/>
+              <a:t>React Router</a:t>
+            </a:r>
+          </a:p>
+        </p:txBody>
+      </p:sp>
+      <p:sp>
+        <p:nvSpPr>
+          <p:cNvPr id="3" name="Content Placeholder 2">
+            <a:extLst>
+              <a:ext uri="{FF2B5EF4-FFF2-40B4-BE49-F238E27FC236}">
+                <a16:creationId xmlns:a16="http://schemas.microsoft.com/office/drawing/2014/main" id="{FB638635-B54E-0291-766C-633C280B5430}"/>
+              </a:ext>
+            </a:extLst>
+          </p:cNvPr>
+          <p:cNvSpPr>
+            <a:spLocks noGrp="1"/>
+          </p:cNvSpPr>
+          <p:nvPr>
+            <p:ph idx="1"/>
+          </p:nvPr>
+        </p:nvSpPr>
+        <p:spPr/>
+        <p:txBody>
+          <a:bodyPr/>
+          <a:lstStyle/>
+          <a:p>
+            <a:r>
+              <a:rPr lang="en-US" dirty="0"/>
+              <a:t>Introduction</a:t>
+            </a:r>
+          </a:p>
+          <a:p>
+            <a:r>
+              <a:rPr lang="en-US" dirty="0"/>
+              <a:t>React Router Setup</a:t>
+            </a:r>
+          </a:p>
+          <a:p>
+            <a:r>
+              <a:rPr lang="en-US"/>
+              <a:t>Navigation</a:t>
+            </a:r>
+          </a:p>
+        </p:txBody>
+      </p:sp>
+    </p:spTree>
+    <p:extLst>
+      <p:ext uri="{BB962C8B-B14F-4D97-AF65-F5344CB8AC3E}">
+        <p14:creationId xmlns:p14="http://schemas.microsoft.com/office/powerpoint/2010/main" val="4186249944"/>
       </p:ext>
     </p:extLst>
   </p:cSld>

--- a/react/react.pptx
+++ b/react/react.pptx
@@ -271,7 +271,7 @@
           <a:p>
             <a:fld id="{BA7C98FC-0AF0-AE45-A195-D023F30AD744}" type="datetimeFigureOut">
               <a:rPr lang="en-US" smtClean="0"/>
-              <a:t>6/2/25</a:t>
+              <a:t>6/3/25</a:t>
             </a:fld>
             <a:endParaRPr lang="en-US"/>
           </a:p>
@@ -471,7 +471,7 @@
           <a:p>
             <a:fld id="{BA7C98FC-0AF0-AE45-A195-D023F30AD744}" type="datetimeFigureOut">
               <a:rPr lang="en-US" smtClean="0"/>
-              <a:t>6/2/25</a:t>
+              <a:t>6/3/25</a:t>
             </a:fld>
             <a:endParaRPr lang="en-US"/>
           </a:p>
@@ -681,7 +681,7 @@
           <a:p>
             <a:fld id="{BA7C98FC-0AF0-AE45-A195-D023F30AD744}" type="datetimeFigureOut">
               <a:rPr lang="en-US" smtClean="0"/>
-              <a:t>6/2/25</a:t>
+              <a:t>6/3/25</a:t>
             </a:fld>
             <a:endParaRPr lang="en-US"/>
           </a:p>
@@ -881,7 +881,7 @@
           <a:p>
             <a:fld id="{BA7C98FC-0AF0-AE45-A195-D023F30AD744}" type="datetimeFigureOut">
               <a:rPr lang="en-US" smtClean="0"/>
-              <a:t>6/2/25</a:t>
+              <a:t>6/3/25</a:t>
             </a:fld>
             <a:endParaRPr lang="en-US"/>
           </a:p>
@@ -1157,7 +1157,7 @@
           <a:p>
             <a:fld id="{BA7C98FC-0AF0-AE45-A195-D023F30AD744}" type="datetimeFigureOut">
               <a:rPr lang="en-US" smtClean="0"/>
-              <a:t>6/2/25</a:t>
+              <a:t>6/3/25</a:t>
             </a:fld>
             <a:endParaRPr lang="en-US"/>
           </a:p>
@@ -1425,7 +1425,7 @@
           <a:p>
             <a:fld id="{BA7C98FC-0AF0-AE45-A195-D023F30AD744}" type="datetimeFigureOut">
               <a:rPr lang="en-US" smtClean="0"/>
-              <a:t>6/2/25</a:t>
+              <a:t>6/3/25</a:t>
             </a:fld>
             <a:endParaRPr lang="en-US"/>
           </a:p>
@@ -1840,7 +1840,7 @@
           <a:p>
             <a:fld id="{BA7C98FC-0AF0-AE45-A195-D023F30AD744}" type="datetimeFigureOut">
               <a:rPr lang="en-US" smtClean="0"/>
-              <a:t>6/2/25</a:t>
+              <a:t>6/3/25</a:t>
             </a:fld>
             <a:endParaRPr lang="en-US"/>
           </a:p>
@@ -1982,7 +1982,7 @@
           <a:p>
             <a:fld id="{BA7C98FC-0AF0-AE45-A195-D023F30AD744}" type="datetimeFigureOut">
               <a:rPr lang="en-US" smtClean="0"/>
-              <a:t>6/2/25</a:t>
+              <a:t>6/3/25</a:t>
             </a:fld>
             <a:endParaRPr lang="en-US"/>
           </a:p>
@@ -2095,7 +2095,7 @@
           <a:p>
             <a:fld id="{BA7C98FC-0AF0-AE45-A195-D023F30AD744}" type="datetimeFigureOut">
               <a:rPr lang="en-US" smtClean="0"/>
-              <a:t>6/2/25</a:t>
+              <a:t>6/3/25</a:t>
             </a:fld>
             <a:endParaRPr lang="en-US"/>
           </a:p>
@@ -2408,7 +2408,7 @@
           <a:p>
             <a:fld id="{BA7C98FC-0AF0-AE45-A195-D023F30AD744}" type="datetimeFigureOut">
               <a:rPr lang="en-US" smtClean="0"/>
-              <a:t>6/2/25</a:t>
+              <a:t>6/3/25</a:t>
             </a:fld>
             <a:endParaRPr lang="en-US"/>
           </a:p>
@@ -2697,7 +2697,7 @@
           <a:p>
             <a:fld id="{BA7C98FC-0AF0-AE45-A195-D023F30AD744}" type="datetimeFigureOut">
               <a:rPr lang="en-US" smtClean="0"/>
-              <a:t>6/2/25</a:t>
+              <a:t>6/3/25</a:t>
             </a:fld>
             <a:endParaRPr lang="en-US"/>
           </a:p>
@@ -2940,7 +2940,7 @@
           <a:p>
             <a:fld id="{BA7C98FC-0AF0-AE45-A195-D023F30AD744}" type="datetimeFigureOut">
               <a:rPr lang="en-US" smtClean="0"/>
-              <a:t>6/2/25</a:t>
+              <a:t>6/3/25</a:t>
             </a:fld>
             <a:endParaRPr lang="en-US"/>
           </a:p>
@@ -3617,8 +3617,32 @@
           </a:p>
           <a:p>
             <a:r>
-              <a:rPr lang="en-US"/>
+              <a:rPr lang="en-US" dirty="0"/>
               <a:t>Navigation</a:t>
+            </a:r>
+          </a:p>
+          <a:p>
+            <a:r>
+              <a:rPr lang="en-US" dirty="0"/>
+              <a:t>Route Parameters</a:t>
+            </a:r>
+          </a:p>
+          <a:p>
+            <a:r>
+              <a:rPr lang="en-US" dirty="0"/>
+              <a:t>No route parameter</a:t>
+            </a:r>
+          </a:p>
+          <a:p>
+            <a:r>
+              <a:rPr lang="en-US" dirty="0"/>
+              <a:t>Nested routes</a:t>
+            </a:r>
+          </a:p>
+          <a:p>
+            <a:r>
+              <a:rPr lang="en-US" dirty="0"/>
+              <a:t>Project Restructuring</a:t>
             </a:r>
           </a:p>
         </p:txBody>

--- a/react/react.pptx
+++ b/react/react.pptx
@@ -16,6 +16,7 @@
     <p:sldId id="264" r:id="rId10"/>
     <p:sldId id="265" r:id="rId11"/>
     <p:sldId id="266" r:id="rId12"/>
+    <p:sldId id="267" r:id="rId13"/>
   </p:sldIdLst>
   <p:sldSz cx="12192000" cy="6858000"/>
   <p:notesSz cx="6858000" cy="9144000"/>
@@ -271,7 +272,7 @@
           <a:p>
             <a:fld id="{BA7C98FC-0AF0-AE45-A195-D023F30AD744}" type="datetimeFigureOut">
               <a:rPr lang="en-US" smtClean="0"/>
-              <a:t>6/3/25</a:t>
+              <a:t>6/4/25</a:t>
             </a:fld>
             <a:endParaRPr lang="en-US"/>
           </a:p>
@@ -471,7 +472,7 @@
           <a:p>
             <a:fld id="{BA7C98FC-0AF0-AE45-A195-D023F30AD744}" type="datetimeFigureOut">
               <a:rPr lang="en-US" smtClean="0"/>
-              <a:t>6/3/25</a:t>
+              <a:t>6/4/25</a:t>
             </a:fld>
             <a:endParaRPr lang="en-US"/>
           </a:p>
@@ -681,7 +682,7 @@
           <a:p>
             <a:fld id="{BA7C98FC-0AF0-AE45-A195-D023F30AD744}" type="datetimeFigureOut">
               <a:rPr lang="en-US" smtClean="0"/>
-              <a:t>6/3/25</a:t>
+              <a:t>6/4/25</a:t>
             </a:fld>
             <a:endParaRPr lang="en-US"/>
           </a:p>
@@ -881,7 +882,7 @@
           <a:p>
             <a:fld id="{BA7C98FC-0AF0-AE45-A195-D023F30AD744}" type="datetimeFigureOut">
               <a:rPr lang="en-US" smtClean="0"/>
-              <a:t>6/3/25</a:t>
+              <a:t>6/4/25</a:t>
             </a:fld>
             <a:endParaRPr lang="en-US"/>
           </a:p>
@@ -1157,7 +1158,7 @@
           <a:p>
             <a:fld id="{BA7C98FC-0AF0-AE45-A195-D023F30AD744}" type="datetimeFigureOut">
               <a:rPr lang="en-US" smtClean="0"/>
-              <a:t>6/3/25</a:t>
+              <a:t>6/4/25</a:t>
             </a:fld>
             <a:endParaRPr lang="en-US"/>
           </a:p>
@@ -1425,7 +1426,7 @@
           <a:p>
             <a:fld id="{BA7C98FC-0AF0-AE45-A195-D023F30AD744}" type="datetimeFigureOut">
               <a:rPr lang="en-US" smtClean="0"/>
-              <a:t>6/3/25</a:t>
+              <a:t>6/4/25</a:t>
             </a:fld>
             <a:endParaRPr lang="en-US"/>
           </a:p>
@@ -1840,7 +1841,7 @@
           <a:p>
             <a:fld id="{BA7C98FC-0AF0-AE45-A195-D023F30AD744}" type="datetimeFigureOut">
               <a:rPr lang="en-US" smtClean="0"/>
-              <a:t>6/3/25</a:t>
+              <a:t>6/4/25</a:t>
             </a:fld>
             <a:endParaRPr lang="en-US"/>
           </a:p>
@@ -1982,7 +1983,7 @@
           <a:p>
             <a:fld id="{BA7C98FC-0AF0-AE45-A195-D023F30AD744}" type="datetimeFigureOut">
               <a:rPr lang="en-US" smtClean="0"/>
-              <a:t>6/3/25</a:t>
+              <a:t>6/4/25</a:t>
             </a:fld>
             <a:endParaRPr lang="en-US"/>
           </a:p>
@@ -2095,7 +2096,7 @@
           <a:p>
             <a:fld id="{BA7C98FC-0AF0-AE45-A195-D023F30AD744}" type="datetimeFigureOut">
               <a:rPr lang="en-US" smtClean="0"/>
-              <a:t>6/3/25</a:t>
+              <a:t>6/4/25</a:t>
             </a:fld>
             <a:endParaRPr lang="en-US"/>
           </a:p>
@@ -2408,7 +2409,7 @@
           <a:p>
             <a:fld id="{BA7C98FC-0AF0-AE45-A195-D023F30AD744}" type="datetimeFigureOut">
               <a:rPr lang="en-US" smtClean="0"/>
-              <a:t>6/3/25</a:t>
+              <a:t>6/4/25</a:t>
             </a:fld>
             <a:endParaRPr lang="en-US"/>
           </a:p>
@@ -2697,7 +2698,7 @@
           <a:p>
             <a:fld id="{BA7C98FC-0AF0-AE45-A195-D023F30AD744}" type="datetimeFigureOut">
               <a:rPr lang="en-US" smtClean="0"/>
-              <a:t>6/3/25</a:t>
+              <a:t>6/4/25</a:t>
             </a:fld>
             <a:endParaRPr lang="en-US"/>
           </a:p>
@@ -2940,7 +2941,7 @@
           <a:p>
             <a:fld id="{BA7C98FC-0AF0-AE45-A195-D023F30AD744}" type="datetimeFigureOut">
               <a:rPr lang="en-US" smtClean="0"/>
-              <a:t>6/3/25</a:t>
+              <a:t>6/4/25</a:t>
             </a:fld>
             <a:endParaRPr lang="en-US"/>
           </a:p>
@@ -3651,6 +3652,90 @@
     <p:extLst>
       <p:ext uri="{BB962C8B-B14F-4D97-AF65-F5344CB8AC3E}">
         <p14:creationId xmlns:p14="http://schemas.microsoft.com/office/powerpoint/2010/main" val="4186249944"/>
+      </p:ext>
+    </p:extLst>
+  </p:cSld>
+  <p:clrMapOvr>
+    <a:masterClrMapping/>
+  </p:clrMapOvr>
+</p:sld>
+</file>
+
+<file path=ppt/slides/slide12.xml><?xml version="1.0" encoding="utf-8"?>
+<p:sld xmlns:a="http://schemas.openxmlformats.org/drawingml/2006/main" xmlns:r="http://schemas.openxmlformats.org/officeDocument/2006/relationships" xmlns:p="http://schemas.openxmlformats.org/presentationml/2006/main">
+  <p:cSld>
+    <p:spTree>
+      <p:nvGrpSpPr>
+        <p:cNvPr id="1" name=""/>
+        <p:cNvGrpSpPr/>
+        <p:nvPr/>
+      </p:nvGrpSpPr>
+      <p:grpSpPr>
+        <a:xfrm>
+          <a:off x="0" y="0"/>
+          <a:ext cx="0" cy="0"/>
+          <a:chOff x="0" y="0"/>
+          <a:chExt cx="0" cy="0"/>
+        </a:xfrm>
+      </p:grpSpPr>
+      <p:sp>
+        <p:nvSpPr>
+          <p:cNvPr id="2" name="Title 1">
+            <a:extLst>
+              <a:ext uri="{FF2B5EF4-FFF2-40B4-BE49-F238E27FC236}">
+                <a16:creationId xmlns:a16="http://schemas.microsoft.com/office/drawing/2014/main" id="{603C1B3A-8341-8274-94CC-F37AC4D6454E}"/>
+              </a:ext>
+            </a:extLst>
+          </p:cNvPr>
+          <p:cNvSpPr>
+            <a:spLocks noGrp="1"/>
+          </p:cNvSpPr>
+          <p:nvPr>
+            <p:ph type="title"/>
+          </p:nvPr>
+        </p:nvSpPr>
+        <p:spPr/>
+        <p:txBody>
+          <a:bodyPr/>
+          <a:lstStyle/>
+          <a:p>
+            <a:r>
+              <a:rPr lang="en-US" dirty="0" err="1"/>
+              <a:t>Tailwindcss</a:t>
+            </a:r>
+            <a:endParaRPr lang="en-US" dirty="0"/>
+          </a:p>
+        </p:txBody>
+      </p:sp>
+      <p:sp>
+        <p:nvSpPr>
+          <p:cNvPr id="3" name="Content Placeholder 2">
+            <a:extLst>
+              <a:ext uri="{FF2B5EF4-FFF2-40B4-BE49-F238E27FC236}">
+                <a16:creationId xmlns:a16="http://schemas.microsoft.com/office/drawing/2014/main" id="{B20AFCD5-60BD-4276-7CBF-092EC166E874}"/>
+              </a:ext>
+            </a:extLst>
+          </p:cNvPr>
+          <p:cNvSpPr>
+            <a:spLocks noGrp="1"/>
+          </p:cNvSpPr>
+          <p:nvPr>
+            <p:ph idx="1"/>
+          </p:nvPr>
+        </p:nvSpPr>
+        <p:spPr/>
+        <p:txBody>
+          <a:bodyPr/>
+          <a:lstStyle/>
+          <a:p>
+            <a:endParaRPr lang="en-US"/>
+          </a:p>
+        </p:txBody>
+      </p:sp>
+    </p:spTree>
+    <p:extLst>
+      <p:ext uri="{BB962C8B-B14F-4D97-AF65-F5344CB8AC3E}">
+        <p14:creationId xmlns:p14="http://schemas.microsoft.com/office/powerpoint/2010/main" val="3503961708"/>
       </p:ext>
     </p:extLst>
   </p:cSld>

--- a/react/react.pptx
+++ b/react/react.pptx
@@ -17,6 +17,8 @@
     <p:sldId id="265" r:id="rId11"/>
     <p:sldId id="266" r:id="rId12"/>
     <p:sldId id="267" r:id="rId13"/>
+    <p:sldId id="268" r:id="rId14"/>
+    <p:sldId id="269" r:id="rId15"/>
   </p:sldIdLst>
   <p:sldSz cx="12192000" cy="6858000"/>
   <p:notesSz cx="6858000" cy="9144000"/>
@@ -272,7 +274,7 @@
           <a:p>
             <a:fld id="{BA7C98FC-0AF0-AE45-A195-D023F30AD744}" type="datetimeFigureOut">
               <a:rPr lang="en-US" smtClean="0"/>
-              <a:t>6/4/25</a:t>
+              <a:t>6/6/25</a:t>
             </a:fld>
             <a:endParaRPr lang="en-US"/>
           </a:p>
@@ -472,7 +474,7 @@
           <a:p>
             <a:fld id="{BA7C98FC-0AF0-AE45-A195-D023F30AD744}" type="datetimeFigureOut">
               <a:rPr lang="en-US" smtClean="0"/>
-              <a:t>6/4/25</a:t>
+              <a:t>6/6/25</a:t>
             </a:fld>
             <a:endParaRPr lang="en-US"/>
           </a:p>
@@ -682,7 +684,7 @@
           <a:p>
             <a:fld id="{BA7C98FC-0AF0-AE45-A195-D023F30AD744}" type="datetimeFigureOut">
               <a:rPr lang="en-US" smtClean="0"/>
-              <a:t>6/4/25</a:t>
+              <a:t>6/6/25</a:t>
             </a:fld>
             <a:endParaRPr lang="en-US"/>
           </a:p>
@@ -882,7 +884,7 @@
           <a:p>
             <a:fld id="{BA7C98FC-0AF0-AE45-A195-D023F30AD744}" type="datetimeFigureOut">
               <a:rPr lang="en-US" smtClean="0"/>
-              <a:t>6/4/25</a:t>
+              <a:t>6/6/25</a:t>
             </a:fld>
             <a:endParaRPr lang="en-US"/>
           </a:p>
@@ -1158,7 +1160,7 @@
           <a:p>
             <a:fld id="{BA7C98FC-0AF0-AE45-A195-D023F30AD744}" type="datetimeFigureOut">
               <a:rPr lang="en-US" smtClean="0"/>
-              <a:t>6/4/25</a:t>
+              <a:t>6/6/25</a:t>
             </a:fld>
             <a:endParaRPr lang="en-US"/>
           </a:p>
@@ -1426,7 +1428,7 @@
           <a:p>
             <a:fld id="{BA7C98FC-0AF0-AE45-A195-D023F30AD744}" type="datetimeFigureOut">
               <a:rPr lang="en-US" smtClean="0"/>
-              <a:t>6/4/25</a:t>
+              <a:t>6/6/25</a:t>
             </a:fld>
             <a:endParaRPr lang="en-US"/>
           </a:p>
@@ -1841,7 +1843,7 @@
           <a:p>
             <a:fld id="{BA7C98FC-0AF0-AE45-A195-D023F30AD744}" type="datetimeFigureOut">
               <a:rPr lang="en-US" smtClean="0"/>
-              <a:t>6/4/25</a:t>
+              <a:t>6/6/25</a:t>
             </a:fld>
             <a:endParaRPr lang="en-US"/>
           </a:p>
@@ -1983,7 +1985,7 @@
           <a:p>
             <a:fld id="{BA7C98FC-0AF0-AE45-A195-D023F30AD744}" type="datetimeFigureOut">
               <a:rPr lang="en-US" smtClean="0"/>
-              <a:t>6/4/25</a:t>
+              <a:t>6/6/25</a:t>
             </a:fld>
             <a:endParaRPr lang="en-US"/>
           </a:p>
@@ -2096,7 +2098,7 @@
           <a:p>
             <a:fld id="{BA7C98FC-0AF0-AE45-A195-D023F30AD744}" type="datetimeFigureOut">
               <a:rPr lang="en-US" smtClean="0"/>
-              <a:t>6/4/25</a:t>
+              <a:t>6/6/25</a:t>
             </a:fld>
             <a:endParaRPr lang="en-US"/>
           </a:p>
@@ -2409,7 +2411,7 @@
           <a:p>
             <a:fld id="{BA7C98FC-0AF0-AE45-A195-D023F30AD744}" type="datetimeFigureOut">
               <a:rPr lang="en-US" smtClean="0"/>
-              <a:t>6/4/25</a:t>
+              <a:t>6/6/25</a:t>
             </a:fld>
             <a:endParaRPr lang="en-US"/>
           </a:p>
@@ -2698,7 +2700,7 @@
           <a:p>
             <a:fld id="{BA7C98FC-0AF0-AE45-A195-D023F30AD744}" type="datetimeFigureOut">
               <a:rPr lang="en-US" smtClean="0"/>
-              <a:t>6/4/25</a:t>
+              <a:t>6/6/25</a:t>
             </a:fld>
             <a:endParaRPr lang="en-US"/>
           </a:p>
@@ -2941,7 +2943,7 @@
           <a:p>
             <a:fld id="{BA7C98FC-0AF0-AE45-A195-D023F30AD744}" type="datetimeFigureOut">
               <a:rPr lang="en-US" smtClean="0"/>
-              <a:t>6/4/25</a:t>
+              <a:t>6/6/25</a:t>
             </a:fld>
             <a:endParaRPr lang="en-US"/>
           </a:p>
@@ -3728,7 +3730,10 @@
           <a:bodyPr/>
           <a:lstStyle/>
           <a:p>
-            <a:endParaRPr lang="en-US"/>
+            <a:r>
+              <a:rPr lang="en-US" dirty="0"/>
+              <a:t>Responsive Design</a:t>
+            </a:r>
           </a:p>
         </p:txBody>
       </p:sp>
@@ -3736,6 +3741,160 @@
     <p:extLst>
       <p:ext uri="{BB962C8B-B14F-4D97-AF65-F5344CB8AC3E}">
         <p14:creationId xmlns:p14="http://schemas.microsoft.com/office/powerpoint/2010/main" val="3503961708"/>
+      </p:ext>
+    </p:extLst>
+  </p:cSld>
+  <p:clrMapOvr>
+    <a:masterClrMapping/>
+  </p:clrMapOvr>
+</p:sld>
+</file>
+
+<file path=ppt/slides/slide13.xml><?xml version="1.0" encoding="utf-8"?>
+<p:sld xmlns:a="http://schemas.openxmlformats.org/drawingml/2006/main" xmlns:r="http://schemas.openxmlformats.org/officeDocument/2006/relationships" xmlns:p="http://schemas.openxmlformats.org/presentationml/2006/main">
+  <p:cSld>
+    <p:spTree>
+      <p:nvGrpSpPr>
+        <p:cNvPr id="1" name=""/>
+        <p:cNvGrpSpPr/>
+        <p:nvPr/>
+      </p:nvGrpSpPr>
+      <p:grpSpPr>
+        <a:xfrm>
+          <a:off x="0" y="0"/>
+          <a:ext cx="0" cy="0"/>
+          <a:chOff x="0" y="0"/>
+          <a:chExt cx="0" cy="0"/>
+        </a:xfrm>
+      </p:grpSpPr>
+      <p:pic>
+        <p:nvPicPr>
+          <p:cNvPr id="4" name="Picture 3">
+            <a:extLst>
+              <a:ext uri="{FF2B5EF4-FFF2-40B4-BE49-F238E27FC236}">
+                <a16:creationId xmlns:a16="http://schemas.microsoft.com/office/drawing/2014/main" id="{1D3FF30B-457A-877B-0768-C663032B6712}"/>
+              </a:ext>
+            </a:extLst>
+          </p:cNvPr>
+          <p:cNvPicPr>
+            <a:picLocks noChangeAspect="1"/>
+          </p:cNvPicPr>
+          <p:nvPr/>
+        </p:nvPicPr>
+        <p:blipFill>
+          <a:blip r:embed="rId2"/>
+          <a:srcRect l="62347" t="20761" r="12820" b="46240"/>
+          <a:stretch/>
+        </p:blipFill>
+        <p:spPr>
+          <a:xfrm>
+            <a:off x="827314" y="203198"/>
+            <a:ext cx="6981371" cy="5798087"/>
+          </a:xfrm>
+          <a:prstGeom prst="rect">
+            <a:avLst/>
+          </a:prstGeom>
+        </p:spPr>
+      </p:pic>
+    </p:spTree>
+    <p:extLst>
+      <p:ext uri="{BB962C8B-B14F-4D97-AF65-F5344CB8AC3E}">
+        <p14:creationId xmlns:p14="http://schemas.microsoft.com/office/powerpoint/2010/main" val="2110402237"/>
+      </p:ext>
+    </p:extLst>
+  </p:cSld>
+  <p:clrMapOvr>
+    <a:masterClrMapping/>
+  </p:clrMapOvr>
+</p:sld>
+</file>
+
+<file path=ppt/slides/slide14.xml><?xml version="1.0" encoding="utf-8"?>
+<p:sld xmlns:a="http://schemas.openxmlformats.org/drawingml/2006/main" xmlns:r="http://schemas.openxmlformats.org/officeDocument/2006/relationships" xmlns:p="http://schemas.openxmlformats.org/presentationml/2006/main">
+  <p:cSld>
+    <p:spTree>
+      <p:nvGrpSpPr>
+        <p:cNvPr id="1" name=""/>
+        <p:cNvGrpSpPr/>
+        <p:nvPr/>
+      </p:nvGrpSpPr>
+      <p:grpSpPr>
+        <a:xfrm>
+          <a:off x="0" y="0"/>
+          <a:ext cx="0" cy="0"/>
+          <a:chOff x="0" y="0"/>
+          <a:chExt cx="0" cy="0"/>
+        </a:xfrm>
+      </p:grpSpPr>
+      <p:sp>
+        <p:nvSpPr>
+          <p:cNvPr id="2" name="Title 1">
+            <a:extLst>
+              <a:ext uri="{FF2B5EF4-FFF2-40B4-BE49-F238E27FC236}">
+                <a16:creationId xmlns:a16="http://schemas.microsoft.com/office/drawing/2014/main" id="{BB5079A8-2E75-8D85-DCC1-1AA24479D172}"/>
+              </a:ext>
+            </a:extLst>
+          </p:cNvPr>
+          <p:cNvSpPr>
+            <a:spLocks noGrp="1"/>
+          </p:cNvSpPr>
+          <p:nvPr>
+            <p:ph type="title"/>
+          </p:nvPr>
+        </p:nvSpPr>
+        <p:spPr/>
+        <p:txBody>
+          <a:bodyPr/>
+          <a:lstStyle/>
+          <a:p>
+            <a:r>
+              <a:rPr lang="en-US" dirty="0"/>
+              <a:t>Project2</a:t>
+            </a:r>
+          </a:p>
+        </p:txBody>
+      </p:sp>
+      <p:sp>
+        <p:nvSpPr>
+          <p:cNvPr id="3" name="Content Placeholder 2">
+            <a:extLst>
+              <a:ext uri="{FF2B5EF4-FFF2-40B4-BE49-F238E27FC236}">
+                <a16:creationId xmlns:a16="http://schemas.microsoft.com/office/drawing/2014/main" id="{A2CD8247-E362-9B8C-836B-5878815DE624}"/>
+              </a:ext>
+            </a:extLst>
+          </p:cNvPr>
+          <p:cNvSpPr>
+            <a:spLocks noGrp="1"/>
+          </p:cNvSpPr>
+          <p:nvPr>
+            <p:ph idx="1"/>
+          </p:nvPr>
+        </p:nvSpPr>
+        <p:spPr/>
+        <p:txBody>
+          <a:bodyPr/>
+          <a:lstStyle/>
+          <a:p>
+            <a:r>
+              <a:rPr lang="en-US" dirty="0"/>
+              <a:t>Cinema introduction-based application</a:t>
+            </a:r>
+          </a:p>
+          <a:p>
+            <a:r>
+              <a:rPr lang="en-US" dirty="0"/>
+              <a:t>Project Setup</a:t>
+            </a:r>
+          </a:p>
+          <a:p>
+            <a:endParaRPr lang="en-US" dirty="0"/>
+          </a:p>
+        </p:txBody>
+      </p:sp>
+    </p:spTree>
+    <p:extLst>
+      <p:ext uri="{BB962C8B-B14F-4D97-AF65-F5344CB8AC3E}">
+        <p14:creationId xmlns:p14="http://schemas.microsoft.com/office/powerpoint/2010/main" val="877662642"/>
       </p:ext>
     </p:extLst>
   </p:cSld>

--- a/react/react.pptx
+++ b/react/react.pptx
@@ -274,7 +274,7 @@
           <a:p>
             <a:fld id="{BA7C98FC-0AF0-AE45-A195-D023F30AD744}" type="datetimeFigureOut">
               <a:rPr lang="en-US" smtClean="0"/>
-              <a:t>6/6/25</a:t>
+              <a:t>6/18/25</a:t>
             </a:fld>
             <a:endParaRPr lang="en-US"/>
           </a:p>
@@ -474,7 +474,7 @@
           <a:p>
             <a:fld id="{BA7C98FC-0AF0-AE45-A195-D023F30AD744}" type="datetimeFigureOut">
               <a:rPr lang="en-US" smtClean="0"/>
-              <a:t>6/6/25</a:t>
+              <a:t>6/18/25</a:t>
             </a:fld>
             <a:endParaRPr lang="en-US"/>
           </a:p>
@@ -684,7 +684,7 @@
           <a:p>
             <a:fld id="{BA7C98FC-0AF0-AE45-A195-D023F30AD744}" type="datetimeFigureOut">
               <a:rPr lang="en-US" smtClean="0"/>
-              <a:t>6/6/25</a:t>
+              <a:t>6/18/25</a:t>
             </a:fld>
             <a:endParaRPr lang="en-US"/>
           </a:p>
@@ -884,7 +884,7 @@
           <a:p>
             <a:fld id="{BA7C98FC-0AF0-AE45-A195-D023F30AD744}" type="datetimeFigureOut">
               <a:rPr lang="en-US" smtClean="0"/>
-              <a:t>6/6/25</a:t>
+              <a:t>6/18/25</a:t>
             </a:fld>
             <a:endParaRPr lang="en-US"/>
           </a:p>
@@ -1160,7 +1160,7 @@
           <a:p>
             <a:fld id="{BA7C98FC-0AF0-AE45-A195-D023F30AD744}" type="datetimeFigureOut">
               <a:rPr lang="en-US" smtClean="0"/>
-              <a:t>6/6/25</a:t>
+              <a:t>6/18/25</a:t>
             </a:fld>
             <a:endParaRPr lang="en-US"/>
           </a:p>
@@ -1428,7 +1428,7 @@
           <a:p>
             <a:fld id="{BA7C98FC-0AF0-AE45-A195-D023F30AD744}" type="datetimeFigureOut">
               <a:rPr lang="en-US" smtClean="0"/>
-              <a:t>6/6/25</a:t>
+              <a:t>6/18/25</a:t>
             </a:fld>
             <a:endParaRPr lang="en-US"/>
           </a:p>
@@ -1843,7 +1843,7 @@
           <a:p>
             <a:fld id="{BA7C98FC-0AF0-AE45-A195-D023F30AD744}" type="datetimeFigureOut">
               <a:rPr lang="en-US" smtClean="0"/>
-              <a:t>6/6/25</a:t>
+              <a:t>6/18/25</a:t>
             </a:fld>
             <a:endParaRPr lang="en-US"/>
           </a:p>
@@ -1985,7 +1985,7 @@
           <a:p>
             <a:fld id="{BA7C98FC-0AF0-AE45-A195-D023F30AD744}" type="datetimeFigureOut">
               <a:rPr lang="en-US" smtClean="0"/>
-              <a:t>6/6/25</a:t>
+              <a:t>6/18/25</a:t>
             </a:fld>
             <a:endParaRPr lang="en-US"/>
           </a:p>
@@ -2098,7 +2098,7 @@
           <a:p>
             <a:fld id="{BA7C98FC-0AF0-AE45-A195-D023F30AD744}" type="datetimeFigureOut">
               <a:rPr lang="en-US" smtClean="0"/>
-              <a:t>6/6/25</a:t>
+              <a:t>6/18/25</a:t>
             </a:fld>
             <a:endParaRPr lang="en-US"/>
           </a:p>
@@ -2411,7 +2411,7 @@
           <a:p>
             <a:fld id="{BA7C98FC-0AF0-AE45-A195-D023F30AD744}" type="datetimeFigureOut">
               <a:rPr lang="en-US" smtClean="0"/>
-              <a:t>6/6/25</a:t>
+              <a:t>6/18/25</a:t>
             </a:fld>
             <a:endParaRPr lang="en-US"/>
           </a:p>
@@ -2700,7 +2700,7 @@
           <a:p>
             <a:fld id="{BA7C98FC-0AF0-AE45-A195-D023F30AD744}" type="datetimeFigureOut">
               <a:rPr lang="en-US" smtClean="0"/>
-              <a:t>6/6/25</a:t>
+              <a:t>6/18/25</a:t>
             </a:fld>
             <a:endParaRPr lang="en-US"/>
           </a:p>
@@ -2943,7 +2943,7 @@
           <a:p>
             <a:fld id="{BA7C98FC-0AF0-AE45-A195-D023F30AD744}" type="datetimeFigureOut">
               <a:rPr lang="en-US" smtClean="0"/>
-              <a:t>6/6/25</a:t>
+              <a:t>6/18/25</a:t>
             </a:fld>
             <a:endParaRPr lang="en-US"/>
           </a:p>
@@ -3872,7 +3872,9 @@
         </p:nvSpPr>
         <p:spPr/>
         <p:txBody>
-          <a:bodyPr/>
+          <a:bodyPr numCol="2">
+            <a:normAutofit/>
+          </a:bodyPr>
           <a:lstStyle/>
           <a:p>
             <a:r>
@@ -3884,6 +3886,84 @@
             <a:r>
               <a:rPr lang="en-US" dirty="0"/>
               <a:t>Project Setup</a:t>
+            </a:r>
+          </a:p>
+          <a:p>
+            <a:r>
+              <a:rPr lang="en-US" dirty="0"/>
+              <a:t>Tailwind npm setup</a:t>
+            </a:r>
+          </a:p>
+          <a:p>
+            <a:r>
+              <a:rPr lang="en-US" dirty="0"/>
+              <a:t>TMDB API Documentation</a:t>
+            </a:r>
+          </a:p>
+          <a:p>
+            <a:r>
+              <a:rPr lang="en-US" dirty="0"/>
+              <a:t>UI Design (Tailwind &amp; Flowbite)</a:t>
+            </a:r>
+          </a:p>
+          <a:p>
+            <a:r>
+              <a:rPr lang="en-US" dirty="0"/>
+              <a:t>Navigation Structure</a:t>
+            </a:r>
+          </a:p>
+          <a:p>
+            <a:r>
+              <a:rPr lang="en-US" dirty="0"/>
+              <a:t>Dark Mode Integration</a:t>
+            </a:r>
+          </a:p>
+          <a:p>
+            <a:r>
+              <a:rPr lang="en-US" dirty="0"/>
+              <a:t>Movie List Structure</a:t>
+            </a:r>
+          </a:p>
+          <a:p>
+            <a:r>
+              <a:rPr lang="en-US" dirty="0"/>
+              <a:t>API Fetch Movie List</a:t>
+            </a:r>
+          </a:p>
+          <a:p>
+            <a:r>
+              <a:rPr lang="en-US" dirty="0"/>
+              <a:t>Custom Hook </a:t>
+            </a:r>
+            <a:r>
+              <a:rPr lang="en-US" dirty="0" err="1"/>
+              <a:t>useFetch</a:t>
+            </a:r>
+            <a:endParaRPr lang="en-US" dirty="0"/>
+          </a:p>
+          <a:p>
+            <a:r>
+              <a:rPr lang="en-US" dirty="0"/>
+              <a:t>API Fetch Movie Search</a:t>
+            </a:r>
+          </a:p>
+          <a:p>
+            <a:r>
+              <a:rPr lang="en-US" dirty="0"/>
+              <a:t>Tailwind CSS Customization</a:t>
+            </a:r>
+          </a:p>
+          <a:p>
+            <a:r>
+              <a:rPr lang="en-US" dirty="0" err="1"/>
+              <a:t>PageNotFound</a:t>
+            </a:r>
+            <a:endParaRPr lang="en-US" dirty="0"/>
+          </a:p>
+          <a:p>
+            <a:r>
+              <a:rPr lang="en-US" dirty="0"/>
+              <a:t>Individual movie information</a:t>
             </a:r>
           </a:p>
           <a:p>

--- a/react/react.pptx
+++ b/react/react.pptx
@@ -274,7 +274,7 @@
           <a:p>
             <a:fld id="{BA7C98FC-0AF0-AE45-A195-D023F30AD744}" type="datetimeFigureOut">
               <a:rPr lang="en-US" smtClean="0"/>
-              <a:t>6/18/25</a:t>
+              <a:t>6/19/25</a:t>
             </a:fld>
             <a:endParaRPr lang="en-US"/>
           </a:p>
@@ -474,7 +474,7 @@
           <a:p>
             <a:fld id="{BA7C98FC-0AF0-AE45-A195-D023F30AD744}" type="datetimeFigureOut">
               <a:rPr lang="en-US" smtClean="0"/>
-              <a:t>6/18/25</a:t>
+              <a:t>6/19/25</a:t>
             </a:fld>
             <a:endParaRPr lang="en-US"/>
           </a:p>
@@ -684,7 +684,7 @@
           <a:p>
             <a:fld id="{BA7C98FC-0AF0-AE45-A195-D023F30AD744}" type="datetimeFigureOut">
               <a:rPr lang="en-US" smtClean="0"/>
-              <a:t>6/18/25</a:t>
+              <a:t>6/19/25</a:t>
             </a:fld>
             <a:endParaRPr lang="en-US"/>
           </a:p>
@@ -884,7 +884,7 @@
           <a:p>
             <a:fld id="{BA7C98FC-0AF0-AE45-A195-D023F30AD744}" type="datetimeFigureOut">
               <a:rPr lang="en-US" smtClean="0"/>
-              <a:t>6/18/25</a:t>
+              <a:t>6/19/25</a:t>
             </a:fld>
             <a:endParaRPr lang="en-US"/>
           </a:p>
@@ -1160,7 +1160,7 @@
           <a:p>
             <a:fld id="{BA7C98FC-0AF0-AE45-A195-D023F30AD744}" type="datetimeFigureOut">
               <a:rPr lang="en-US" smtClean="0"/>
-              <a:t>6/18/25</a:t>
+              <a:t>6/19/25</a:t>
             </a:fld>
             <a:endParaRPr lang="en-US"/>
           </a:p>
@@ -1428,7 +1428,7 @@
           <a:p>
             <a:fld id="{BA7C98FC-0AF0-AE45-A195-D023F30AD744}" type="datetimeFigureOut">
               <a:rPr lang="en-US" smtClean="0"/>
-              <a:t>6/18/25</a:t>
+              <a:t>6/19/25</a:t>
             </a:fld>
             <a:endParaRPr lang="en-US"/>
           </a:p>
@@ -1843,7 +1843,7 @@
           <a:p>
             <a:fld id="{BA7C98FC-0AF0-AE45-A195-D023F30AD744}" type="datetimeFigureOut">
               <a:rPr lang="en-US" smtClean="0"/>
-              <a:t>6/18/25</a:t>
+              <a:t>6/19/25</a:t>
             </a:fld>
             <a:endParaRPr lang="en-US"/>
           </a:p>
@@ -1985,7 +1985,7 @@
           <a:p>
             <a:fld id="{BA7C98FC-0AF0-AE45-A195-D023F30AD744}" type="datetimeFigureOut">
               <a:rPr lang="en-US" smtClean="0"/>
-              <a:t>6/18/25</a:t>
+              <a:t>6/19/25</a:t>
             </a:fld>
             <a:endParaRPr lang="en-US"/>
           </a:p>
@@ -2098,7 +2098,7 @@
           <a:p>
             <a:fld id="{BA7C98FC-0AF0-AE45-A195-D023F30AD744}" type="datetimeFigureOut">
               <a:rPr lang="en-US" smtClean="0"/>
-              <a:t>6/18/25</a:t>
+              <a:t>6/19/25</a:t>
             </a:fld>
             <a:endParaRPr lang="en-US"/>
           </a:p>
@@ -2411,7 +2411,7 @@
           <a:p>
             <a:fld id="{BA7C98FC-0AF0-AE45-A195-D023F30AD744}" type="datetimeFigureOut">
               <a:rPr lang="en-US" smtClean="0"/>
-              <a:t>6/18/25</a:t>
+              <a:t>6/19/25</a:t>
             </a:fld>
             <a:endParaRPr lang="en-US"/>
           </a:p>
@@ -2700,7 +2700,7 @@
           <a:p>
             <a:fld id="{BA7C98FC-0AF0-AE45-A195-D023F30AD744}" type="datetimeFigureOut">
               <a:rPr lang="en-US" smtClean="0"/>
-              <a:t>6/18/25</a:t>
+              <a:t>6/19/25</a:t>
             </a:fld>
             <a:endParaRPr lang="en-US"/>
           </a:p>
@@ -2943,7 +2943,7 @@
           <a:p>
             <a:fld id="{BA7C98FC-0AF0-AE45-A195-D023F30AD744}" type="datetimeFigureOut">
               <a:rPr lang="en-US" smtClean="0"/>
-              <a:t>6/18/25</a:t>
+              <a:t>6/19/25</a:t>
             </a:fld>
             <a:endParaRPr lang="en-US"/>
           </a:p>
@@ -3873,7 +3873,7 @@
         <p:spPr/>
         <p:txBody>
           <a:bodyPr numCol="2">
-            <a:normAutofit/>
+            <a:normAutofit lnSpcReduction="10000"/>
           </a:bodyPr>
           <a:lstStyle/>
           <a:p>
@@ -3965,6 +3965,19 @@
               <a:rPr lang="en-US" dirty="0"/>
               <a:t>Individual movie information</a:t>
             </a:r>
+          </a:p>
+          <a:p>
+            <a:r>
+              <a:rPr lang="en-US" dirty="0"/>
+              <a:t>Scroll Restoration</a:t>
+            </a:r>
+          </a:p>
+          <a:p>
+            <a:r>
+              <a:rPr lang="en-US"/>
+              <a:t>Dynamic Page Title</a:t>
+            </a:r>
+            <a:endParaRPr lang="en-US" dirty="0"/>
           </a:p>
           <a:p>
             <a:endParaRPr lang="en-US" dirty="0"/>

--- a/react/react.pptx
+++ b/react/react.pptx
@@ -19,6 +19,9 @@
     <p:sldId id="267" r:id="rId13"/>
     <p:sldId id="268" r:id="rId14"/>
     <p:sldId id="269" r:id="rId15"/>
+    <p:sldId id="270" r:id="rId16"/>
+    <p:sldId id="271" r:id="rId17"/>
+    <p:sldId id="272" r:id="rId18"/>
   </p:sldIdLst>
   <p:sldSz cx="12192000" cy="6858000"/>
   <p:notesSz cx="6858000" cy="9144000"/>
@@ -274,7 +277,7 @@
           <a:p>
             <a:fld id="{BA7C98FC-0AF0-AE45-A195-D023F30AD744}" type="datetimeFigureOut">
               <a:rPr lang="en-US" smtClean="0"/>
-              <a:t>6/19/25</a:t>
+              <a:t>6/25/25</a:t>
             </a:fld>
             <a:endParaRPr lang="en-US"/>
           </a:p>
@@ -474,7 +477,7 @@
           <a:p>
             <a:fld id="{BA7C98FC-0AF0-AE45-A195-D023F30AD744}" type="datetimeFigureOut">
               <a:rPr lang="en-US" smtClean="0"/>
-              <a:t>6/19/25</a:t>
+              <a:t>6/25/25</a:t>
             </a:fld>
             <a:endParaRPr lang="en-US"/>
           </a:p>
@@ -684,7 +687,7 @@
           <a:p>
             <a:fld id="{BA7C98FC-0AF0-AE45-A195-D023F30AD744}" type="datetimeFigureOut">
               <a:rPr lang="en-US" smtClean="0"/>
-              <a:t>6/19/25</a:t>
+              <a:t>6/25/25</a:t>
             </a:fld>
             <a:endParaRPr lang="en-US"/>
           </a:p>
@@ -884,7 +887,7 @@
           <a:p>
             <a:fld id="{BA7C98FC-0AF0-AE45-A195-D023F30AD744}" type="datetimeFigureOut">
               <a:rPr lang="en-US" smtClean="0"/>
-              <a:t>6/19/25</a:t>
+              <a:t>6/25/25</a:t>
             </a:fld>
             <a:endParaRPr lang="en-US"/>
           </a:p>
@@ -1160,7 +1163,7 @@
           <a:p>
             <a:fld id="{BA7C98FC-0AF0-AE45-A195-D023F30AD744}" type="datetimeFigureOut">
               <a:rPr lang="en-US" smtClean="0"/>
-              <a:t>6/19/25</a:t>
+              <a:t>6/25/25</a:t>
             </a:fld>
             <a:endParaRPr lang="en-US"/>
           </a:p>
@@ -1428,7 +1431,7 @@
           <a:p>
             <a:fld id="{BA7C98FC-0AF0-AE45-A195-D023F30AD744}" type="datetimeFigureOut">
               <a:rPr lang="en-US" smtClean="0"/>
-              <a:t>6/19/25</a:t>
+              <a:t>6/25/25</a:t>
             </a:fld>
             <a:endParaRPr lang="en-US"/>
           </a:p>
@@ -1843,7 +1846,7 @@
           <a:p>
             <a:fld id="{BA7C98FC-0AF0-AE45-A195-D023F30AD744}" type="datetimeFigureOut">
               <a:rPr lang="en-US" smtClean="0"/>
-              <a:t>6/19/25</a:t>
+              <a:t>6/25/25</a:t>
             </a:fld>
             <a:endParaRPr lang="en-US"/>
           </a:p>
@@ -1985,7 +1988,7 @@
           <a:p>
             <a:fld id="{BA7C98FC-0AF0-AE45-A195-D023F30AD744}" type="datetimeFigureOut">
               <a:rPr lang="en-US" smtClean="0"/>
-              <a:t>6/19/25</a:t>
+              <a:t>6/25/25</a:t>
             </a:fld>
             <a:endParaRPr lang="en-US"/>
           </a:p>
@@ -2098,7 +2101,7 @@
           <a:p>
             <a:fld id="{BA7C98FC-0AF0-AE45-A195-D023F30AD744}" type="datetimeFigureOut">
               <a:rPr lang="en-US" smtClean="0"/>
-              <a:t>6/19/25</a:t>
+              <a:t>6/25/25</a:t>
             </a:fld>
             <a:endParaRPr lang="en-US"/>
           </a:p>
@@ -2411,7 +2414,7 @@
           <a:p>
             <a:fld id="{BA7C98FC-0AF0-AE45-A195-D023F30AD744}" type="datetimeFigureOut">
               <a:rPr lang="en-US" smtClean="0"/>
-              <a:t>6/19/25</a:t>
+              <a:t>6/25/25</a:t>
             </a:fld>
             <a:endParaRPr lang="en-US"/>
           </a:p>
@@ -2700,7 +2703,7 @@
           <a:p>
             <a:fld id="{BA7C98FC-0AF0-AE45-A195-D023F30AD744}" type="datetimeFigureOut">
               <a:rPr lang="en-US" smtClean="0"/>
-              <a:t>6/19/25</a:t>
+              <a:t>6/25/25</a:t>
             </a:fld>
             <a:endParaRPr lang="en-US"/>
           </a:p>
@@ -2943,7 +2946,7 @@
           <a:p>
             <a:fld id="{BA7C98FC-0AF0-AE45-A195-D023F30AD744}" type="datetimeFigureOut">
               <a:rPr lang="en-US" smtClean="0"/>
-              <a:t>6/19/25</a:t>
+              <a:t>6/25/25</a:t>
             </a:fld>
             <a:endParaRPr lang="en-US"/>
           </a:p>
@@ -3988,6 +3991,1111 @@
     <p:extLst>
       <p:ext uri="{BB962C8B-B14F-4D97-AF65-F5344CB8AC3E}">
         <p14:creationId xmlns:p14="http://schemas.microsoft.com/office/powerpoint/2010/main" val="877662642"/>
+      </p:ext>
+    </p:extLst>
+  </p:cSld>
+  <p:clrMapOvr>
+    <a:masterClrMapping/>
+  </p:clrMapOvr>
+</p:sld>
+</file>
+
+<file path=ppt/slides/slide15.xml><?xml version="1.0" encoding="utf-8"?>
+<p:sld xmlns:a="http://schemas.openxmlformats.org/drawingml/2006/main" xmlns:r="http://schemas.openxmlformats.org/officeDocument/2006/relationships" xmlns:p="http://schemas.openxmlformats.org/presentationml/2006/main">
+  <p:cSld>
+    <p:spTree>
+      <p:nvGrpSpPr>
+        <p:cNvPr id="1" name=""/>
+        <p:cNvGrpSpPr/>
+        <p:nvPr/>
+      </p:nvGrpSpPr>
+      <p:grpSpPr>
+        <a:xfrm>
+          <a:off x="0" y="0"/>
+          <a:ext cx="0" cy="0"/>
+          <a:chOff x="0" y="0"/>
+          <a:chExt cx="0" cy="0"/>
+        </a:xfrm>
+      </p:grpSpPr>
+      <p:sp>
+        <p:nvSpPr>
+          <p:cNvPr id="2" name="Title 1">
+            <a:extLst>
+              <a:ext uri="{FF2B5EF4-FFF2-40B4-BE49-F238E27FC236}">
+                <a16:creationId xmlns:a16="http://schemas.microsoft.com/office/drawing/2014/main" id="{01F30E28-A9DA-BD91-CE06-030149EED4A0}"/>
+              </a:ext>
+            </a:extLst>
+          </p:cNvPr>
+          <p:cNvSpPr>
+            <a:spLocks noGrp="1"/>
+          </p:cNvSpPr>
+          <p:nvPr>
+            <p:ph type="title"/>
+          </p:nvPr>
+        </p:nvSpPr>
+        <p:spPr/>
+        <p:txBody>
+          <a:bodyPr/>
+          <a:lstStyle/>
+          <a:p>
+            <a:r>
+              <a:rPr lang="en-US" dirty="0" err="1"/>
+              <a:t>Shopmall</a:t>
+            </a:r>
+            <a:endParaRPr lang="en-US" dirty="0"/>
+          </a:p>
+        </p:txBody>
+      </p:sp>
+      <p:sp>
+        <p:nvSpPr>
+          <p:cNvPr id="3" name="Content Placeholder 2">
+            <a:extLst>
+              <a:ext uri="{FF2B5EF4-FFF2-40B4-BE49-F238E27FC236}">
+                <a16:creationId xmlns:a16="http://schemas.microsoft.com/office/drawing/2014/main" id="{9077C4C2-F4C8-94C2-B7BE-6BDBAC8F0573}"/>
+              </a:ext>
+            </a:extLst>
+          </p:cNvPr>
+          <p:cNvSpPr>
+            <a:spLocks noGrp="1"/>
+          </p:cNvSpPr>
+          <p:nvPr>
+            <p:ph idx="1"/>
+          </p:nvPr>
+        </p:nvSpPr>
+        <p:spPr/>
+        <p:txBody>
+          <a:bodyPr/>
+          <a:lstStyle/>
+          <a:p>
+            <a:r>
+              <a:rPr lang="en-US" dirty="0"/>
+              <a:t>Global State Management</a:t>
+            </a:r>
+          </a:p>
+          <a:p>
+            <a:r>
+              <a:rPr lang="en-US" dirty="0"/>
+              <a:t>Context</a:t>
+            </a:r>
+          </a:p>
+          <a:p>
+            <a:r>
+              <a:rPr lang="en-US" dirty="0"/>
+              <a:t>Reducer</a:t>
+            </a:r>
+          </a:p>
+          <a:p>
+            <a:r>
+              <a:rPr lang="en-US" dirty="0"/>
+              <a:t>methods</a:t>
+            </a:r>
+          </a:p>
+        </p:txBody>
+      </p:sp>
+    </p:spTree>
+    <p:extLst>
+      <p:ext uri="{BB962C8B-B14F-4D97-AF65-F5344CB8AC3E}">
+        <p14:creationId xmlns:p14="http://schemas.microsoft.com/office/powerpoint/2010/main" val="3892011135"/>
+      </p:ext>
+    </p:extLst>
+  </p:cSld>
+  <p:clrMapOvr>
+    <a:masterClrMapping/>
+  </p:clrMapOvr>
+</p:sld>
+</file>
+
+<file path=ppt/slides/slide16.xml><?xml version="1.0" encoding="utf-8"?>
+<p:sld xmlns:a="http://schemas.openxmlformats.org/drawingml/2006/main" xmlns:r="http://schemas.openxmlformats.org/officeDocument/2006/relationships" xmlns:p="http://schemas.openxmlformats.org/presentationml/2006/main">
+  <p:cSld>
+    <p:spTree>
+      <p:nvGrpSpPr>
+        <p:cNvPr id="1" name=""/>
+        <p:cNvGrpSpPr/>
+        <p:nvPr/>
+      </p:nvGrpSpPr>
+      <p:grpSpPr>
+        <a:xfrm>
+          <a:off x="0" y="0"/>
+          <a:ext cx="0" cy="0"/>
+          <a:chOff x="0" y="0"/>
+          <a:chExt cx="0" cy="0"/>
+        </a:xfrm>
+      </p:grpSpPr>
+      <p:sp>
+        <p:nvSpPr>
+          <p:cNvPr id="4" name="Terminator 3">
+            <a:extLst>
+              <a:ext uri="{FF2B5EF4-FFF2-40B4-BE49-F238E27FC236}">
+                <a16:creationId xmlns:a16="http://schemas.microsoft.com/office/drawing/2014/main" id="{666227D7-8E36-77FD-2639-CAF3E3676968}"/>
+              </a:ext>
+            </a:extLst>
+          </p:cNvPr>
+          <p:cNvSpPr/>
+          <p:nvPr/>
+        </p:nvSpPr>
+        <p:spPr>
+          <a:xfrm>
+            <a:off x="4611757" y="622852"/>
+            <a:ext cx="2676939" cy="861391"/>
+          </a:xfrm>
+          <a:prstGeom prst="flowChartTerminator">
+            <a:avLst/>
+          </a:prstGeom>
+        </p:spPr>
+        <p:style>
+          <a:lnRef idx="2">
+            <a:schemeClr val="accent1">
+              <a:shade val="15000"/>
+            </a:schemeClr>
+          </a:lnRef>
+          <a:fillRef idx="1">
+            <a:schemeClr val="accent1"/>
+          </a:fillRef>
+          <a:effectRef idx="0">
+            <a:schemeClr val="accent1"/>
+          </a:effectRef>
+          <a:fontRef idx="minor">
+            <a:schemeClr val="lt1"/>
+          </a:fontRef>
+        </p:style>
+        <p:txBody>
+          <a:bodyPr rtlCol="0" anchor="ctr"/>
+          <a:lstStyle/>
+          <a:p>
+            <a:pPr algn="ctr"/>
+            <a:r>
+              <a:rPr lang="en-US" dirty="0" err="1"/>
+              <a:t>App.js</a:t>
+            </a:r>
+            <a:endParaRPr lang="en-US" dirty="0"/>
+          </a:p>
+        </p:txBody>
+      </p:sp>
+      <p:sp>
+        <p:nvSpPr>
+          <p:cNvPr id="5" name="Terminator 4">
+            <a:extLst>
+              <a:ext uri="{FF2B5EF4-FFF2-40B4-BE49-F238E27FC236}">
+                <a16:creationId xmlns:a16="http://schemas.microsoft.com/office/drawing/2014/main" id="{319F0228-221B-AEA9-36A2-28497A8A61BF}"/>
+              </a:ext>
+            </a:extLst>
+          </p:cNvPr>
+          <p:cNvSpPr/>
+          <p:nvPr/>
+        </p:nvSpPr>
+        <p:spPr>
+          <a:xfrm>
+            <a:off x="1755915" y="1484243"/>
+            <a:ext cx="2676939" cy="861391"/>
+          </a:xfrm>
+          <a:prstGeom prst="flowChartTerminator">
+            <a:avLst/>
+          </a:prstGeom>
+        </p:spPr>
+        <p:style>
+          <a:lnRef idx="2">
+            <a:schemeClr val="accent1">
+              <a:shade val="15000"/>
+            </a:schemeClr>
+          </a:lnRef>
+          <a:fillRef idx="1">
+            <a:schemeClr val="accent1"/>
+          </a:fillRef>
+          <a:effectRef idx="0">
+            <a:schemeClr val="accent1"/>
+          </a:effectRef>
+          <a:fontRef idx="minor">
+            <a:schemeClr val="lt1"/>
+          </a:fontRef>
+        </p:style>
+        <p:txBody>
+          <a:bodyPr rtlCol="0" anchor="ctr"/>
+          <a:lstStyle/>
+          <a:p>
+            <a:pPr algn="ctr"/>
+            <a:r>
+              <a:rPr lang="en-US" dirty="0" err="1"/>
+              <a:t>Header.js</a:t>
+            </a:r>
+            <a:endParaRPr lang="en-US" dirty="0"/>
+          </a:p>
+        </p:txBody>
+      </p:sp>
+      <p:sp>
+        <p:nvSpPr>
+          <p:cNvPr id="6" name="Terminator 5">
+            <a:extLst>
+              <a:ext uri="{FF2B5EF4-FFF2-40B4-BE49-F238E27FC236}">
+                <a16:creationId xmlns:a16="http://schemas.microsoft.com/office/drawing/2014/main" id="{8D739203-5F2E-E244-B360-2DB591CD3CA1}"/>
+              </a:ext>
+            </a:extLst>
+          </p:cNvPr>
+          <p:cNvSpPr/>
+          <p:nvPr/>
+        </p:nvSpPr>
+        <p:spPr>
+          <a:xfrm>
+            <a:off x="6997149" y="1484243"/>
+            <a:ext cx="2676939" cy="861391"/>
+          </a:xfrm>
+          <a:prstGeom prst="flowChartTerminator">
+            <a:avLst/>
+          </a:prstGeom>
+        </p:spPr>
+        <p:style>
+          <a:lnRef idx="2">
+            <a:schemeClr val="accent1">
+              <a:shade val="15000"/>
+            </a:schemeClr>
+          </a:lnRef>
+          <a:fillRef idx="1">
+            <a:schemeClr val="accent1"/>
+          </a:fillRef>
+          <a:effectRef idx="0">
+            <a:schemeClr val="accent1"/>
+          </a:effectRef>
+          <a:fontRef idx="minor">
+            <a:schemeClr val="lt1"/>
+          </a:fontRef>
+        </p:style>
+        <p:txBody>
+          <a:bodyPr rtlCol="0" anchor="ctr"/>
+          <a:lstStyle/>
+          <a:p>
+            <a:pPr algn="ctr"/>
+            <a:r>
+              <a:rPr lang="en-US" dirty="0" err="1"/>
+              <a:t>AllRoutes.js</a:t>
+            </a:r>
+            <a:endParaRPr lang="en-US" dirty="0"/>
+          </a:p>
+        </p:txBody>
+      </p:sp>
+      <p:sp>
+        <p:nvSpPr>
+          <p:cNvPr id="7" name="Terminator 6">
+            <a:extLst>
+              <a:ext uri="{FF2B5EF4-FFF2-40B4-BE49-F238E27FC236}">
+                <a16:creationId xmlns:a16="http://schemas.microsoft.com/office/drawing/2014/main" id="{458FBF88-AE98-036F-3FE6-86868E342DCB}"/>
+              </a:ext>
+            </a:extLst>
+          </p:cNvPr>
+          <p:cNvSpPr/>
+          <p:nvPr/>
+        </p:nvSpPr>
+        <p:spPr>
+          <a:xfrm>
+            <a:off x="5546036" y="2998304"/>
+            <a:ext cx="2676939" cy="861391"/>
+          </a:xfrm>
+          <a:prstGeom prst="flowChartTerminator">
+            <a:avLst/>
+          </a:prstGeom>
+        </p:spPr>
+        <p:style>
+          <a:lnRef idx="2">
+            <a:schemeClr val="accent1">
+              <a:shade val="15000"/>
+            </a:schemeClr>
+          </a:lnRef>
+          <a:fillRef idx="1">
+            <a:schemeClr val="accent1"/>
+          </a:fillRef>
+          <a:effectRef idx="0">
+            <a:schemeClr val="accent1"/>
+          </a:effectRef>
+          <a:fontRef idx="minor">
+            <a:schemeClr val="lt1"/>
+          </a:fontRef>
+        </p:style>
+        <p:txBody>
+          <a:bodyPr rtlCol="0" anchor="ctr"/>
+          <a:lstStyle/>
+          <a:p>
+            <a:pPr algn="ctr"/>
+            <a:r>
+              <a:rPr lang="en-US" dirty="0" err="1"/>
+              <a:t>Home.js</a:t>
+            </a:r>
+            <a:endParaRPr lang="en-US" dirty="0"/>
+          </a:p>
+        </p:txBody>
+      </p:sp>
+      <p:sp>
+        <p:nvSpPr>
+          <p:cNvPr id="8" name="Terminator 7">
+            <a:extLst>
+              <a:ext uri="{FF2B5EF4-FFF2-40B4-BE49-F238E27FC236}">
+                <a16:creationId xmlns:a16="http://schemas.microsoft.com/office/drawing/2014/main" id="{0E2129DC-3726-E923-453E-3C61264727E2}"/>
+              </a:ext>
+            </a:extLst>
+          </p:cNvPr>
+          <p:cNvSpPr/>
+          <p:nvPr/>
+        </p:nvSpPr>
+        <p:spPr>
+          <a:xfrm>
+            <a:off x="9130749" y="2998304"/>
+            <a:ext cx="2676939" cy="861391"/>
+          </a:xfrm>
+          <a:prstGeom prst="flowChartTerminator">
+            <a:avLst/>
+          </a:prstGeom>
+        </p:spPr>
+        <p:style>
+          <a:lnRef idx="2">
+            <a:schemeClr val="accent1">
+              <a:shade val="15000"/>
+            </a:schemeClr>
+          </a:lnRef>
+          <a:fillRef idx="1">
+            <a:schemeClr val="accent1"/>
+          </a:fillRef>
+          <a:effectRef idx="0">
+            <a:schemeClr val="accent1"/>
+          </a:effectRef>
+          <a:fontRef idx="minor">
+            <a:schemeClr val="lt1"/>
+          </a:fontRef>
+        </p:style>
+        <p:txBody>
+          <a:bodyPr rtlCol="0" anchor="ctr"/>
+          <a:lstStyle/>
+          <a:p>
+            <a:pPr algn="ctr"/>
+            <a:r>
+              <a:rPr lang="en-US" dirty="0" err="1"/>
+              <a:t>Cart.js</a:t>
+            </a:r>
+            <a:endParaRPr lang="en-US" dirty="0"/>
+          </a:p>
+        </p:txBody>
+      </p:sp>
+      <p:sp>
+        <p:nvSpPr>
+          <p:cNvPr id="9" name="Terminator 8">
+            <a:extLst>
+              <a:ext uri="{FF2B5EF4-FFF2-40B4-BE49-F238E27FC236}">
+                <a16:creationId xmlns:a16="http://schemas.microsoft.com/office/drawing/2014/main" id="{3CB0A0AF-A13D-417C-76D0-ADC8B52D4957}"/>
+              </a:ext>
+            </a:extLst>
+          </p:cNvPr>
+          <p:cNvSpPr/>
+          <p:nvPr/>
+        </p:nvSpPr>
+        <p:spPr>
+          <a:xfrm>
+            <a:off x="5546035" y="5045765"/>
+            <a:ext cx="2676939" cy="861391"/>
+          </a:xfrm>
+          <a:prstGeom prst="flowChartTerminator">
+            <a:avLst/>
+          </a:prstGeom>
+        </p:spPr>
+        <p:style>
+          <a:lnRef idx="2">
+            <a:schemeClr val="accent1">
+              <a:shade val="15000"/>
+            </a:schemeClr>
+          </a:lnRef>
+          <a:fillRef idx="1">
+            <a:schemeClr val="accent1"/>
+          </a:fillRef>
+          <a:effectRef idx="0">
+            <a:schemeClr val="accent1"/>
+          </a:effectRef>
+          <a:fontRef idx="minor">
+            <a:schemeClr val="lt1"/>
+          </a:fontRef>
+        </p:style>
+        <p:txBody>
+          <a:bodyPr rtlCol="0" anchor="ctr"/>
+          <a:lstStyle/>
+          <a:p>
+            <a:pPr algn="ctr"/>
+            <a:r>
+              <a:rPr lang="en-US" dirty="0" err="1"/>
+              <a:t>ProductCard.js</a:t>
+            </a:r>
+            <a:endParaRPr lang="en-US" dirty="0"/>
+          </a:p>
+        </p:txBody>
+      </p:sp>
+      <p:sp>
+        <p:nvSpPr>
+          <p:cNvPr id="10" name="Terminator 9">
+            <a:extLst>
+              <a:ext uri="{FF2B5EF4-FFF2-40B4-BE49-F238E27FC236}">
+                <a16:creationId xmlns:a16="http://schemas.microsoft.com/office/drawing/2014/main" id="{5F490C57-2A71-1FFE-55DA-903E711BAE5A}"/>
+              </a:ext>
+            </a:extLst>
+          </p:cNvPr>
+          <p:cNvSpPr/>
+          <p:nvPr/>
+        </p:nvSpPr>
+        <p:spPr>
+          <a:xfrm>
+            <a:off x="9130749" y="5045765"/>
+            <a:ext cx="2676939" cy="861391"/>
+          </a:xfrm>
+          <a:prstGeom prst="flowChartTerminator">
+            <a:avLst/>
+          </a:prstGeom>
+        </p:spPr>
+        <p:style>
+          <a:lnRef idx="2">
+            <a:schemeClr val="accent1">
+              <a:shade val="15000"/>
+            </a:schemeClr>
+          </a:lnRef>
+          <a:fillRef idx="1">
+            <a:schemeClr val="accent1"/>
+          </a:fillRef>
+          <a:effectRef idx="0">
+            <a:schemeClr val="accent1"/>
+          </a:effectRef>
+          <a:fontRef idx="minor">
+            <a:schemeClr val="lt1"/>
+          </a:fontRef>
+        </p:style>
+        <p:txBody>
+          <a:bodyPr rtlCol="0" anchor="ctr"/>
+          <a:lstStyle/>
+          <a:p>
+            <a:pPr algn="ctr"/>
+            <a:r>
+              <a:rPr lang="en-US" dirty="0" err="1"/>
+              <a:t>CartCart.js</a:t>
+            </a:r>
+            <a:endParaRPr lang="en-US" dirty="0"/>
+          </a:p>
+        </p:txBody>
+      </p:sp>
+      <p:cxnSp>
+        <p:nvCxnSpPr>
+          <p:cNvPr id="14" name="Elbow Connector 13">
+            <a:extLst>
+              <a:ext uri="{FF2B5EF4-FFF2-40B4-BE49-F238E27FC236}">
+                <a16:creationId xmlns:a16="http://schemas.microsoft.com/office/drawing/2014/main" id="{602D3297-6269-33E8-2C3B-7B329A0F9229}"/>
+              </a:ext>
+            </a:extLst>
+          </p:cNvPr>
+          <p:cNvCxnSpPr>
+            <a:stCxn id="4" idx="1"/>
+            <a:endCxn id="5" idx="0"/>
+          </p:cNvCxnSpPr>
+          <p:nvPr/>
+        </p:nvCxnSpPr>
+        <p:spPr>
+          <a:xfrm rot="10800000" flipV="1">
+            <a:off x="3094385" y="1053547"/>
+            <a:ext cx="1517372" cy="430695"/>
+          </a:xfrm>
+          <a:prstGeom prst="bentConnector2">
+            <a:avLst/>
+          </a:prstGeom>
+          <a:ln>
+            <a:tailEnd type="triangle"/>
+          </a:ln>
+        </p:spPr>
+        <p:style>
+          <a:lnRef idx="2">
+            <a:schemeClr val="accent1"/>
+          </a:lnRef>
+          <a:fillRef idx="0">
+            <a:schemeClr val="accent1"/>
+          </a:fillRef>
+          <a:effectRef idx="1">
+            <a:schemeClr val="accent1"/>
+          </a:effectRef>
+          <a:fontRef idx="minor">
+            <a:schemeClr val="tx1"/>
+          </a:fontRef>
+        </p:style>
+      </p:cxnSp>
+      <p:cxnSp>
+        <p:nvCxnSpPr>
+          <p:cNvPr id="16" name="Elbow Connector 15">
+            <a:extLst>
+              <a:ext uri="{FF2B5EF4-FFF2-40B4-BE49-F238E27FC236}">
+                <a16:creationId xmlns:a16="http://schemas.microsoft.com/office/drawing/2014/main" id="{DAEEAE4E-6701-4339-AD5D-CD86B99490BA}"/>
+              </a:ext>
+            </a:extLst>
+          </p:cNvPr>
+          <p:cNvCxnSpPr>
+            <a:stCxn id="4" idx="3"/>
+            <a:endCxn id="6" idx="0"/>
+          </p:cNvCxnSpPr>
+          <p:nvPr/>
+        </p:nvCxnSpPr>
+        <p:spPr>
+          <a:xfrm>
+            <a:off x="7288696" y="1053548"/>
+            <a:ext cx="1046923" cy="430695"/>
+          </a:xfrm>
+          <a:prstGeom prst="bentConnector2">
+            <a:avLst/>
+          </a:prstGeom>
+          <a:ln>
+            <a:tailEnd type="triangle"/>
+          </a:ln>
+        </p:spPr>
+        <p:style>
+          <a:lnRef idx="2">
+            <a:schemeClr val="accent1"/>
+          </a:lnRef>
+          <a:fillRef idx="0">
+            <a:schemeClr val="accent1"/>
+          </a:fillRef>
+          <a:effectRef idx="1">
+            <a:schemeClr val="accent1"/>
+          </a:effectRef>
+          <a:fontRef idx="minor">
+            <a:schemeClr val="tx1"/>
+          </a:fontRef>
+        </p:style>
+      </p:cxnSp>
+      <p:cxnSp>
+        <p:nvCxnSpPr>
+          <p:cNvPr id="18" name="Elbow Connector 17">
+            <a:extLst>
+              <a:ext uri="{FF2B5EF4-FFF2-40B4-BE49-F238E27FC236}">
+                <a16:creationId xmlns:a16="http://schemas.microsoft.com/office/drawing/2014/main" id="{14C6AC40-93F3-C3E7-9EF5-2A9910C51EE9}"/>
+              </a:ext>
+            </a:extLst>
+          </p:cNvPr>
+          <p:cNvCxnSpPr>
+            <a:stCxn id="6" idx="2"/>
+            <a:endCxn id="7" idx="0"/>
+          </p:cNvCxnSpPr>
+          <p:nvPr/>
+        </p:nvCxnSpPr>
+        <p:spPr>
+          <a:xfrm rot="5400000">
+            <a:off x="7283728" y="1946413"/>
+            <a:ext cx="652670" cy="1451113"/>
+          </a:xfrm>
+          <a:prstGeom prst="bentConnector3">
+            <a:avLst/>
+          </a:prstGeom>
+          <a:ln>
+            <a:tailEnd type="triangle"/>
+          </a:ln>
+        </p:spPr>
+        <p:style>
+          <a:lnRef idx="2">
+            <a:schemeClr val="accent1"/>
+          </a:lnRef>
+          <a:fillRef idx="0">
+            <a:schemeClr val="accent1"/>
+          </a:fillRef>
+          <a:effectRef idx="1">
+            <a:schemeClr val="accent1"/>
+          </a:effectRef>
+          <a:fontRef idx="minor">
+            <a:schemeClr val="tx1"/>
+          </a:fontRef>
+        </p:style>
+      </p:cxnSp>
+      <p:cxnSp>
+        <p:nvCxnSpPr>
+          <p:cNvPr id="20" name="Elbow Connector 19">
+            <a:extLst>
+              <a:ext uri="{FF2B5EF4-FFF2-40B4-BE49-F238E27FC236}">
+                <a16:creationId xmlns:a16="http://schemas.microsoft.com/office/drawing/2014/main" id="{C0871AB7-B0E7-1B3E-008D-9AA50B0B76D1}"/>
+              </a:ext>
+            </a:extLst>
+          </p:cNvPr>
+          <p:cNvCxnSpPr>
+            <a:stCxn id="6" idx="2"/>
+            <a:endCxn id="8" idx="0"/>
+          </p:cNvCxnSpPr>
+          <p:nvPr/>
+        </p:nvCxnSpPr>
+        <p:spPr>
+          <a:xfrm rot="16200000" flipH="1">
+            <a:off x="9076084" y="1605169"/>
+            <a:ext cx="652670" cy="2133600"/>
+          </a:xfrm>
+          <a:prstGeom prst="bentConnector3">
+            <a:avLst/>
+          </a:prstGeom>
+          <a:ln>
+            <a:tailEnd type="triangle"/>
+          </a:ln>
+        </p:spPr>
+        <p:style>
+          <a:lnRef idx="2">
+            <a:schemeClr val="accent1"/>
+          </a:lnRef>
+          <a:fillRef idx="0">
+            <a:schemeClr val="accent1"/>
+          </a:fillRef>
+          <a:effectRef idx="1">
+            <a:schemeClr val="accent1"/>
+          </a:effectRef>
+          <a:fontRef idx="minor">
+            <a:schemeClr val="tx1"/>
+          </a:fontRef>
+        </p:style>
+      </p:cxnSp>
+      <p:cxnSp>
+        <p:nvCxnSpPr>
+          <p:cNvPr id="22" name="Elbow Connector 21">
+            <a:extLst>
+              <a:ext uri="{FF2B5EF4-FFF2-40B4-BE49-F238E27FC236}">
+                <a16:creationId xmlns:a16="http://schemas.microsoft.com/office/drawing/2014/main" id="{48AE1B79-1C00-6721-1DB7-3808B23FA7F1}"/>
+              </a:ext>
+            </a:extLst>
+          </p:cNvPr>
+          <p:cNvCxnSpPr>
+            <a:stCxn id="7" idx="2"/>
+            <a:endCxn id="9" idx="0"/>
+          </p:cNvCxnSpPr>
+          <p:nvPr/>
+        </p:nvCxnSpPr>
+        <p:spPr>
+          <a:xfrm rot="5400000">
+            <a:off x="6291471" y="4452730"/>
+            <a:ext cx="1186070" cy="1"/>
+          </a:xfrm>
+          <a:prstGeom prst="bentConnector3">
+            <a:avLst/>
+          </a:prstGeom>
+          <a:ln>
+            <a:tailEnd type="triangle"/>
+          </a:ln>
+        </p:spPr>
+        <p:style>
+          <a:lnRef idx="2">
+            <a:schemeClr val="accent1"/>
+          </a:lnRef>
+          <a:fillRef idx="0">
+            <a:schemeClr val="accent1"/>
+          </a:fillRef>
+          <a:effectRef idx="1">
+            <a:schemeClr val="accent1"/>
+          </a:effectRef>
+          <a:fontRef idx="minor">
+            <a:schemeClr val="tx1"/>
+          </a:fontRef>
+        </p:style>
+      </p:cxnSp>
+      <p:cxnSp>
+        <p:nvCxnSpPr>
+          <p:cNvPr id="24" name="Elbow Connector 23">
+            <a:extLst>
+              <a:ext uri="{FF2B5EF4-FFF2-40B4-BE49-F238E27FC236}">
+                <a16:creationId xmlns:a16="http://schemas.microsoft.com/office/drawing/2014/main" id="{D48F5074-2846-80C9-1794-77F4BF2EDFF3}"/>
+              </a:ext>
+            </a:extLst>
+          </p:cNvPr>
+          <p:cNvCxnSpPr>
+            <a:stCxn id="8" idx="2"/>
+            <a:endCxn id="10" idx="0"/>
+          </p:cNvCxnSpPr>
+          <p:nvPr/>
+        </p:nvCxnSpPr>
+        <p:spPr>
+          <a:xfrm rot="5400000">
+            <a:off x="9876184" y="4452730"/>
+            <a:ext cx="1186070" cy="12700"/>
+          </a:xfrm>
+          <a:prstGeom prst="bentConnector3">
+            <a:avLst/>
+          </a:prstGeom>
+          <a:ln>
+            <a:tailEnd type="triangle"/>
+          </a:ln>
+        </p:spPr>
+        <p:style>
+          <a:lnRef idx="2">
+            <a:schemeClr val="accent1"/>
+          </a:lnRef>
+          <a:fillRef idx="0">
+            <a:schemeClr val="accent1"/>
+          </a:fillRef>
+          <a:effectRef idx="1">
+            <a:schemeClr val="accent1"/>
+          </a:effectRef>
+          <a:fontRef idx="minor">
+            <a:schemeClr val="tx1"/>
+          </a:fontRef>
+        </p:style>
+      </p:cxnSp>
+      <p:sp>
+        <p:nvSpPr>
+          <p:cNvPr id="25" name="TextBox 24">
+            <a:extLst>
+              <a:ext uri="{FF2B5EF4-FFF2-40B4-BE49-F238E27FC236}">
+                <a16:creationId xmlns:a16="http://schemas.microsoft.com/office/drawing/2014/main" id="{893F8EA7-80E1-FAB4-E8F7-94AFB49D5566}"/>
+              </a:ext>
+            </a:extLst>
+          </p:cNvPr>
+          <p:cNvSpPr txBox="1"/>
+          <p:nvPr/>
+        </p:nvSpPr>
+        <p:spPr>
+          <a:xfrm>
+            <a:off x="3326296" y="755374"/>
+            <a:ext cx="757964" cy="369332"/>
+          </a:xfrm>
+          <a:prstGeom prst="rect">
+            <a:avLst/>
+          </a:prstGeom>
+          <a:noFill/>
+        </p:spPr>
+        <p:txBody>
+          <a:bodyPr wrap="none" rtlCol="0">
+            <a:spAutoFit/>
+          </a:bodyPr>
+          <a:lstStyle/>
+          <a:p>
+            <a:r>
+              <a:rPr lang="en-US" dirty="0"/>
+              <a:t>Props</a:t>
+            </a:r>
+          </a:p>
+        </p:txBody>
+      </p:sp>
+      <p:sp>
+        <p:nvSpPr>
+          <p:cNvPr id="26" name="TextBox 25">
+            <a:extLst>
+              <a:ext uri="{FF2B5EF4-FFF2-40B4-BE49-F238E27FC236}">
+                <a16:creationId xmlns:a16="http://schemas.microsoft.com/office/drawing/2014/main" id="{631A9AE0-A4CE-C1DF-F856-BD1C35200A5D}"/>
+              </a:ext>
+            </a:extLst>
+          </p:cNvPr>
+          <p:cNvSpPr txBox="1"/>
+          <p:nvPr/>
+        </p:nvSpPr>
+        <p:spPr>
+          <a:xfrm>
+            <a:off x="7409261" y="667650"/>
+            <a:ext cx="757964" cy="369332"/>
+          </a:xfrm>
+          <a:prstGeom prst="rect">
+            <a:avLst/>
+          </a:prstGeom>
+          <a:noFill/>
+        </p:spPr>
+        <p:txBody>
+          <a:bodyPr wrap="none" rtlCol="0">
+            <a:spAutoFit/>
+          </a:bodyPr>
+          <a:lstStyle/>
+          <a:p>
+            <a:r>
+              <a:rPr lang="en-US" dirty="0"/>
+              <a:t>Props</a:t>
+            </a:r>
+          </a:p>
+        </p:txBody>
+      </p:sp>
+      <p:sp>
+        <p:nvSpPr>
+          <p:cNvPr id="27" name="TextBox 26">
+            <a:extLst>
+              <a:ext uri="{FF2B5EF4-FFF2-40B4-BE49-F238E27FC236}">
+                <a16:creationId xmlns:a16="http://schemas.microsoft.com/office/drawing/2014/main" id="{BFE68B69-9E0D-092E-2F10-813CA14FB3D0}"/>
+              </a:ext>
+            </a:extLst>
+          </p:cNvPr>
+          <p:cNvSpPr txBox="1"/>
+          <p:nvPr/>
+        </p:nvSpPr>
+        <p:spPr>
+          <a:xfrm>
+            <a:off x="8696019" y="2302637"/>
+            <a:ext cx="757964" cy="369332"/>
+          </a:xfrm>
+          <a:prstGeom prst="rect">
+            <a:avLst/>
+          </a:prstGeom>
+          <a:noFill/>
+        </p:spPr>
+        <p:txBody>
+          <a:bodyPr wrap="none" rtlCol="0">
+            <a:spAutoFit/>
+          </a:bodyPr>
+          <a:lstStyle/>
+          <a:p>
+            <a:r>
+              <a:rPr lang="en-US" dirty="0"/>
+              <a:t>Props</a:t>
+            </a:r>
+          </a:p>
+        </p:txBody>
+      </p:sp>
+      <p:sp>
+        <p:nvSpPr>
+          <p:cNvPr id="28" name="Direct Access Storage 27">
+            <a:extLst>
+              <a:ext uri="{FF2B5EF4-FFF2-40B4-BE49-F238E27FC236}">
+                <a16:creationId xmlns:a16="http://schemas.microsoft.com/office/drawing/2014/main" id="{6704CC3D-ACFC-8E78-33FA-8C3F9FF58D4D}"/>
+              </a:ext>
+            </a:extLst>
+          </p:cNvPr>
+          <p:cNvSpPr/>
+          <p:nvPr/>
+        </p:nvSpPr>
+        <p:spPr>
+          <a:xfrm rot="16200000">
+            <a:off x="1533940" y="3448879"/>
+            <a:ext cx="2166733" cy="1683028"/>
+          </a:xfrm>
+          <a:prstGeom prst="flowChartMagneticDrum">
+            <a:avLst/>
+          </a:prstGeom>
+        </p:spPr>
+        <p:style>
+          <a:lnRef idx="2">
+            <a:schemeClr val="accent1">
+              <a:shade val="15000"/>
+            </a:schemeClr>
+          </a:lnRef>
+          <a:fillRef idx="1">
+            <a:schemeClr val="accent1"/>
+          </a:fillRef>
+          <a:effectRef idx="0">
+            <a:schemeClr val="accent1"/>
+          </a:effectRef>
+          <a:fontRef idx="minor">
+            <a:schemeClr val="lt1"/>
+          </a:fontRef>
+        </p:style>
+        <p:txBody>
+          <a:bodyPr rtlCol="0" anchor="ctr"/>
+          <a:lstStyle/>
+          <a:p>
+            <a:pPr algn="ctr"/>
+            <a:endParaRPr lang="en-US"/>
+          </a:p>
+        </p:txBody>
+      </p:sp>
+    </p:spTree>
+    <p:extLst>
+      <p:ext uri="{BB962C8B-B14F-4D97-AF65-F5344CB8AC3E}">
+        <p14:creationId xmlns:p14="http://schemas.microsoft.com/office/powerpoint/2010/main" val="3474160841"/>
+      </p:ext>
+    </p:extLst>
+  </p:cSld>
+  <p:clrMapOvr>
+    <a:masterClrMapping/>
+  </p:clrMapOvr>
+</p:sld>
+</file>
+
+<file path=ppt/slides/slide17.xml><?xml version="1.0" encoding="utf-8"?>
+<p:sld xmlns:a="http://schemas.openxmlformats.org/drawingml/2006/main" xmlns:r="http://schemas.openxmlformats.org/officeDocument/2006/relationships" xmlns:p="http://schemas.openxmlformats.org/presentationml/2006/main">
+  <p:cSld>
+    <p:spTree>
+      <p:nvGrpSpPr>
+        <p:cNvPr id="1" name=""/>
+        <p:cNvGrpSpPr/>
+        <p:nvPr/>
+      </p:nvGrpSpPr>
+      <p:grpSpPr>
+        <a:xfrm>
+          <a:off x="0" y="0"/>
+          <a:ext cx="0" cy="0"/>
+          <a:chOff x="0" y="0"/>
+          <a:chExt cx="0" cy="0"/>
+        </a:xfrm>
+      </p:grpSpPr>
+      <p:sp>
+        <p:nvSpPr>
+          <p:cNvPr id="2" name="Title 1">
+            <a:extLst>
+              <a:ext uri="{FF2B5EF4-FFF2-40B4-BE49-F238E27FC236}">
+                <a16:creationId xmlns:a16="http://schemas.microsoft.com/office/drawing/2014/main" id="{23DB3875-5CD1-AC39-B804-352D0558D00A}"/>
+              </a:ext>
+            </a:extLst>
+          </p:cNvPr>
+          <p:cNvSpPr>
+            <a:spLocks noGrp="1"/>
+          </p:cNvSpPr>
+          <p:nvPr>
+            <p:ph type="title"/>
+          </p:nvPr>
+        </p:nvSpPr>
+        <p:spPr/>
+        <p:txBody>
+          <a:bodyPr/>
+          <a:lstStyle/>
+          <a:p>
+            <a:r>
+              <a:rPr lang="en-US" dirty="0"/>
+              <a:t>Context and Reducers</a:t>
+            </a:r>
+          </a:p>
+        </p:txBody>
+      </p:sp>
+      <p:sp>
+        <p:nvSpPr>
+          <p:cNvPr id="3" name="Content Placeholder 2">
+            <a:extLst>
+              <a:ext uri="{FF2B5EF4-FFF2-40B4-BE49-F238E27FC236}">
+                <a16:creationId xmlns:a16="http://schemas.microsoft.com/office/drawing/2014/main" id="{7EC2E83D-73FE-FEA8-E027-A7BB3EC0770F}"/>
+              </a:ext>
+            </a:extLst>
+          </p:cNvPr>
+          <p:cNvSpPr>
+            <a:spLocks noGrp="1"/>
+          </p:cNvSpPr>
+          <p:nvPr>
+            <p:ph idx="1"/>
+          </p:nvPr>
+        </p:nvSpPr>
+        <p:spPr/>
+        <p:txBody>
+          <a:bodyPr>
+            <a:normAutofit fontScale="70000" lnSpcReduction="20000"/>
+          </a:bodyPr>
+          <a:lstStyle/>
+          <a:p>
+            <a:pPr marL="0" indent="0">
+              <a:buNone/>
+            </a:pPr>
+            <a:r>
+              <a:rPr lang="en-US" dirty="0" err="1"/>
+              <a:t>useContext</a:t>
+            </a:r>
+            <a:r>
+              <a:rPr lang="en-US" dirty="0"/>
+              <a:t>: Global State Management</a:t>
+            </a:r>
+          </a:p>
+          <a:p>
+            <a:pPr marL="0" indent="0">
+              <a:buNone/>
+            </a:pPr>
+            <a:r>
+              <a:rPr lang="en-US" dirty="0"/>
+              <a:t>Used to save state globally so state is available globally in our application.</a:t>
+            </a:r>
+          </a:p>
+          <a:p>
+            <a:pPr marL="0" indent="0">
+              <a:buNone/>
+            </a:pPr>
+            <a:r>
+              <a:rPr lang="en-US" dirty="0" err="1"/>
+              <a:t>useReducers</a:t>
+            </a:r>
+            <a:r>
+              <a:rPr lang="en-US" dirty="0"/>
+              <a:t>: </a:t>
+            </a:r>
+            <a:r>
+              <a:rPr lang="en-US" dirty="0" err="1"/>
+              <a:t>Perfom</a:t>
+            </a:r>
+            <a:r>
+              <a:rPr lang="en-US" dirty="0"/>
+              <a:t> Actions On Global State</a:t>
+            </a:r>
+          </a:p>
+          <a:p>
+            <a:pPr marL="0" indent="0">
+              <a:buNone/>
+            </a:pPr>
+            <a:r>
+              <a:rPr lang="en-US" dirty="0"/>
+              <a:t>Allow us to manage complex state logic</a:t>
+            </a:r>
+          </a:p>
+          <a:p>
+            <a:pPr marL="0" indent="0">
+              <a:buNone/>
+            </a:pPr>
+            <a:r>
+              <a:rPr lang="en-US" dirty="0"/>
+              <a:t>Context – an API given to us by React, allowing for the passing of information to child components without the use of props</a:t>
+            </a:r>
+          </a:p>
+          <a:p>
+            <a:pPr marL="0" indent="0">
+              <a:buNone/>
+            </a:pPr>
+            <a:r>
+              <a:rPr lang="en-US" dirty="0"/>
+              <a:t>Reducer – a pure function, accepting a state &amp; action, and returning a new state</a:t>
+            </a:r>
+          </a:p>
+          <a:p>
+            <a:pPr marL="0" indent="0">
+              <a:buNone/>
+            </a:pPr>
+            <a:r>
+              <a:rPr lang="en-US" dirty="0"/>
+              <a:t>Action – an object literal, which describes a change to state</a:t>
+            </a:r>
+          </a:p>
+          <a:p>
+            <a:pPr marL="0" indent="0">
+              <a:buNone/>
+            </a:pPr>
+            <a:r>
+              <a:rPr lang="en-US" dirty="0" err="1"/>
+              <a:t>useContext</a:t>
+            </a:r>
+            <a:r>
+              <a:rPr lang="en-US" dirty="0"/>
+              <a:t> – a react hook, allowing functional components to take advantage of the context</a:t>
+            </a:r>
+          </a:p>
+          <a:p>
+            <a:pPr marL="0" indent="0">
+              <a:buNone/>
+            </a:pPr>
+            <a:r>
+              <a:rPr lang="en-US" dirty="0" err="1"/>
+              <a:t>useReducer</a:t>
+            </a:r>
+            <a:r>
+              <a:rPr lang="en-US" dirty="0"/>
+              <a:t> – a react hook, used in place of </a:t>
+            </a:r>
+            <a:r>
+              <a:rPr lang="en-US" dirty="0" err="1"/>
+              <a:t>useState</a:t>
+            </a:r>
+            <a:r>
+              <a:rPr lang="en-US" dirty="0"/>
+              <a:t>, generally for more complex state</a:t>
+            </a:r>
+          </a:p>
+          <a:p>
+            <a:pPr marL="0" indent="0">
+              <a:buNone/>
+            </a:pPr>
+            <a:r>
+              <a:rPr lang="en-US" dirty="0"/>
+              <a:t>Dispatch – a function returned to us by </a:t>
+            </a:r>
+            <a:r>
+              <a:rPr lang="en-US" dirty="0" err="1"/>
+              <a:t>useReducer</a:t>
+            </a:r>
+            <a:r>
+              <a:rPr lang="en-US" dirty="0"/>
+              <a:t>, which sends action objects to the </a:t>
+            </a:r>
+            <a:r>
+              <a:rPr lang="en-US"/>
+              <a:t>reducer function</a:t>
+            </a:r>
+            <a:endParaRPr lang="en-US" dirty="0"/>
+          </a:p>
+        </p:txBody>
+      </p:sp>
+    </p:spTree>
+    <p:extLst>
+      <p:ext uri="{BB962C8B-B14F-4D97-AF65-F5344CB8AC3E}">
+        <p14:creationId xmlns:p14="http://schemas.microsoft.com/office/powerpoint/2010/main" val="2571502679"/>
       </p:ext>
     </p:extLst>
   </p:cSld>

--- a/react/react.pptx
+++ b/react/react.pptx
@@ -22,6 +22,7 @@
     <p:sldId id="270" r:id="rId16"/>
     <p:sldId id="271" r:id="rId17"/>
     <p:sldId id="272" r:id="rId18"/>
+    <p:sldId id="273" r:id="rId19"/>
   </p:sldIdLst>
   <p:sldSz cx="12192000" cy="6858000"/>
   <p:notesSz cx="6858000" cy="9144000"/>
@@ -277,7 +278,7 @@
           <a:p>
             <a:fld id="{BA7C98FC-0AF0-AE45-A195-D023F30AD744}" type="datetimeFigureOut">
               <a:rPr lang="en-US" smtClean="0"/>
-              <a:t>6/25/25</a:t>
+              <a:t>7/2/25</a:t>
             </a:fld>
             <a:endParaRPr lang="en-US"/>
           </a:p>
@@ -477,7 +478,7 @@
           <a:p>
             <a:fld id="{BA7C98FC-0AF0-AE45-A195-D023F30AD744}" type="datetimeFigureOut">
               <a:rPr lang="en-US" smtClean="0"/>
-              <a:t>6/25/25</a:t>
+              <a:t>7/2/25</a:t>
             </a:fld>
             <a:endParaRPr lang="en-US"/>
           </a:p>
@@ -687,7 +688,7 @@
           <a:p>
             <a:fld id="{BA7C98FC-0AF0-AE45-A195-D023F30AD744}" type="datetimeFigureOut">
               <a:rPr lang="en-US" smtClean="0"/>
-              <a:t>6/25/25</a:t>
+              <a:t>7/2/25</a:t>
             </a:fld>
             <a:endParaRPr lang="en-US"/>
           </a:p>
@@ -887,7 +888,7 @@
           <a:p>
             <a:fld id="{BA7C98FC-0AF0-AE45-A195-D023F30AD744}" type="datetimeFigureOut">
               <a:rPr lang="en-US" smtClean="0"/>
-              <a:t>6/25/25</a:t>
+              <a:t>7/2/25</a:t>
             </a:fld>
             <a:endParaRPr lang="en-US"/>
           </a:p>
@@ -1163,7 +1164,7 @@
           <a:p>
             <a:fld id="{BA7C98FC-0AF0-AE45-A195-D023F30AD744}" type="datetimeFigureOut">
               <a:rPr lang="en-US" smtClean="0"/>
-              <a:t>6/25/25</a:t>
+              <a:t>7/2/25</a:t>
             </a:fld>
             <a:endParaRPr lang="en-US"/>
           </a:p>
@@ -1431,7 +1432,7 @@
           <a:p>
             <a:fld id="{BA7C98FC-0AF0-AE45-A195-D023F30AD744}" type="datetimeFigureOut">
               <a:rPr lang="en-US" smtClean="0"/>
-              <a:t>6/25/25</a:t>
+              <a:t>7/2/25</a:t>
             </a:fld>
             <a:endParaRPr lang="en-US"/>
           </a:p>
@@ -1846,7 +1847,7 @@
           <a:p>
             <a:fld id="{BA7C98FC-0AF0-AE45-A195-D023F30AD744}" type="datetimeFigureOut">
               <a:rPr lang="en-US" smtClean="0"/>
-              <a:t>6/25/25</a:t>
+              <a:t>7/2/25</a:t>
             </a:fld>
             <a:endParaRPr lang="en-US"/>
           </a:p>
@@ -1988,7 +1989,7 @@
           <a:p>
             <a:fld id="{BA7C98FC-0AF0-AE45-A195-D023F30AD744}" type="datetimeFigureOut">
               <a:rPr lang="en-US" smtClean="0"/>
-              <a:t>6/25/25</a:t>
+              <a:t>7/2/25</a:t>
             </a:fld>
             <a:endParaRPr lang="en-US"/>
           </a:p>
@@ -2101,7 +2102,7 @@
           <a:p>
             <a:fld id="{BA7C98FC-0AF0-AE45-A195-D023F30AD744}" type="datetimeFigureOut">
               <a:rPr lang="en-US" smtClean="0"/>
-              <a:t>6/25/25</a:t>
+              <a:t>7/2/25</a:t>
             </a:fld>
             <a:endParaRPr lang="en-US"/>
           </a:p>
@@ -2414,7 +2415,7 @@
           <a:p>
             <a:fld id="{BA7C98FC-0AF0-AE45-A195-D023F30AD744}" type="datetimeFigureOut">
               <a:rPr lang="en-US" smtClean="0"/>
-              <a:t>6/25/25</a:t>
+              <a:t>7/2/25</a:t>
             </a:fld>
             <a:endParaRPr lang="en-US"/>
           </a:p>
@@ -2703,7 +2704,7 @@
           <a:p>
             <a:fld id="{BA7C98FC-0AF0-AE45-A195-D023F30AD744}" type="datetimeFigureOut">
               <a:rPr lang="en-US" smtClean="0"/>
-              <a:t>6/25/25</a:t>
+              <a:t>7/2/25</a:t>
             </a:fld>
             <a:endParaRPr lang="en-US"/>
           </a:p>
@@ -2946,7 +2947,7 @@
           <a:p>
             <a:fld id="{BA7C98FC-0AF0-AE45-A195-D023F30AD744}" type="datetimeFigureOut">
               <a:rPr lang="en-US" smtClean="0"/>
-              <a:t>6/25/25</a:t>
+              <a:t>7/2/25</a:t>
             </a:fld>
             <a:endParaRPr lang="en-US"/>
           </a:p>
@@ -5096,6 +5097,142 @@
     <p:extLst>
       <p:ext uri="{BB962C8B-B14F-4D97-AF65-F5344CB8AC3E}">
         <p14:creationId xmlns:p14="http://schemas.microsoft.com/office/powerpoint/2010/main" val="2571502679"/>
+      </p:ext>
+    </p:extLst>
+  </p:cSld>
+  <p:clrMapOvr>
+    <a:masterClrMapping/>
+  </p:clrMapOvr>
+</p:sld>
+</file>
+
+<file path=ppt/slides/slide18.xml><?xml version="1.0" encoding="utf-8"?>
+<p:sld xmlns:a="http://schemas.openxmlformats.org/drawingml/2006/main" xmlns:r="http://schemas.openxmlformats.org/officeDocument/2006/relationships" xmlns:p="http://schemas.openxmlformats.org/presentationml/2006/main">
+  <p:cSld>
+    <p:spTree>
+      <p:nvGrpSpPr>
+        <p:cNvPr id="1" name=""/>
+        <p:cNvGrpSpPr/>
+        <p:nvPr/>
+      </p:nvGrpSpPr>
+      <p:grpSpPr>
+        <a:xfrm>
+          <a:off x="0" y="0"/>
+          <a:ext cx="0" cy="0"/>
+          <a:chOff x="0" y="0"/>
+          <a:chExt cx="0" cy="0"/>
+        </a:xfrm>
+      </p:grpSpPr>
+      <p:sp>
+        <p:nvSpPr>
+          <p:cNvPr id="2" name="Title 1">
+            <a:extLst>
+              <a:ext uri="{FF2B5EF4-FFF2-40B4-BE49-F238E27FC236}">
+                <a16:creationId xmlns:a16="http://schemas.microsoft.com/office/drawing/2014/main" id="{FB0CF9EF-EEE7-4B00-3D4C-D2A6FCA9B895}"/>
+              </a:ext>
+            </a:extLst>
+          </p:cNvPr>
+          <p:cNvSpPr>
+            <a:spLocks noGrp="1"/>
+          </p:cNvSpPr>
+          <p:nvPr>
+            <p:ph type="title"/>
+          </p:nvPr>
+        </p:nvSpPr>
+        <p:spPr/>
+        <p:txBody>
+          <a:bodyPr/>
+          <a:lstStyle/>
+          <a:p>
+            <a:r>
+              <a:rPr lang="en-US" dirty="0"/>
+              <a:t>Redux</a:t>
+            </a:r>
+          </a:p>
+        </p:txBody>
+      </p:sp>
+      <p:sp>
+        <p:nvSpPr>
+          <p:cNvPr id="3" name="Content Placeholder 2">
+            <a:extLst>
+              <a:ext uri="{FF2B5EF4-FFF2-40B4-BE49-F238E27FC236}">
+                <a16:creationId xmlns:a16="http://schemas.microsoft.com/office/drawing/2014/main" id="{172D0431-30B8-5D65-1D80-5A8BCE013F20}"/>
+              </a:ext>
+            </a:extLst>
+          </p:cNvPr>
+          <p:cNvSpPr>
+            <a:spLocks noGrp="1"/>
+          </p:cNvSpPr>
+          <p:nvPr>
+            <p:ph idx="1"/>
+          </p:nvPr>
+        </p:nvSpPr>
+        <p:spPr/>
+        <p:txBody>
+          <a:bodyPr/>
+          <a:lstStyle/>
+          <a:p>
+            <a:r>
+              <a:rPr lang="en-US" dirty="0"/>
+              <a:t>npm install react-redux@8</a:t>
+            </a:r>
+          </a:p>
+          <a:p>
+            <a:r>
+              <a:rPr lang="en-US" dirty="0"/>
+              <a:t>npm install @</a:t>
+            </a:r>
+            <a:r>
+              <a:rPr lang="en-US" dirty="0" err="1"/>
+              <a:t>reduxjs</a:t>
+            </a:r>
+            <a:r>
+              <a:rPr lang="en-US" dirty="0"/>
+              <a:t>/toolkit</a:t>
+            </a:r>
+          </a:p>
+          <a:p>
+            <a:endParaRPr lang="en-US" dirty="0"/>
+          </a:p>
+          <a:p>
+            <a:r>
+              <a:rPr lang="en-US" dirty="0">
+                <a:hlinkClick r:id="rId2"/>
+              </a:rPr>
+              <a:t>https://redux-toolkit.js.org</a:t>
+            </a:r>
+            <a:endParaRPr lang="en-US" dirty="0"/>
+          </a:p>
+          <a:p>
+            <a:endParaRPr lang="en-US" dirty="0"/>
+          </a:p>
+          <a:p>
+            <a:r>
+              <a:rPr lang="en-US" dirty="0"/>
+              <a:t>Project structure</a:t>
+            </a:r>
+          </a:p>
+          <a:p>
+            <a:r>
+              <a:rPr lang="en-US" dirty="0"/>
+              <a:t>Slice &amp; Action</a:t>
+            </a:r>
+          </a:p>
+          <a:p>
+            <a:r>
+              <a:rPr lang="en-US"/>
+              <a:t>Reducers Add &amp; Remove</a:t>
+            </a:r>
+          </a:p>
+          <a:p>
+            <a:endParaRPr lang="en-US" dirty="0"/>
+          </a:p>
+        </p:txBody>
+      </p:sp>
+    </p:spTree>
+    <p:extLst>
+      <p:ext uri="{BB962C8B-B14F-4D97-AF65-F5344CB8AC3E}">
+        <p14:creationId xmlns:p14="http://schemas.microsoft.com/office/powerpoint/2010/main" val="4080491893"/>
       </p:ext>
     </p:extLst>
   </p:cSld>

--- a/react/react.pptx
+++ b/react/react.pptx
@@ -23,6 +23,7 @@
     <p:sldId id="271" r:id="rId17"/>
     <p:sldId id="272" r:id="rId18"/>
     <p:sldId id="273" r:id="rId19"/>
+    <p:sldId id="274" r:id="rId20"/>
   </p:sldIdLst>
   <p:sldSz cx="12192000" cy="6858000"/>
   <p:notesSz cx="6858000" cy="9144000"/>
@@ -278,7 +279,7 @@
           <a:p>
             <a:fld id="{BA7C98FC-0AF0-AE45-A195-D023F30AD744}" type="datetimeFigureOut">
               <a:rPr lang="en-US" smtClean="0"/>
-              <a:t>7/2/25</a:t>
+              <a:t>7/10/25</a:t>
             </a:fld>
             <a:endParaRPr lang="en-US"/>
           </a:p>
@@ -478,7 +479,7 @@
           <a:p>
             <a:fld id="{BA7C98FC-0AF0-AE45-A195-D023F30AD744}" type="datetimeFigureOut">
               <a:rPr lang="en-US" smtClean="0"/>
-              <a:t>7/2/25</a:t>
+              <a:t>7/10/25</a:t>
             </a:fld>
             <a:endParaRPr lang="en-US"/>
           </a:p>
@@ -688,7 +689,7 @@
           <a:p>
             <a:fld id="{BA7C98FC-0AF0-AE45-A195-D023F30AD744}" type="datetimeFigureOut">
               <a:rPr lang="en-US" smtClean="0"/>
-              <a:t>7/2/25</a:t>
+              <a:t>7/10/25</a:t>
             </a:fld>
             <a:endParaRPr lang="en-US"/>
           </a:p>
@@ -888,7 +889,7 @@
           <a:p>
             <a:fld id="{BA7C98FC-0AF0-AE45-A195-D023F30AD744}" type="datetimeFigureOut">
               <a:rPr lang="en-US" smtClean="0"/>
-              <a:t>7/2/25</a:t>
+              <a:t>7/10/25</a:t>
             </a:fld>
             <a:endParaRPr lang="en-US"/>
           </a:p>
@@ -1164,7 +1165,7 @@
           <a:p>
             <a:fld id="{BA7C98FC-0AF0-AE45-A195-D023F30AD744}" type="datetimeFigureOut">
               <a:rPr lang="en-US" smtClean="0"/>
-              <a:t>7/2/25</a:t>
+              <a:t>7/10/25</a:t>
             </a:fld>
             <a:endParaRPr lang="en-US"/>
           </a:p>
@@ -1432,7 +1433,7 @@
           <a:p>
             <a:fld id="{BA7C98FC-0AF0-AE45-A195-D023F30AD744}" type="datetimeFigureOut">
               <a:rPr lang="en-US" smtClean="0"/>
-              <a:t>7/2/25</a:t>
+              <a:t>7/10/25</a:t>
             </a:fld>
             <a:endParaRPr lang="en-US"/>
           </a:p>
@@ -1847,7 +1848,7 @@
           <a:p>
             <a:fld id="{BA7C98FC-0AF0-AE45-A195-D023F30AD744}" type="datetimeFigureOut">
               <a:rPr lang="en-US" smtClean="0"/>
-              <a:t>7/2/25</a:t>
+              <a:t>7/10/25</a:t>
             </a:fld>
             <a:endParaRPr lang="en-US"/>
           </a:p>
@@ -1989,7 +1990,7 @@
           <a:p>
             <a:fld id="{BA7C98FC-0AF0-AE45-A195-D023F30AD744}" type="datetimeFigureOut">
               <a:rPr lang="en-US" smtClean="0"/>
-              <a:t>7/2/25</a:t>
+              <a:t>7/10/25</a:t>
             </a:fld>
             <a:endParaRPr lang="en-US"/>
           </a:p>
@@ -2102,7 +2103,7 @@
           <a:p>
             <a:fld id="{BA7C98FC-0AF0-AE45-A195-D023F30AD744}" type="datetimeFigureOut">
               <a:rPr lang="en-US" smtClean="0"/>
-              <a:t>7/2/25</a:t>
+              <a:t>7/10/25</a:t>
             </a:fld>
             <a:endParaRPr lang="en-US"/>
           </a:p>
@@ -2415,7 +2416,7 @@
           <a:p>
             <a:fld id="{BA7C98FC-0AF0-AE45-A195-D023F30AD744}" type="datetimeFigureOut">
               <a:rPr lang="en-US" smtClean="0"/>
-              <a:t>7/2/25</a:t>
+              <a:t>7/10/25</a:t>
             </a:fld>
             <a:endParaRPr lang="en-US"/>
           </a:p>
@@ -2704,7 +2705,7 @@
           <a:p>
             <a:fld id="{BA7C98FC-0AF0-AE45-A195-D023F30AD744}" type="datetimeFigureOut">
               <a:rPr lang="en-US" smtClean="0"/>
-              <a:t>7/2/25</a:t>
+              <a:t>7/10/25</a:t>
             </a:fld>
             <a:endParaRPr lang="en-US"/>
           </a:p>
@@ -2947,7 +2948,7 @@
           <a:p>
             <a:fld id="{BA7C98FC-0AF0-AE45-A195-D023F30AD744}" type="datetimeFigureOut">
               <a:rPr lang="en-US" smtClean="0"/>
-              <a:t>7/2/25</a:t>
+              <a:t>7/10/25</a:t>
             </a:fld>
             <a:endParaRPr lang="en-US"/>
           </a:p>
@@ -5169,7 +5170,9 @@
         </p:nvSpPr>
         <p:spPr/>
         <p:txBody>
-          <a:bodyPr/>
+          <a:bodyPr>
+            <a:normAutofit lnSpcReduction="10000"/>
+          </a:bodyPr>
           <a:lstStyle/>
           <a:p>
             <a:r>
@@ -5220,8 +5223,18 @@
           </a:p>
           <a:p>
             <a:r>
+              <a:rPr lang="en-US" dirty="0"/>
+              <a:t>Reducers Add &amp; Remove</a:t>
+            </a:r>
+          </a:p>
+          <a:p>
+            <a:r>
+              <a:rPr lang="en-US" dirty="0"/>
+              <a:t>Redux </a:t>
+            </a:r>
+            <a:r>
               <a:rPr lang="en-US"/>
-              <a:t>Reducers Add &amp; Remove</a:t>
+              <a:t>store state</a:t>
             </a:r>
           </a:p>
           <a:p>
@@ -5233,6 +5246,104 @@
     <p:extLst>
       <p:ext uri="{BB962C8B-B14F-4D97-AF65-F5344CB8AC3E}">
         <p14:creationId xmlns:p14="http://schemas.microsoft.com/office/powerpoint/2010/main" val="4080491893"/>
+      </p:ext>
+    </p:extLst>
+  </p:cSld>
+  <p:clrMapOvr>
+    <a:masterClrMapping/>
+  </p:clrMapOvr>
+</p:sld>
+</file>
+
+<file path=ppt/slides/slide19.xml><?xml version="1.0" encoding="utf-8"?>
+<p:sld xmlns:a="http://schemas.openxmlformats.org/drawingml/2006/main" xmlns:r="http://schemas.openxmlformats.org/officeDocument/2006/relationships" xmlns:p="http://schemas.openxmlformats.org/presentationml/2006/main">
+  <p:cSld>
+    <p:spTree>
+      <p:nvGrpSpPr>
+        <p:cNvPr id="1" name=""/>
+        <p:cNvGrpSpPr/>
+        <p:nvPr/>
+      </p:nvGrpSpPr>
+      <p:grpSpPr>
+        <a:xfrm>
+          <a:off x="0" y="0"/>
+          <a:ext cx="0" cy="0"/>
+          <a:chOff x="0" y="0"/>
+          <a:chExt cx="0" cy="0"/>
+        </a:xfrm>
+      </p:grpSpPr>
+      <p:sp>
+        <p:nvSpPr>
+          <p:cNvPr id="2" name="Title 1">
+            <a:extLst>
+              <a:ext uri="{FF2B5EF4-FFF2-40B4-BE49-F238E27FC236}">
+                <a16:creationId xmlns:a16="http://schemas.microsoft.com/office/drawing/2014/main" id="{19A8A55E-36B9-652D-8B91-E65E831A630C}"/>
+              </a:ext>
+            </a:extLst>
+          </p:cNvPr>
+          <p:cNvSpPr>
+            <a:spLocks noGrp="1"/>
+          </p:cNvSpPr>
+          <p:nvPr>
+            <p:ph type="title"/>
+          </p:nvPr>
+        </p:nvSpPr>
+        <p:spPr/>
+        <p:txBody>
+          <a:bodyPr/>
+          <a:lstStyle/>
+          <a:p>
+            <a:r>
+              <a:rPr lang="en-US" dirty="0"/>
+              <a:t>Code book</a:t>
+            </a:r>
+          </a:p>
+        </p:txBody>
+      </p:sp>
+      <p:sp>
+        <p:nvSpPr>
+          <p:cNvPr id="3" name="Content Placeholder 2">
+            <a:extLst>
+              <a:ext uri="{FF2B5EF4-FFF2-40B4-BE49-F238E27FC236}">
+                <a16:creationId xmlns:a16="http://schemas.microsoft.com/office/drawing/2014/main" id="{79A4FD71-725C-B119-1811-FB04C491C344}"/>
+              </a:ext>
+            </a:extLst>
+          </p:cNvPr>
+          <p:cNvSpPr>
+            <a:spLocks noGrp="1"/>
+          </p:cNvSpPr>
+          <p:nvPr>
+            <p:ph idx="1"/>
+          </p:nvPr>
+        </p:nvSpPr>
+        <p:spPr/>
+        <p:txBody>
+          <a:bodyPr/>
+          <a:lstStyle/>
+          <a:p>
+            <a:r>
+              <a:rPr lang="en-US" dirty="0"/>
+              <a:t>Project structure</a:t>
+            </a:r>
+          </a:p>
+          <a:p>
+            <a:r>
+              <a:rPr lang="en-US" dirty="0"/>
+              <a:t>Header Component</a:t>
+            </a:r>
+          </a:p>
+          <a:p>
+            <a:r>
+              <a:rPr lang="en-US"/>
+              <a:t>Product List</a:t>
+            </a:r>
+          </a:p>
+        </p:txBody>
+      </p:sp>
+    </p:spTree>
+    <p:extLst>
+      <p:ext uri="{BB962C8B-B14F-4D97-AF65-F5344CB8AC3E}">
+        <p14:creationId xmlns:p14="http://schemas.microsoft.com/office/powerpoint/2010/main" val="2700808371"/>
       </p:ext>
     </p:extLst>
   </p:cSld>

--- a/react/react.pptx
+++ b/react/react.pptx
@@ -279,7 +279,7 @@
           <a:p>
             <a:fld id="{BA7C98FC-0AF0-AE45-A195-D023F30AD744}" type="datetimeFigureOut">
               <a:rPr lang="en-US" smtClean="0"/>
-              <a:t>7/10/25</a:t>
+              <a:t>7/11/25</a:t>
             </a:fld>
             <a:endParaRPr lang="en-US"/>
           </a:p>
@@ -479,7 +479,7 @@
           <a:p>
             <a:fld id="{BA7C98FC-0AF0-AE45-A195-D023F30AD744}" type="datetimeFigureOut">
               <a:rPr lang="en-US" smtClean="0"/>
-              <a:t>7/10/25</a:t>
+              <a:t>7/11/25</a:t>
             </a:fld>
             <a:endParaRPr lang="en-US"/>
           </a:p>
@@ -689,7 +689,7 @@
           <a:p>
             <a:fld id="{BA7C98FC-0AF0-AE45-A195-D023F30AD744}" type="datetimeFigureOut">
               <a:rPr lang="en-US" smtClean="0"/>
-              <a:t>7/10/25</a:t>
+              <a:t>7/11/25</a:t>
             </a:fld>
             <a:endParaRPr lang="en-US"/>
           </a:p>
@@ -889,7 +889,7 @@
           <a:p>
             <a:fld id="{BA7C98FC-0AF0-AE45-A195-D023F30AD744}" type="datetimeFigureOut">
               <a:rPr lang="en-US" smtClean="0"/>
-              <a:t>7/10/25</a:t>
+              <a:t>7/11/25</a:t>
             </a:fld>
             <a:endParaRPr lang="en-US"/>
           </a:p>
@@ -1165,7 +1165,7 @@
           <a:p>
             <a:fld id="{BA7C98FC-0AF0-AE45-A195-D023F30AD744}" type="datetimeFigureOut">
               <a:rPr lang="en-US" smtClean="0"/>
-              <a:t>7/10/25</a:t>
+              <a:t>7/11/25</a:t>
             </a:fld>
             <a:endParaRPr lang="en-US"/>
           </a:p>
@@ -1433,7 +1433,7 @@
           <a:p>
             <a:fld id="{BA7C98FC-0AF0-AE45-A195-D023F30AD744}" type="datetimeFigureOut">
               <a:rPr lang="en-US" smtClean="0"/>
-              <a:t>7/10/25</a:t>
+              <a:t>7/11/25</a:t>
             </a:fld>
             <a:endParaRPr lang="en-US"/>
           </a:p>
@@ -1848,7 +1848,7 @@
           <a:p>
             <a:fld id="{BA7C98FC-0AF0-AE45-A195-D023F30AD744}" type="datetimeFigureOut">
               <a:rPr lang="en-US" smtClean="0"/>
-              <a:t>7/10/25</a:t>
+              <a:t>7/11/25</a:t>
             </a:fld>
             <a:endParaRPr lang="en-US"/>
           </a:p>
@@ -1990,7 +1990,7 @@
           <a:p>
             <a:fld id="{BA7C98FC-0AF0-AE45-A195-D023F30AD744}" type="datetimeFigureOut">
               <a:rPr lang="en-US" smtClean="0"/>
-              <a:t>7/10/25</a:t>
+              <a:t>7/11/25</a:t>
             </a:fld>
             <a:endParaRPr lang="en-US"/>
           </a:p>
@@ -2103,7 +2103,7 @@
           <a:p>
             <a:fld id="{BA7C98FC-0AF0-AE45-A195-D023F30AD744}" type="datetimeFigureOut">
               <a:rPr lang="en-US" smtClean="0"/>
-              <a:t>7/10/25</a:t>
+              <a:t>7/11/25</a:t>
             </a:fld>
             <a:endParaRPr lang="en-US"/>
           </a:p>
@@ -2416,7 +2416,7 @@
           <a:p>
             <a:fld id="{BA7C98FC-0AF0-AE45-A195-D023F30AD744}" type="datetimeFigureOut">
               <a:rPr lang="en-US" smtClean="0"/>
-              <a:t>7/10/25</a:t>
+              <a:t>7/11/25</a:t>
             </a:fld>
             <a:endParaRPr lang="en-US"/>
           </a:p>
@@ -2705,7 +2705,7 @@
           <a:p>
             <a:fld id="{BA7C98FC-0AF0-AE45-A195-D023F30AD744}" type="datetimeFigureOut">
               <a:rPr lang="en-US" smtClean="0"/>
-              <a:t>7/10/25</a:t>
+              <a:t>7/11/25</a:t>
             </a:fld>
             <a:endParaRPr lang="en-US"/>
           </a:p>
@@ -2948,7 +2948,7 @@
           <a:p>
             <a:fld id="{BA7C98FC-0AF0-AE45-A195-D023F30AD744}" type="datetimeFigureOut">
               <a:rPr lang="en-US" smtClean="0"/>
-              <a:t>7/10/25</a:t>
+              <a:t>7/11/25</a:t>
             </a:fld>
             <a:endParaRPr lang="en-US"/>
           </a:p>
@@ -5334,9 +5334,32 @@
           </a:p>
           <a:p>
             <a:r>
+              <a:rPr lang="en-US" dirty="0"/>
+              <a:t>Product List</a:t>
+            </a:r>
+          </a:p>
+          <a:p>
+            <a:r>
+              <a:rPr lang="en-US" dirty="0"/>
+              <a:t>Rating Component</a:t>
+            </a:r>
+          </a:p>
+          <a:p>
+            <a:r>
+              <a:rPr lang="en-US" dirty="0"/>
+              <a:t>Filter</a:t>
+            </a:r>
+          </a:p>
+          <a:p>
+            <a:r>
+              <a:rPr lang="en-US" dirty="0"/>
+              <a:t>Individual </a:t>
+            </a:r>
+            <a:r>
               <a:rPr lang="en-US"/>
-              <a:t>Product List</a:t>
-            </a:r>
+              <a:t>Product Component</a:t>
+            </a:r>
+            <a:endParaRPr lang="en-US" dirty="0"/>
           </a:p>
         </p:txBody>
       </p:sp>

--- a/react/react.pptx
+++ b/react/react.pptx
@@ -279,7 +279,7 @@
           <a:p>
             <a:fld id="{BA7C98FC-0AF0-AE45-A195-D023F30AD744}" type="datetimeFigureOut">
               <a:rPr lang="en-US" smtClean="0"/>
-              <a:t>7/11/25</a:t>
+              <a:t>7/14/25</a:t>
             </a:fld>
             <a:endParaRPr lang="en-US"/>
           </a:p>
@@ -479,7 +479,7 @@
           <a:p>
             <a:fld id="{BA7C98FC-0AF0-AE45-A195-D023F30AD744}" type="datetimeFigureOut">
               <a:rPr lang="en-US" smtClean="0"/>
-              <a:t>7/11/25</a:t>
+              <a:t>7/14/25</a:t>
             </a:fld>
             <a:endParaRPr lang="en-US"/>
           </a:p>
@@ -689,7 +689,7 @@
           <a:p>
             <a:fld id="{BA7C98FC-0AF0-AE45-A195-D023F30AD744}" type="datetimeFigureOut">
               <a:rPr lang="en-US" smtClean="0"/>
-              <a:t>7/11/25</a:t>
+              <a:t>7/14/25</a:t>
             </a:fld>
             <a:endParaRPr lang="en-US"/>
           </a:p>
@@ -889,7 +889,7 @@
           <a:p>
             <a:fld id="{BA7C98FC-0AF0-AE45-A195-D023F30AD744}" type="datetimeFigureOut">
               <a:rPr lang="en-US" smtClean="0"/>
-              <a:t>7/11/25</a:t>
+              <a:t>7/14/25</a:t>
             </a:fld>
             <a:endParaRPr lang="en-US"/>
           </a:p>
@@ -1165,7 +1165,7 @@
           <a:p>
             <a:fld id="{BA7C98FC-0AF0-AE45-A195-D023F30AD744}" type="datetimeFigureOut">
               <a:rPr lang="en-US" smtClean="0"/>
-              <a:t>7/11/25</a:t>
+              <a:t>7/14/25</a:t>
             </a:fld>
             <a:endParaRPr lang="en-US"/>
           </a:p>
@@ -1433,7 +1433,7 @@
           <a:p>
             <a:fld id="{BA7C98FC-0AF0-AE45-A195-D023F30AD744}" type="datetimeFigureOut">
               <a:rPr lang="en-US" smtClean="0"/>
-              <a:t>7/11/25</a:t>
+              <a:t>7/14/25</a:t>
             </a:fld>
             <a:endParaRPr lang="en-US"/>
           </a:p>
@@ -1848,7 +1848,7 @@
           <a:p>
             <a:fld id="{BA7C98FC-0AF0-AE45-A195-D023F30AD744}" type="datetimeFigureOut">
               <a:rPr lang="en-US" smtClean="0"/>
-              <a:t>7/11/25</a:t>
+              <a:t>7/14/25</a:t>
             </a:fld>
             <a:endParaRPr lang="en-US"/>
           </a:p>
@@ -1990,7 +1990,7 @@
           <a:p>
             <a:fld id="{BA7C98FC-0AF0-AE45-A195-D023F30AD744}" type="datetimeFigureOut">
               <a:rPr lang="en-US" smtClean="0"/>
-              <a:t>7/11/25</a:t>
+              <a:t>7/14/25</a:t>
             </a:fld>
             <a:endParaRPr lang="en-US"/>
           </a:p>
@@ -2103,7 +2103,7 @@
           <a:p>
             <a:fld id="{BA7C98FC-0AF0-AE45-A195-D023F30AD744}" type="datetimeFigureOut">
               <a:rPr lang="en-US" smtClean="0"/>
-              <a:t>7/11/25</a:t>
+              <a:t>7/14/25</a:t>
             </a:fld>
             <a:endParaRPr lang="en-US"/>
           </a:p>
@@ -2416,7 +2416,7 @@
           <a:p>
             <a:fld id="{BA7C98FC-0AF0-AE45-A195-D023F30AD744}" type="datetimeFigureOut">
               <a:rPr lang="en-US" smtClean="0"/>
-              <a:t>7/11/25</a:t>
+              <a:t>7/14/25</a:t>
             </a:fld>
             <a:endParaRPr lang="en-US"/>
           </a:p>
@@ -2705,7 +2705,7 @@
           <a:p>
             <a:fld id="{BA7C98FC-0AF0-AE45-A195-D023F30AD744}" type="datetimeFigureOut">
               <a:rPr lang="en-US" smtClean="0"/>
-              <a:t>7/11/25</a:t>
+              <a:t>7/14/25</a:t>
             </a:fld>
             <a:endParaRPr lang="en-US"/>
           </a:p>
@@ -2948,7 +2948,7 @@
           <a:p>
             <a:fld id="{BA7C98FC-0AF0-AE45-A195-D023F30AD744}" type="datetimeFigureOut">
               <a:rPr lang="en-US" smtClean="0"/>
-              <a:t>7/11/25</a:t>
+              <a:t>7/14/25</a:t>
             </a:fld>
             <a:endParaRPr lang="en-US"/>
           </a:p>
@@ -5353,12 +5353,31 @@
           <a:p>
             <a:r>
               <a:rPr lang="en-US" dirty="0"/>
-              <a:t>Individual </a:t>
-            </a:r>
-            <a:r>
-              <a:rPr lang="en-US"/>
-              <a:t>Product Component</a:t>
-            </a:r>
+              <a:t>Individual Product Component</a:t>
+            </a:r>
+          </a:p>
+          <a:p>
+            <a:r>
+              <a:rPr lang="en-US" dirty="0"/>
+              <a:t>Dark Mode</a:t>
+            </a:r>
+          </a:p>
+          <a:p>
+            <a:r>
+              <a:rPr lang="en-US" dirty="0">
+                <a:hlinkClick r:id="rId2"/>
+              </a:rPr>
+              <a:t>https://github.com/typicode/json</a:t>
+            </a:r>
+            <a:r>
+              <a:rPr lang="en-US">
+                <a:hlinkClick r:id="rId2"/>
+              </a:rPr>
+              <a:t>-server/issues/1550</a:t>
+            </a:r>
+            <a:endParaRPr lang="en-US"/>
+          </a:p>
+          <a:p>
             <a:endParaRPr lang="en-US" dirty="0"/>
           </a:p>
         </p:txBody>

--- a/react/react.pptx
+++ b/react/react.pptx
@@ -24,6 +24,7 @@
     <p:sldId id="272" r:id="rId18"/>
     <p:sldId id="273" r:id="rId19"/>
     <p:sldId id="274" r:id="rId20"/>
+    <p:sldId id="275" r:id="rId21"/>
   </p:sldIdLst>
   <p:sldSz cx="12192000" cy="6858000"/>
   <p:notesSz cx="6858000" cy="9144000"/>
@@ -279,7 +280,7 @@
           <a:p>
             <a:fld id="{BA7C98FC-0AF0-AE45-A195-D023F30AD744}" type="datetimeFigureOut">
               <a:rPr lang="en-US" smtClean="0"/>
-              <a:t>7/14/25</a:t>
+              <a:t>7/21/25</a:t>
             </a:fld>
             <a:endParaRPr lang="en-US"/>
           </a:p>
@@ -479,7 +480,7 @@
           <a:p>
             <a:fld id="{BA7C98FC-0AF0-AE45-A195-D023F30AD744}" type="datetimeFigureOut">
               <a:rPr lang="en-US" smtClean="0"/>
-              <a:t>7/14/25</a:t>
+              <a:t>7/21/25</a:t>
             </a:fld>
             <a:endParaRPr lang="en-US"/>
           </a:p>
@@ -689,7 +690,7 @@
           <a:p>
             <a:fld id="{BA7C98FC-0AF0-AE45-A195-D023F30AD744}" type="datetimeFigureOut">
               <a:rPr lang="en-US" smtClean="0"/>
-              <a:t>7/14/25</a:t>
+              <a:t>7/21/25</a:t>
             </a:fld>
             <a:endParaRPr lang="en-US"/>
           </a:p>
@@ -889,7 +890,7 @@
           <a:p>
             <a:fld id="{BA7C98FC-0AF0-AE45-A195-D023F30AD744}" type="datetimeFigureOut">
               <a:rPr lang="en-US" smtClean="0"/>
-              <a:t>7/14/25</a:t>
+              <a:t>7/21/25</a:t>
             </a:fld>
             <a:endParaRPr lang="en-US"/>
           </a:p>
@@ -1165,7 +1166,7 @@
           <a:p>
             <a:fld id="{BA7C98FC-0AF0-AE45-A195-D023F30AD744}" type="datetimeFigureOut">
               <a:rPr lang="en-US" smtClean="0"/>
-              <a:t>7/14/25</a:t>
+              <a:t>7/21/25</a:t>
             </a:fld>
             <a:endParaRPr lang="en-US"/>
           </a:p>
@@ -1433,7 +1434,7 @@
           <a:p>
             <a:fld id="{BA7C98FC-0AF0-AE45-A195-D023F30AD744}" type="datetimeFigureOut">
               <a:rPr lang="en-US" smtClean="0"/>
-              <a:t>7/14/25</a:t>
+              <a:t>7/21/25</a:t>
             </a:fld>
             <a:endParaRPr lang="en-US"/>
           </a:p>
@@ -1848,7 +1849,7 @@
           <a:p>
             <a:fld id="{BA7C98FC-0AF0-AE45-A195-D023F30AD744}" type="datetimeFigureOut">
               <a:rPr lang="en-US" smtClean="0"/>
-              <a:t>7/14/25</a:t>
+              <a:t>7/21/25</a:t>
             </a:fld>
             <a:endParaRPr lang="en-US"/>
           </a:p>
@@ -1990,7 +1991,7 @@
           <a:p>
             <a:fld id="{BA7C98FC-0AF0-AE45-A195-D023F30AD744}" type="datetimeFigureOut">
               <a:rPr lang="en-US" smtClean="0"/>
-              <a:t>7/14/25</a:t>
+              <a:t>7/21/25</a:t>
             </a:fld>
             <a:endParaRPr lang="en-US"/>
           </a:p>
@@ -2103,7 +2104,7 @@
           <a:p>
             <a:fld id="{BA7C98FC-0AF0-AE45-A195-D023F30AD744}" type="datetimeFigureOut">
               <a:rPr lang="en-US" smtClean="0"/>
-              <a:t>7/14/25</a:t>
+              <a:t>7/21/25</a:t>
             </a:fld>
             <a:endParaRPr lang="en-US"/>
           </a:p>
@@ -2416,7 +2417,7 @@
           <a:p>
             <a:fld id="{BA7C98FC-0AF0-AE45-A195-D023F30AD744}" type="datetimeFigureOut">
               <a:rPr lang="en-US" smtClean="0"/>
-              <a:t>7/14/25</a:t>
+              <a:t>7/21/25</a:t>
             </a:fld>
             <a:endParaRPr lang="en-US"/>
           </a:p>
@@ -2705,7 +2706,7 @@
           <a:p>
             <a:fld id="{BA7C98FC-0AF0-AE45-A195-D023F30AD744}" type="datetimeFigureOut">
               <a:rPr lang="en-US" smtClean="0"/>
-              <a:t>7/14/25</a:t>
+              <a:t>7/21/25</a:t>
             </a:fld>
             <a:endParaRPr lang="en-US"/>
           </a:p>
@@ -2948,7 +2949,7 @@
           <a:p>
             <a:fld id="{BA7C98FC-0AF0-AE45-A195-D023F30AD744}" type="datetimeFigureOut">
               <a:rPr lang="en-US" smtClean="0"/>
-              <a:t>7/14/25</a:t>
+              <a:t>7/21/25</a:t>
             </a:fld>
             <a:endParaRPr lang="en-US"/>
           </a:p>
@@ -5318,7 +5319,9 @@
         </p:nvSpPr>
         <p:spPr/>
         <p:txBody>
-          <a:bodyPr/>
+          <a:bodyPr>
+            <a:normAutofit fontScale="77500" lnSpcReduction="20000"/>
+          </a:bodyPr>
           <a:lstStyle/>
           <a:p>
             <a:r>
@@ -5367,15 +5370,42 @@
               <a:rPr lang="en-US" dirty="0">
                 <a:hlinkClick r:id="rId2"/>
               </a:rPr>
-              <a:t>https://github.com/typicode/json</a:t>
-            </a:r>
-            <a:r>
-              <a:rPr lang="en-US">
-                <a:hlinkClick r:id="rId2"/>
-              </a:rPr>
-              <a:t>-server/issues/1550</a:t>
-            </a:r>
-            <a:endParaRPr lang="en-US"/>
+              <a:t>https://github.com/typicode/json-server/issues/1550</a:t>
+            </a:r>
+            <a:endParaRPr lang="en-US" dirty="0"/>
+          </a:p>
+          <a:p>
+            <a:r>
+              <a:rPr lang="en-US" dirty="0"/>
+              <a:t>Json-server-auth</a:t>
+            </a:r>
+          </a:p>
+          <a:p>
+            <a:r>
+              <a:rPr lang="en-US" dirty="0"/>
+              <a:t>API </a:t>
+            </a:r>
+            <a:r>
+              <a:rPr lang="en-US" dirty="0" err="1"/>
+              <a:t>LoginRegister</a:t>
+            </a:r>
+            <a:r>
+              <a:rPr lang="en-US" dirty="0"/>
+              <a:t> End Point</a:t>
+            </a:r>
+          </a:p>
+          <a:p>
+            <a:r>
+              <a:rPr lang="en-US" dirty="0"/>
+              <a:t>Session Storage</a:t>
+            </a:r>
+          </a:p>
+          <a:p>
+            <a:r>
+              <a:rPr lang="en-US"/>
+              <a:t>Toggle Dropdown(Hide)</a:t>
+            </a:r>
+            <a:endParaRPr lang="en-US" dirty="0"/>
           </a:p>
           <a:p>
             <a:endParaRPr lang="en-US" dirty="0"/>
@@ -5484,6 +5514,115 @@
     <p:extLst>
       <p:ext uri="{BB962C8B-B14F-4D97-AF65-F5344CB8AC3E}">
         <p14:creationId xmlns:p14="http://schemas.microsoft.com/office/powerpoint/2010/main" val="2022900020"/>
+      </p:ext>
+    </p:extLst>
+  </p:cSld>
+  <p:clrMapOvr>
+    <a:masterClrMapping/>
+  </p:clrMapOvr>
+</p:sld>
+</file>
+
+<file path=ppt/slides/slide20.xml><?xml version="1.0" encoding="utf-8"?>
+<p:sld xmlns:a="http://schemas.openxmlformats.org/drawingml/2006/main" xmlns:r="http://schemas.openxmlformats.org/officeDocument/2006/relationships" xmlns:p="http://schemas.openxmlformats.org/presentationml/2006/main">
+  <p:cSld>
+    <p:spTree>
+      <p:nvGrpSpPr>
+        <p:cNvPr id="1" name=""/>
+        <p:cNvGrpSpPr/>
+        <p:nvPr/>
+      </p:nvGrpSpPr>
+      <p:grpSpPr>
+        <a:xfrm>
+          <a:off x="0" y="0"/>
+          <a:ext cx="0" cy="0"/>
+          <a:chOff x="0" y="0"/>
+          <a:chExt cx="0" cy="0"/>
+        </a:xfrm>
+      </p:grpSpPr>
+      <p:sp>
+        <p:nvSpPr>
+          <p:cNvPr id="2" name="Title 1">
+            <a:extLst>
+              <a:ext uri="{FF2B5EF4-FFF2-40B4-BE49-F238E27FC236}">
+                <a16:creationId xmlns:a16="http://schemas.microsoft.com/office/drawing/2014/main" id="{E63A7EF5-8BBE-26EE-B3F1-D5A363D4F066}"/>
+              </a:ext>
+            </a:extLst>
+          </p:cNvPr>
+          <p:cNvSpPr>
+            <a:spLocks noGrp="1"/>
+          </p:cNvSpPr>
+          <p:nvPr>
+            <p:ph type="title"/>
+          </p:nvPr>
+        </p:nvSpPr>
+        <p:spPr/>
+        <p:txBody>
+          <a:bodyPr/>
+          <a:lstStyle/>
+          <a:p>
+            <a:endParaRPr lang="en-US"/>
+          </a:p>
+        </p:txBody>
+      </p:sp>
+      <p:sp>
+        <p:nvSpPr>
+          <p:cNvPr id="3" name="Content Placeholder 2">
+            <a:extLst>
+              <a:ext uri="{FF2B5EF4-FFF2-40B4-BE49-F238E27FC236}">
+                <a16:creationId xmlns:a16="http://schemas.microsoft.com/office/drawing/2014/main" id="{A952C5C9-DF8E-E06C-EAF8-DA6D69F0E785}"/>
+              </a:ext>
+            </a:extLst>
+          </p:cNvPr>
+          <p:cNvSpPr>
+            <a:spLocks noGrp="1"/>
+          </p:cNvSpPr>
+          <p:nvPr>
+            <p:ph idx="1"/>
+          </p:nvPr>
+        </p:nvSpPr>
+        <p:spPr/>
+        <p:txBody>
+          <a:bodyPr/>
+          <a:lstStyle/>
+          <a:p>
+            <a:r>
+              <a:rPr lang="en-US" dirty="0"/>
+              <a:t>Portfolio</a:t>
+            </a:r>
+          </a:p>
+          <a:p>
+            <a:r>
+              <a:rPr lang="en-US" dirty="0"/>
+              <a:t>Project</a:t>
+            </a:r>
+          </a:p>
+          <a:p>
+            <a:r>
+              <a:rPr lang="en-US" dirty="0" err="1"/>
+              <a:t>Html+css+bootstrap</a:t>
+            </a:r>
+            <a:endParaRPr lang="en-US" dirty="0"/>
+          </a:p>
+          <a:p>
+            <a:r>
+              <a:rPr lang="en-US" dirty="0" err="1"/>
+              <a:t>Javascript</a:t>
+            </a:r>
+            <a:r>
+              <a:rPr lang="en-US" dirty="0"/>
+              <a:t> – 10+</a:t>
+            </a:r>
+          </a:p>
+          <a:p>
+            <a:endParaRPr lang="en-US" dirty="0"/>
+          </a:p>
+        </p:txBody>
+      </p:sp>
+    </p:spTree>
+    <p:extLst>
+      <p:ext uri="{BB962C8B-B14F-4D97-AF65-F5344CB8AC3E}">
+        <p14:creationId xmlns:p14="http://schemas.microsoft.com/office/powerpoint/2010/main" val="237360833"/>
       </p:ext>
     </p:extLst>
   </p:cSld>

--- a/react/react.pptx
+++ b/react/react.pptx
@@ -280,7 +280,7 @@
           <a:p>
             <a:fld id="{BA7C98FC-0AF0-AE45-A195-D023F30AD744}" type="datetimeFigureOut">
               <a:rPr lang="en-US" smtClean="0"/>
-              <a:t>7/21/25</a:t>
+              <a:t>7/25/25</a:t>
             </a:fld>
             <a:endParaRPr lang="en-US"/>
           </a:p>
@@ -480,7 +480,7 @@
           <a:p>
             <a:fld id="{BA7C98FC-0AF0-AE45-A195-D023F30AD744}" type="datetimeFigureOut">
               <a:rPr lang="en-US" smtClean="0"/>
-              <a:t>7/21/25</a:t>
+              <a:t>7/25/25</a:t>
             </a:fld>
             <a:endParaRPr lang="en-US"/>
           </a:p>
@@ -690,7 +690,7 @@
           <a:p>
             <a:fld id="{BA7C98FC-0AF0-AE45-A195-D023F30AD744}" type="datetimeFigureOut">
               <a:rPr lang="en-US" smtClean="0"/>
-              <a:t>7/21/25</a:t>
+              <a:t>7/25/25</a:t>
             </a:fld>
             <a:endParaRPr lang="en-US"/>
           </a:p>
@@ -890,7 +890,7 @@
           <a:p>
             <a:fld id="{BA7C98FC-0AF0-AE45-A195-D023F30AD744}" type="datetimeFigureOut">
               <a:rPr lang="en-US" smtClean="0"/>
-              <a:t>7/21/25</a:t>
+              <a:t>7/25/25</a:t>
             </a:fld>
             <a:endParaRPr lang="en-US"/>
           </a:p>
@@ -1166,7 +1166,7 @@
           <a:p>
             <a:fld id="{BA7C98FC-0AF0-AE45-A195-D023F30AD744}" type="datetimeFigureOut">
               <a:rPr lang="en-US" smtClean="0"/>
-              <a:t>7/21/25</a:t>
+              <a:t>7/25/25</a:t>
             </a:fld>
             <a:endParaRPr lang="en-US"/>
           </a:p>
@@ -1434,7 +1434,7 @@
           <a:p>
             <a:fld id="{BA7C98FC-0AF0-AE45-A195-D023F30AD744}" type="datetimeFigureOut">
               <a:rPr lang="en-US" smtClean="0"/>
-              <a:t>7/21/25</a:t>
+              <a:t>7/25/25</a:t>
             </a:fld>
             <a:endParaRPr lang="en-US"/>
           </a:p>
@@ -1849,7 +1849,7 @@
           <a:p>
             <a:fld id="{BA7C98FC-0AF0-AE45-A195-D023F30AD744}" type="datetimeFigureOut">
               <a:rPr lang="en-US" smtClean="0"/>
-              <a:t>7/21/25</a:t>
+              <a:t>7/25/25</a:t>
             </a:fld>
             <a:endParaRPr lang="en-US"/>
           </a:p>
@@ -1991,7 +1991,7 @@
           <a:p>
             <a:fld id="{BA7C98FC-0AF0-AE45-A195-D023F30AD744}" type="datetimeFigureOut">
               <a:rPr lang="en-US" smtClean="0"/>
-              <a:t>7/21/25</a:t>
+              <a:t>7/25/25</a:t>
             </a:fld>
             <a:endParaRPr lang="en-US"/>
           </a:p>
@@ -2104,7 +2104,7 @@
           <a:p>
             <a:fld id="{BA7C98FC-0AF0-AE45-A195-D023F30AD744}" type="datetimeFigureOut">
               <a:rPr lang="en-US" smtClean="0"/>
-              <a:t>7/21/25</a:t>
+              <a:t>7/25/25</a:t>
             </a:fld>
             <a:endParaRPr lang="en-US"/>
           </a:p>
@@ -2417,7 +2417,7 @@
           <a:p>
             <a:fld id="{BA7C98FC-0AF0-AE45-A195-D023F30AD744}" type="datetimeFigureOut">
               <a:rPr lang="en-US" smtClean="0"/>
-              <a:t>7/21/25</a:t>
+              <a:t>7/25/25</a:t>
             </a:fld>
             <a:endParaRPr lang="en-US"/>
           </a:p>
@@ -2706,7 +2706,7 @@
           <a:p>
             <a:fld id="{BA7C98FC-0AF0-AE45-A195-D023F30AD744}" type="datetimeFigureOut">
               <a:rPr lang="en-US" smtClean="0"/>
-              <a:t>7/21/25</a:t>
+              <a:t>7/25/25</a:t>
             </a:fld>
             <a:endParaRPr lang="en-US"/>
           </a:p>
@@ -2949,7 +2949,7 @@
           <a:p>
             <a:fld id="{BA7C98FC-0AF0-AE45-A195-D023F30AD744}" type="datetimeFigureOut">
               <a:rPr lang="en-US" smtClean="0"/>
-              <a:t>7/21/25</a:t>
+              <a:t>7/25/25</a:t>
             </a:fld>
             <a:endParaRPr lang="en-US"/>
           </a:p>
@@ -5319,8 +5319,8 @@
         </p:nvSpPr>
         <p:spPr/>
         <p:txBody>
-          <a:bodyPr>
-            <a:normAutofit fontScale="77500" lnSpcReduction="20000"/>
+          <a:bodyPr numCol="2">
+            <a:normAutofit fontScale="92500" lnSpcReduction="10000"/>
           </a:bodyPr>
           <a:lstStyle/>
           <a:p>
@@ -5402,8 +5402,43 @@
           </a:p>
           <a:p>
             <a:r>
+              <a:rPr lang="en-US" dirty="0"/>
+              <a:t>Toggle Dropdown(Hide)</a:t>
+            </a:r>
+          </a:p>
+          <a:p>
+            <a:r>
+              <a:rPr lang="en-US" dirty="0"/>
+              <a:t>Cart Interface</a:t>
+            </a:r>
+          </a:p>
+          <a:p>
+            <a:r>
+              <a:rPr lang="en-US" dirty="0"/>
+              <a:t>Cart context &amp; reducers</a:t>
+            </a:r>
+          </a:p>
+          <a:p>
+            <a:r>
+              <a:rPr lang="en-US" dirty="0"/>
+              <a:t>Condition check already </a:t>
+            </a:r>
+            <a:r>
+              <a:rPr lang="en-US" dirty="0" err="1"/>
+              <a:t>incart</a:t>
+            </a:r>
+            <a:endParaRPr lang="en-US" dirty="0"/>
+          </a:p>
+          <a:p>
+            <a:r>
+              <a:rPr lang="en-US" dirty="0"/>
+              <a:t>Out of stock products</a:t>
+            </a:r>
+          </a:p>
+          <a:p>
+            <a:r>
               <a:rPr lang="en-US"/>
-              <a:t>Toggle Dropdown(Hide)</a:t>
+              <a:t>Protected routes</a:t>
             </a:r>
             <a:endParaRPr lang="en-US" dirty="0"/>
           </a:p>

--- a/react/react.pptx
+++ b/react/react.pptx
@@ -280,7 +280,7 @@
           <a:p>
             <a:fld id="{BA7C98FC-0AF0-AE45-A195-D023F30AD744}" type="datetimeFigureOut">
               <a:rPr lang="en-US" smtClean="0"/>
-              <a:t>7/25/25</a:t>
+              <a:t>7/29/25</a:t>
             </a:fld>
             <a:endParaRPr lang="en-US"/>
           </a:p>
@@ -480,7 +480,7 @@
           <a:p>
             <a:fld id="{BA7C98FC-0AF0-AE45-A195-D023F30AD744}" type="datetimeFigureOut">
               <a:rPr lang="en-US" smtClean="0"/>
-              <a:t>7/25/25</a:t>
+              <a:t>7/29/25</a:t>
             </a:fld>
             <a:endParaRPr lang="en-US"/>
           </a:p>
@@ -690,7 +690,7 @@
           <a:p>
             <a:fld id="{BA7C98FC-0AF0-AE45-A195-D023F30AD744}" type="datetimeFigureOut">
               <a:rPr lang="en-US" smtClean="0"/>
-              <a:t>7/25/25</a:t>
+              <a:t>7/29/25</a:t>
             </a:fld>
             <a:endParaRPr lang="en-US"/>
           </a:p>
@@ -890,7 +890,7 @@
           <a:p>
             <a:fld id="{BA7C98FC-0AF0-AE45-A195-D023F30AD744}" type="datetimeFigureOut">
               <a:rPr lang="en-US" smtClean="0"/>
-              <a:t>7/25/25</a:t>
+              <a:t>7/29/25</a:t>
             </a:fld>
             <a:endParaRPr lang="en-US"/>
           </a:p>
@@ -1166,7 +1166,7 @@
           <a:p>
             <a:fld id="{BA7C98FC-0AF0-AE45-A195-D023F30AD744}" type="datetimeFigureOut">
               <a:rPr lang="en-US" smtClean="0"/>
-              <a:t>7/25/25</a:t>
+              <a:t>7/29/25</a:t>
             </a:fld>
             <a:endParaRPr lang="en-US"/>
           </a:p>
@@ -1434,7 +1434,7 @@
           <a:p>
             <a:fld id="{BA7C98FC-0AF0-AE45-A195-D023F30AD744}" type="datetimeFigureOut">
               <a:rPr lang="en-US" smtClean="0"/>
-              <a:t>7/25/25</a:t>
+              <a:t>7/29/25</a:t>
             </a:fld>
             <a:endParaRPr lang="en-US"/>
           </a:p>
@@ -1849,7 +1849,7 @@
           <a:p>
             <a:fld id="{BA7C98FC-0AF0-AE45-A195-D023F30AD744}" type="datetimeFigureOut">
               <a:rPr lang="en-US" smtClean="0"/>
-              <a:t>7/25/25</a:t>
+              <a:t>7/29/25</a:t>
             </a:fld>
             <a:endParaRPr lang="en-US"/>
           </a:p>
@@ -1991,7 +1991,7 @@
           <a:p>
             <a:fld id="{BA7C98FC-0AF0-AE45-A195-D023F30AD744}" type="datetimeFigureOut">
               <a:rPr lang="en-US" smtClean="0"/>
-              <a:t>7/25/25</a:t>
+              <a:t>7/29/25</a:t>
             </a:fld>
             <a:endParaRPr lang="en-US"/>
           </a:p>
@@ -2104,7 +2104,7 @@
           <a:p>
             <a:fld id="{BA7C98FC-0AF0-AE45-A195-D023F30AD744}" type="datetimeFigureOut">
               <a:rPr lang="en-US" smtClean="0"/>
-              <a:t>7/25/25</a:t>
+              <a:t>7/29/25</a:t>
             </a:fld>
             <a:endParaRPr lang="en-US"/>
           </a:p>
@@ -2417,7 +2417,7 @@
           <a:p>
             <a:fld id="{BA7C98FC-0AF0-AE45-A195-D023F30AD744}" type="datetimeFigureOut">
               <a:rPr lang="en-US" smtClean="0"/>
-              <a:t>7/25/25</a:t>
+              <a:t>7/29/25</a:t>
             </a:fld>
             <a:endParaRPr lang="en-US"/>
           </a:p>
@@ -2706,7 +2706,7 @@
           <a:p>
             <a:fld id="{BA7C98FC-0AF0-AE45-A195-D023F30AD744}" type="datetimeFigureOut">
               <a:rPr lang="en-US" smtClean="0"/>
-              <a:t>7/25/25</a:t>
+              <a:t>7/29/25</a:t>
             </a:fld>
             <a:endParaRPr lang="en-US"/>
           </a:p>
@@ -2949,7 +2949,7 @@
           <a:p>
             <a:fld id="{BA7C98FC-0AF0-AE45-A195-D023F30AD744}" type="datetimeFigureOut">
               <a:rPr lang="en-US" smtClean="0"/>
-              <a:t>7/25/25</a:t>
+              <a:t>7/29/25</a:t>
             </a:fld>
             <a:endParaRPr lang="en-US"/>
           </a:p>
@@ -5320,7 +5320,7 @@
         <p:spPr/>
         <p:txBody>
           <a:bodyPr numCol="2">
-            <a:normAutofit fontScale="92500" lnSpcReduction="10000"/>
+            <a:normAutofit fontScale="70000" lnSpcReduction="20000"/>
           </a:bodyPr>
           <a:lstStyle/>
           <a:p>
@@ -5437,8 +5437,62 @@
           </a:p>
           <a:p>
             <a:r>
+              <a:rPr lang="en-US" dirty="0"/>
+              <a:t>Protected routes</a:t>
+            </a:r>
+          </a:p>
+          <a:p>
+            <a:r>
+              <a:rPr lang="en-US" dirty="0"/>
+              <a:t>Checkout Modal - 				 </a:t>
+            </a:r>
+            <a:r>
+              <a:rPr lang="en-US" dirty="0" err="1"/>
+              <a:t>npx</a:t>
+            </a:r>
+            <a:r>
+              <a:rPr lang="en-US" dirty="0"/>
+              <a:t> </a:t>
+            </a:r>
+            <a:r>
+              <a:rPr lang="en-US" dirty="0" err="1"/>
+              <a:t>json</a:t>
+            </a:r>
+            <a:r>
+              <a:rPr lang="en-US" dirty="0"/>
+              <a:t>-server-auth </a:t>
+            </a:r>
+            <a:r>
+              <a:rPr lang="en-US" dirty="0" err="1"/>
+              <a:t>db.json</a:t>
+            </a:r>
+            <a:r>
+              <a:rPr lang="en-US" dirty="0"/>
+              <a:t> -r </a:t>
+            </a:r>
+            <a:r>
+              <a:rPr lang="en-US" dirty="0" err="1"/>
+              <a:t>routes.json</a:t>
+            </a:r>
+            <a:endParaRPr lang="en-US" dirty="0"/>
+          </a:p>
+          <a:p>
+            <a:r>
+              <a:rPr lang="en-US" dirty="0"/>
+              <a:t>Order Submit Function</a:t>
+            </a:r>
+          </a:p>
+          <a:p>
+            <a:r>
+              <a:rPr lang="en-US" dirty="0" err="1"/>
+              <a:t>orderPage</a:t>
+            </a:r>
+            <a:endParaRPr lang="en-US" dirty="0"/>
+          </a:p>
+          <a:p>
+            <a:r>
               <a:rPr lang="en-US"/>
-              <a:t>Protected routes</a:t>
+              <a:t>dashboard</a:t>
             </a:r>
             <a:endParaRPr lang="en-US" dirty="0"/>
           </a:p>

--- a/react/react.pptx
+++ b/react/react.pptx
@@ -280,7 +280,7 @@
           <a:p>
             <a:fld id="{BA7C98FC-0AF0-AE45-A195-D023F30AD744}" type="datetimeFigureOut">
               <a:rPr lang="en-US" smtClean="0"/>
-              <a:t>7/29/25</a:t>
+              <a:t>8/5/25</a:t>
             </a:fld>
             <a:endParaRPr lang="en-US"/>
           </a:p>
@@ -480,7 +480,7 @@
           <a:p>
             <a:fld id="{BA7C98FC-0AF0-AE45-A195-D023F30AD744}" type="datetimeFigureOut">
               <a:rPr lang="en-US" smtClean="0"/>
-              <a:t>7/29/25</a:t>
+              <a:t>8/5/25</a:t>
             </a:fld>
             <a:endParaRPr lang="en-US"/>
           </a:p>
@@ -690,7 +690,7 @@
           <a:p>
             <a:fld id="{BA7C98FC-0AF0-AE45-A195-D023F30AD744}" type="datetimeFigureOut">
               <a:rPr lang="en-US" smtClean="0"/>
-              <a:t>7/29/25</a:t>
+              <a:t>8/5/25</a:t>
             </a:fld>
             <a:endParaRPr lang="en-US"/>
           </a:p>
@@ -890,7 +890,7 @@
           <a:p>
             <a:fld id="{BA7C98FC-0AF0-AE45-A195-D023F30AD744}" type="datetimeFigureOut">
               <a:rPr lang="en-US" smtClean="0"/>
-              <a:t>7/29/25</a:t>
+              <a:t>8/5/25</a:t>
             </a:fld>
             <a:endParaRPr lang="en-US"/>
           </a:p>
@@ -1166,7 +1166,7 @@
           <a:p>
             <a:fld id="{BA7C98FC-0AF0-AE45-A195-D023F30AD744}" type="datetimeFigureOut">
               <a:rPr lang="en-US" smtClean="0"/>
-              <a:t>7/29/25</a:t>
+              <a:t>8/5/25</a:t>
             </a:fld>
             <a:endParaRPr lang="en-US"/>
           </a:p>
@@ -1434,7 +1434,7 @@
           <a:p>
             <a:fld id="{BA7C98FC-0AF0-AE45-A195-D023F30AD744}" type="datetimeFigureOut">
               <a:rPr lang="en-US" smtClean="0"/>
-              <a:t>7/29/25</a:t>
+              <a:t>8/5/25</a:t>
             </a:fld>
             <a:endParaRPr lang="en-US"/>
           </a:p>
@@ -1849,7 +1849,7 @@
           <a:p>
             <a:fld id="{BA7C98FC-0AF0-AE45-A195-D023F30AD744}" type="datetimeFigureOut">
               <a:rPr lang="en-US" smtClean="0"/>
-              <a:t>7/29/25</a:t>
+              <a:t>8/5/25</a:t>
             </a:fld>
             <a:endParaRPr lang="en-US"/>
           </a:p>
@@ -1991,7 +1991,7 @@
           <a:p>
             <a:fld id="{BA7C98FC-0AF0-AE45-A195-D023F30AD744}" type="datetimeFigureOut">
               <a:rPr lang="en-US" smtClean="0"/>
-              <a:t>7/29/25</a:t>
+              <a:t>8/5/25</a:t>
             </a:fld>
             <a:endParaRPr lang="en-US"/>
           </a:p>
@@ -2104,7 +2104,7 @@
           <a:p>
             <a:fld id="{BA7C98FC-0AF0-AE45-A195-D023F30AD744}" type="datetimeFigureOut">
               <a:rPr lang="en-US" smtClean="0"/>
-              <a:t>7/29/25</a:t>
+              <a:t>8/5/25</a:t>
             </a:fld>
             <a:endParaRPr lang="en-US"/>
           </a:p>
@@ -2417,7 +2417,7 @@
           <a:p>
             <a:fld id="{BA7C98FC-0AF0-AE45-A195-D023F30AD744}" type="datetimeFigureOut">
               <a:rPr lang="en-US" smtClean="0"/>
-              <a:t>7/29/25</a:t>
+              <a:t>8/5/25</a:t>
             </a:fld>
             <a:endParaRPr lang="en-US"/>
           </a:p>
@@ -2706,7 +2706,7 @@
           <a:p>
             <a:fld id="{BA7C98FC-0AF0-AE45-A195-D023F30AD744}" type="datetimeFigureOut">
               <a:rPr lang="en-US" smtClean="0"/>
-              <a:t>7/29/25</a:t>
+              <a:t>8/5/25</a:t>
             </a:fld>
             <a:endParaRPr lang="en-US"/>
           </a:p>
@@ -2949,7 +2949,7 @@
           <a:p>
             <a:fld id="{BA7C98FC-0AF0-AE45-A195-D023F30AD744}" type="datetimeFigureOut">
               <a:rPr lang="en-US" smtClean="0"/>
-              <a:t>7/29/25</a:t>
+              <a:t>8/5/25</a:t>
             </a:fld>
             <a:endParaRPr lang="en-US"/>
           </a:p>
@@ -5320,7 +5320,7 @@
         <p:spPr/>
         <p:txBody>
           <a:bodyPr numCol="2">
-            <a:normAutofit fontScale="70000" lnSpcReduction="20000"/>
+            <a:normAutofit fontScale="55000" lnSpcReduction="20000"/>
           </a:bodyPr>
           <a:lstStyle/>
           <a:p>
@@ -5491,12 +5491,51 @@
           </a:p>
           <a:p>
             <a:r>
+              <a:rPr lang="en-US" dirty="0"/>
+              <a:t>dashboard</a:t>
+            </a:r>
+          </a:p>
+          <a:p>
+            <a:r>
+              <a:rPr lang="en-US" dirty="0"/>
+              <a:t>Auth service API End Points</a:t>
+            </a:r>
+          </a:p>
+          <a:p>
+            <a:r>
+              <a:rPr lang="en-US" dirty="0"/>
+              <a:t>Product service API End Points</a:t>
+            </a:r>
+          </a:p>
+          <a:p>
+            <a:r>
+              <a:rPr lang="en-US" dirty="0"/>
+              <a:t>Page Not Found</a:t>
+            </a:r>
+          </a:p>
+          <a:p>
+            <a:r>
+              <a:rPr lang="en-US" dirty="0"/>
+              <a:t>Dynamic page title</a:t>
+            </a:r>
+          </a:p>
+          <a:p>
+            <a:r>
+              <a:rPr lang="en-US" dirty="0"/>
+              <a:t>Error handling</a:t>
+            </a:r>
+          </a:p>
+          <a:p>
+            <a:r>
+              <a:rPr lang="en-US" dirty="0"/>
+              <a:t>Env file</a:t>
+            </a:r>
+          </a:p>
+          <a:p>
+            <a:r>
               <a:rPr lang="en-US"/>
-              <a:t>dashboard</a:t>
-            </a:r>
-            <a:endParaRPr lang="en-US" dirty="0"/>
-          </a:p>
-          <a:p>
+              <a:t>Frontend Deployment</a:t>
+            </a:r>
             <a:endParaRPr lang="en-US" dirty="0"/>
           </a:p>
         </p:txBody>

--- a/react/react.pptx
+++ b/react/react.pptx
@@ -280,7 +280,7 @@
           <a:p>
             <a:fld id="{BA7C98FC-0AF0-AE45-A195-D023F30AD744}" type="datetimeFigureOut">
               <a:rPr lang="en-US" smtClean="0"/>
-              <a:t>8/5/25</a:t>
+              <a:t>8/11/25</a:t>
             </a:fld>
             <a:endParaRPr lang="en-US"/>
           </a:p>
@@ -480,7 +480,7 @@
           <a:p>
             <a:fld id="{BA7C98FC-0AF0-AE45-A195-D023F30AD744}" type="datetimeFigureOut">
               <a:rPr lang="en-US" smtClean="0"/>
-              <a:t>8/5/25</a:t>
+              <a:t>8/11/25</a:t>
             </a:fld>
             <a:endParaRPr lang="en-US"/>
           </a:p>
@@ -690,7 +690,7 @@
           <a:p>
             <a:fld id="{BA7C98FC-0AF0-AE45-A195-D023F30AD744}" type="datetimeFigureOut">
               <a:rPr lang="en-US" smtClean="0"/>
-              <a:t>8/5/25</a:t>
+              <a:t>8/11/25</a:t>
             </a:fld>
             <a:endParaRPr lang="en-US"/>
           </a:p>
@@ -890,7 +890,7 @@
           <a:p>
             <a:fld id="{BA7C98FC-0AF0-AE45-A195-D023F30AD744}" type="datetimeFigureOut">
               <a:rPr lang="en-US" smtClean="0"/>
-              <a:t>8/5/25</a:t>
+              <a:t>8/11/25</a:t>
             </a:fld>
             <a:endParaRPr lang="en-US"/>
           </a:p>
@@ -1166,7 +1166,7 @@
           <a:p>
             <a:fld id="{BA7C98FC-0AF0-AE45-A195-D023F30AD744}" type="datetimeFigureOut">
               <a:rPr lang="en-US" smtClean="0"/>
-              <a:t>8/5/25</a:t>
+              <a:t>8/11/25</a:t>
             </a:fld>
             <a:endParaRPr lang="en-US"/>
           </a:p>
@@ -1434,7 +1434,7 @@
           <a:p>
             <a:fld id="{BA7C98FC-0AF0-AE45-A195-D023F30AD744}" type="datetimeFigureOut">
               <a:rPr lang="en-US" smtClean="0"/>
-              <a:t>8/5/25</a:t>
+              <a:t>8/11/25</a:t>
             </a:fld>
             <a:endParaRPr lang="en-US"/>
           </a:p>
@@ -1849,7 +1849,7 @@
           <a:p>
             <a:fld id="{BA7C98FC-0AF0-AE45-A195-D023F30AD744}" type="datetimeFigureOut">
               <a:rPr lang="en-US" smtClean="0"/>
-              <a:t>8/5/25</a:t>
+              <a:t>8/11/25</a:t>
             </a:fld>
             <a:endParaRPr lang="en-US"/>
           </a:p>
@@ -1991,7 +1991,7 @@
           <a:p>
             <a:fld id="{BA7C98FC-0AF0-AE45-A195-D023F30AD744}" type="datetimeFigureOut">
               <a:rPr lang="en-US" smtClean="0"/>
-              <a:t>8/5/25</a:t>
+              <a:t>8/11/25</a:t>
             </a:fld>
             <a:endParaRPr lang="en-US"/>
           </a:p>
@@ -2104,7 +2104,7 @@
           <a:p>
             <a:fld id="{BA7C98FC-0AF0-AE45-A195-D023F30AD744}" type="datetimeFigureOut">
               <a:rPr lang="en-US" smtClean="0"/>
-              <a:t>8/5/25</a:t>
+              <a:t>8/11/25</a:t>
             </a:fld>
             <a:endParaRPr lang="en-US"/>
           </a:p>
@@ -2417,7 +2417,7 @@
           <a:p>
             <a:fld id="{BA7C98FC-0AF0-AE45-A195-D023F30AD744}" type="datetimeFigureOut">
               <a:rPr lang="en-US" smtClean="0"/>
-              <a:t>8/5/25</a:t>
+              <a:t>8/11/25</a:t>
             </a:fld>
             <a:endParaRPr lang="en-US"/>
           </a:p>
@@ -2706,7 +2706,7 @@
           <a:p>
             <a:fld id="{BA7C98FC-0AF0-AE45-A195-D023F30AD744}" type="datetimeFigureOut">
               <a:rPr lang="en-US" smtClean="0"/>
-              <a:t>8/5/25</a:t>
+              <a:t>8/11/25</a:t>
             </a:fld>
             <a:endParaRPr lang="en-US"/>
           </a:p>
@@ -2949,7 +2949,7 @@
           <a:p>
             <a:fld id="{BA7C98FC-0AF0-AE45-A195-D023F30AD744}" type="datetimeFigureOut">
               <a:rPr lang="en-US" smtClean="0"/>
-              <a:t>8/5/25</a:t>
+              <a:t>8/11/25</a:t>
             </a:fld>
             <a:endParaRPr lang="en-US"/>
           </a:p>
@@ -5446,6 +5446,11 @@
               <a:rPr lang="en-US" dirty="0"/>
               <a:t>Checkout Modal - 				 </a:t>
             </a:r>
+          </a:p>
+          <a:p>
+            <a:pPr marL="0" indent="0">
+              <a:buNone/>
+            </a:pPr>
             <a:r>
               <a:rPr lang="en-US" dirty="0" err="1"/>
               <a:t>npx</a:t>
@@ -5474,7 +5479,10 @@
               <a:rPr lang="en-US" dirty="0" err="1"/>
               <a:t>routes.json</a:t>
             </a:r>
-            <a:endParaRPr lang="en-US" dirty="0"/>
+            <a:r>
+              <a:rPr lang="en-US" dirty="0"/>
+              <a:t> –p 8000</a:t>
+            </a:r>
           </a:p>
           <a:p>
             <a:r>
@@ -5533,10 +5541,9 @@
           </a:p>
           <a:p>
             <a:r>
-              <a:rPr lang="en-US"/>
+              <a:rPr lang="en-US" dirty="0"/>
               <a:t>Frontend Deployment</a:t>
             </a:r>
-            <a:endParaRPr lang="en-US" dirty="0"/>
           </a:p>
         </p:txBody>
       </p:sp>
